--- a/laneline.pptx
+++ b/laneline.pptx
@@ -5,26 +5,31 @@
     <p:sldMasterId id="2147483660" r:id="rId1"/>
   </p:sldMasterIdLst>
   <p:notesMasterIdLst>
-    <p:notesMasterId r:id="rId19"/>
+    <p:notesMasterId r:id="rId24"/>
   </p:notesMasterIdLst>
   <p:sldIdLst>
     <p:sldId id="256" r:id="rId2"/>
     <p:sldId id="257" r:id="rId3"/>
     <p:sldId id="258" r:id="rId4"/>
-    <p:sldId id="259" r:id="rId5"/>
+    <p:sldId id="274" r:id="rId5"/>
     <p:sldId id="260" r:id="rId6"/>
     <p:sldId id="261" r:id="rId7"/>
     <p:sldId id="262" r:id="rId8"/>
-    <p:sldId id="263" r:id="rId9"/>
-    <p:sldId id="264" r:id="rId10"/>
-    <p:sldId id="265" r:id="rId11"/>
-    <p:sldId id="266" r:id="rId12"/>
-    <p:sldId id="267" r:id="rId13"/>
-    <p:sldId id="268" r:id="rId14"/>
-    <p:sldId id="269" r:id="rId15"/>
-    <p:sldId id="270" r:id="rId16"/>
-    <p:sldId id="271" r:id="rId17"/>
-    <p:sldId id="272" r:id="rId18"/>
+    <p:sldId id="273" r:id="rId9"/>
+    <p:sldId id="275" r:id="rId10"/>
+    <p:sldId id="263" r:id="rId11"/>
+    <p:sldId id="264" r:id="rId12"/>
+    <p:sldId id="265" r:id="rId13"/>
+    <p:sldId id="266" r:id="rId14"/>
+    <p:sldId id="276" r:id="rId15"/>
+    <p:sldId id="277" r:id="rId16"/>
+    <p:sldId id="278" r:id="rId17"/>
+    <p:sldId id="267" r:id="rId18"/>
+    <p:sldId id="268" r:id="rId19"/>
+    <p:sldId id="269" r:id="rId20"/>
+    <p:sldId id="270" r:id="rId21"/>
+    <p:sldId id="271" r:id="rId22"/>
+    <p:sldId id="272" r:id="rId23"/>
   </p:sldIdLst>
   <p:sldSz cx="12192000" cy="6858000"/>
   <p:notesSz cx="6858000" cy="9144000"/>
@@ -257,6 +262,11 @@
       </a:defRPr>
     </a:lvl9pPr>
   </p:defaultTextStyle>
+  <p:extLst>
+    <p:ext uri="{EFAFB233-063F-42B5-8137-9DF3F51BA10A}">
+      <p15:sldGuideLst xmlns:p15="http://schemas.microsoft.com/office/powerpoint/2012/main"/>
+    </p:ext>
+  </p:extLst>
 </p:presentation>
 </file>
 
@@ -810,7 +820,7 @@
   <p:cSld>
     <p:spTree>
       <p:nvGrpSpPr>
-        <p:cNvPr id="1" name="Shape 111"/>
+        <p:cNvPr id="1" name="Shape 99"/>
         <p:cNvGrpSpPr/>
         <p:nvPr/>
       </p:nvGrpSpPr>
@@ -824,7 +834,7 @@
       </p:grpSpPr>
       <p:sp>
         <p:nvSpPr>
-          <p:cNvPr id="112" name="Google Shape;112;g104a4e9dfd5_1_24:notes"/>
+          <p:cNvPr id="100" name="Google Shape;100;g104a4e9dfd5_1_13:notes"/>
           <p:cNvSpPr>
             <a:spLocks noGrp="1" noRot="1" noChangeAspect="1"/>
           </p:cNvSpPr>
@@ -834,8 +844,8 @@
         </p:nvSpPr>
         <p:spPr>
           <a:xfrm>
-            <a:off x="1143225" y="685800"/>
-            <a:ext cx="4572300" cy="3429000"/>
+            <a:off x="381000" y="685800"/>
+            <a:ext cx="6096000" cy="3429000"/>
           </a:xfrm>
           <a:custGeom>
             <a:avLst/>
@@ -865,7 +875,7 @@
       </p:sp>
       <p:sp>
         <p:nvSpPr>
-          <p:cNvPr id="113" name="Google Shape;113;g104a4e9dfd5_1_24:notes"/>
+          <p:cNvPr id="101" name="Google Shape;101;g104a4e9dfd5_1_13:notes"/>
           <p:cNvSpPr txBox="1">
             <a:spLocks noGrp="1"/>
           </p:cNvSpPr>
@@ -914,7 +924,7 @@
   <p:cSld>
     <p:spTree>
       <p:nvGrpSpPr>
-        <p:cNvPr id="1" name="Shape 117"/>
+        <p:cNvPr id="1" name="Shape 105"/>
         <p:cNvGrpSpPr/>
         <p:nvPr/>
       </p:nvGrpSpPr>
@@ -928,7 +938,7 @@
       </p:grpSpPr>
       <p:sp>
         <p:nvSpPr>
-          <p:cNvPr id="118" name="Google Shape;118;g104a4e9dfd5_1_29:notes"/>
+          <p:cNvPr id="106" name="Google Shape;106;g104a4e9dfd5_1_19:notes"/>
           <p:cNvSpPr>
             <a:spLocks noGrp="1" noRot="1" noChangeAspect="1"/>
           </p:cNvSpPr>
@@ -938,8 +948,8 @@
         </p:nvSpPr>
         <p:spPr>
           <a:xfrm>
-            <a:off x="1143225" y="685800"/>
-            <a:ext cx="4572300" cy="3429000"/>
+            <a:off x="381000" y="685800"/>
+            <a:ext cx="6096000" cy="3429000"/>
           </a:xfrm>
           <a:custGeom>
             <a:avLst/>
@@ -969,7 +979,7 @@
       </p:sp>
       <p:sp>
         <p:nvSpPr>
-          <p:cNvPr id="119" name="Google Shape;119;g104a4e9dfd5_1_29:notes"/>
+          <p:cNvPr id="107" name="Google Shape;107;g104a4e9dfd5_1_19:notes"/>
           <p:cNvSpPr txBox="1">
             <a:spLocks noGrp="1"/>
           </p:cNvSpPr>
@@ -1018,7 +1028,7 @@
   <p:cSld>
     <p:spTree>
       <p:nvGrpSpPr>
-        <p:cNvPr id="1" name="Shape 123"/>
+        <p:cNvPr id="1" name="Shape 111"/>
         <p:cNvGrpSpPr/>
         <p:nvPr/>
       </p:nvGrpSpPr>
@@ -1032,7 +1042,7 @@
       </p:grpSpPr>
       <p:sp>
         <p:nvSpPr>
-          <p:cNvPr id="124" name="Google Shape;124;g104a4e9dfd5_1_34:notes"/>
+          <p:cNvPr id="112" name="Google Shape;112;g104a4e9dfd5_1_24:notes"/>
           <p:cNvSpPr>
             <a:spLocks noGrp="1" noRot="1" noChangeAspect="1"/>
           </p:cNvSpPr>
@@ -1042,8 +1052,8 @@
         </p:nvSpPr>
         <p:spPr>
           <a:xfrm>
-            <a:off x="1143225" y="685800"/>
-            <a:ext cx="4572300" cy="3429000"/>
+            <a:off x="381000" y="685800"/>
+            <a:ext cx="6096000" cy="3429000"/>
           </a:xfrm>
           <a:custGeom>
             <a:avLst/>
@@ -1073,7 +1083,7 @@
       </p:sp>
       <p:sp>
         <p:nvSpPr>
-          <p:cNvPr id="125" name="Google Shape;125;g104a4e9dfd5_1_34:notes"/>
+          <p:cNvPr id="113" name="Google Shape;113;g104a4e9dfd5_1_24:notes"/>
           <p:cNvSpPr txBox="1">
             <a:spLocks noGrp="1"/>
           </p:cNvSpPr>
@@ -1122,7 +1132,7 @@
   <p:cSld>
     <p:spTree>
       <p:nvGrpSpPr>
-        <p:cNvPr id="1" name="Shape 129"/>
+        <p:cNvPr id="1" name="Shape 117"/>
         <p:cNvGrpSpPr/>
         <p:nvPr/>
       </p:nvGrpSpPr>
@@ -1136,7 +1146,7 @@
       </p:grpSpPr>
       <p:sp>
         <p:nvSpPr>
-          <p:cNvPr id="130" name="Google Shape;130;g104a4e9dfd5_1_39:notes"/>
+          <p:cNvPr id="118" name="Google Shape;118;g104a4e9dfd5_1_29:notes"/>
           <p:cNvSpPr>
             <a:spLocks noGrp="1" noRot="1" noChangeAspect="1"/>
           </p:cNvSpPr>
@@ -1146,8 +1156,8 @@
         </p:nvSpPr>
         <p:spPr>
           <a:xfrm>
-            <a:off x="1143225" y="685800"/>
-            <a:ext cx="4572300" cy="3429000"/>
+            <a:off x="381000" y="685800"/>
+            <a:ext cx="6096000" cy="3429000"/>
           </a:xfrm>
           <a:custGeom>
             <a:avLst/>
@@ -1177,7 +1187,7 @@
       </p:sp>
       <p:sp>
         <p:nvSpPr>
-          <p:cNvPr id="131" name="Google Shape;131;g104a4e9dfd5_1_39:notes"/>
+          <p:cNvPr id="119" name="Google Shape;119;g104a4e9dfd5_1_29:notes"/>
           <p:cNvSpPr txBox="1">
             <a:spLocks noGrp="1"/>
           </p:cNvSpPr>
@@ -1226,7 +1236,7 @@
   <p:cSld>
     <p:spTree>
       <p:nvGrpSpPr>
-        <p:cNvPr id="1" name="Shape 135"/>
+        <p:cNvPr id="1" name="Shape 117"/>
         <p:cNvGrpSpPr/>
         <p:nvPr/>
       </p:nvGrpSpPr>
@@ -1240,7 +1250,7 @@
       </p:grpSpPr>
       <p:sp>
         <p:nvSpPr>
-          <p:cNvPr id="136" name="Google Shape;136;g104a4e9dfd5_1_44:notes"/>
+          <p:cNvPr id="118" name="Google Shape;118;g104a4e9dfd5_1_29:notes"/>
           <p:cNvSpPr>
             <a:spLocks noGrp="1" noRot="1" noChangeAspect="1"/>
           </p:cNvSpPr>
@@ -1250,8 +1260,8 @@
         </p:nvSpPr>
         <p:spPr>
           <a:xfrm>
-            <a:off x="1143225" y="685800"/>
-            <a:ext cx="4572300" cy="3429000"/>
+            <a:off x="381000" y="685800"/>
+            <a:ext cx="6096000" cy="3429000"/>
           </a:xfrm>
           <a:custGeom>
             <a:avLst/>
@@ -1281,7 +1291,7 @@
       </p:sp>
       <p:sp>
         <p:nvSpPr>
-          <p:cNvPr id="137" name="Google Shape;137;g104a4e9dfd5_1_44:notes"/>
+          <p:cNvPr id="119" name="Google Shape;119;g104a4e9dfd5_1_29:notes"/>
           <p:cNvSpPr txBox="1">
             <a:spLocks noGrp="1"/>
           </p:cNvSpPr>
@@ -1318,6 +1328,11 @@
         </p:txBody>
       </p:sp>
     </p:spTree>
+    <p:extLst>
+      <p:ext uri="{BB962C8B-B14F-4D97-AF65-F5344CB8AC3E}">
+        <p14:creationId xmlns:p14="http://schemas.microsoft.com/office/powerpoint/2010/main" val="1581443421"/>
+      </p:ext>
+    </p:extLst>
   </p:cSld>
   <p:clrMapOvr>
     <a:masterClrMapping/>
@@ -1330,7 +1345,7 @@
   <p:cSld>
     <p:spTree>
       <p:nvGrpSpPr>
-        <p:cNvPr id="1" name="Shape 141"/>
+        <p:cNvPr id="1" name="Shape 117"/>
         <p:cNvGrpSpPr/>
         <p:nvPr/>
       </p:nvGrpSpPr>
@@ -1344,7 +1359,7 @@
       </p:grpSpPr>
       <p:sp>
         <p:nvSpPr>
-          <p:cNvPr id="142" name="Google Shape;142;g104a4e9dfd5_1_49:notes"/>
+          <p:cNvPr id="118" name="Google Shape;118;g104a4e9dfd5_1_29:notes"/>
           <p:cNvSpPr>
             <a:spLocks noGrp="1" noRot="1" noChangeAspect="1"/>
           </p:cNvSpPr>
@@ -1354,8 +1369,8 @@
         </p:nvSpPr>
         <p:spPr>
           <a:xfrm>
-            <a:off x="1143225" y="685800"/>
-            <a:ext cx="4572300" cy="3429000"/>
+            <a:off x="381000" y="685800"/>
+            <a:ext cx="6096000" cy="3429000"/>
           </a:xfrm>
           <a:custGeom>
             <a:avLst/>
@@ -1385,7 +1400,7 @@
       </p:sp>
       <p:sp>
         <p:nvSpPr>
-          <p:cNvPr id="143" name="Google Shape;143;g104a4e9dfd5_1_49:notes"/>
+          <p:cNvPr id="119" name="Google Shape;119;g104a4e9dfd5_1_29:notes"/>
           <p:cNvSpPr txBox="1">
             <a:spLocks noGrp="1"/>
           </p:cNvSpPr>
@@ -1422,6 +1437,11 @@
         </p:txBody>
       </p:sp>
     </p:spTree>
+    <p:extLst>
+      <p:ext uri="{BB962C8B-B14F-4D97-AF65-F5344CB8AC3E}">
+        <p14:creationId xmlns:p14="http://schemas.microsoft.com/office/powerpoint/2010/main" val="446648525"/>
+      </p:ext>
+    </p:extLst>
   </p:cSld>
   <p:clrMapOvr>
     <a:masterClrMapping/>
@@ -1434,7 +1454,7 @@
   <p:cSld>
     <p:spTree>
       <p:nvGrpSpPr>
-        <p:cNvPr id="1" name="Shape 147"/>
+        <p:cNvPr id="1" name="Shape 117"/>
         <p:cNvGrpSpPr/>
         <p:nvPr/>
       </p:nvGrpSpPr>
@@ -1448,7 +1468,7 @@
       </p:grpSpPr>
       <p:sp>
         <p:nvSpPr>
-          <p:cNvPr id="148" name="Google Shape;148;g104a4e9dfd5_2_12:notes"/>
+          <p:cNvPr id="118" name="Google Shape;118;g104a4e9dfd5_1_29:notes"/>
           <p:cNvSpPr>
             <a:spLocks noGrp="1" noRot="1" noChangeAspect="1"/>
           </p:cNvSpPr>
@@ -1458,8 +1478,8 @@
         </p:nvSpPr>
         <p:spPr>
           <a:xfrm>
-            <a:off x="1143225" y="685800"/>
-            <a:ext cx="4572300" cy="3429000"/>
+            <a:off x="381000" y="685800"/>
+            <a:ext cx="6096000" cy="3429000"/>
           </a:xfrm>
           <a:custGeom>
             <a:avLst/>
@@ -1489,7 +1509,7 @@
       </p:sp>
       <p:sp>
         <p:nvSpPr>
-          <p:cNvPr id="149" name="Google Shape;149;g104a4e9dfd5_2_12:notes"/>
+          <p:cNvPr id="119" name="Google Shape;119;g104a4e9dfd5_1_29:notes"/>
           <p:cNvSpPr txBox="1">
             <a:spLocks noGrp="1"/>
           </p:cNvSpPr>
@@ -1526,6 +1546,11 @@
         </p:txBody>
       </p:sp>
     </p:spTree>
+    <p:extLst>
+      <p:ext uri="{BB962C8B-B14F-4D97-AF65-F5344CB8AC3E}">
+        <p14:creationId xmlns:p14="http://schemas.microsoft.com/office/powerpoint/2010/main" val="318418280"/>
+      </p:ext>
+    </p:extLst>
   </p:cSld>
   <p:clrMapOvr>
     <a:masterClrMapping/>
@@ -1538,7 +1563,7 @@
   <p:cSld>
     <p:spTree>
       <p:nvGrpSpPr>
-        <p:cNvPr id="1" name="Shape 153"/>
+        <p:cNvPr id="1" name="Shape 123"/>
         <p:cNvGrpSpPr/>
         <p:nvPr/>
       </p:nvGrpSpPr>
@@ -1552,7 +1577,7 @@
       </p:grpSpPr>
       <p:sp>
         <p:nvSpPr>
-          <p:cNvPr id="154" name="Google Shape;154;g104a4e9dfd5_2_22:notes"/>
+          <p:cNvPr id="124" name="Google Shape;124;g104a4e9dfd5_1_34:notes"/>
           <p:cNvSpPr>
             <a:spLocks noGrp="1" noRot="1" noChangeAspect="1"/>
           </p:cNvSpPr>
@@ -1562,8 +1587,8 @@
         </p:nvSpPr>
         <p:spPr>
           <a:xfrm>
-            <a:off x="1143225" y="685800"/>
-            <a:ext cx="4572300" cy="3429000"/>
+            <a:off x="381000" y="685800"/>
+            <a:ext cx="6096000" cy="3429000"/>
           </a:xfrm>
           <a:custGeom>
             <a:avLst/>
@@ -1593,7 +1618,215 @@
       </p:sp>
       <p:sp>
         <p:nvSpPr>
-          <p:cNvPr id="155" name="Google Shape;155;g104a4e9dfd5_2_22:notes"/>
+          <p:cNvPr id="125" name="Google Shape;125;g104a4e9dfd5_1_34:notes"/>
+          <p:cNvSpPr txBox="1">
+            <a:spLocks noGrp="1"/>
+          </p:cNvSpPr>
+          <p:nvPr>
+            <p:ph type="body" idx="1"/>
+          </p:nvPr>
+        </p:nvSpPr>
+        <p:spPr>
+          <a:xfrm>
+            <a:off x="685800" y="4343400"/>
+            <a:ext cx="5486400" cy="4114800"/>
+          </a:xfrm>
+          <a:prstGeom prst="rect">
+            <a:avLst/>
+          </a:prstGeom>
+        </p:spPr>
+        <p:txBody>
+          <a:bodyPr spcFirstLastPara="1" wrap="square" lIns="91425" tIns="91425" rIns="91425" bIns="91425" anchor="t" anchorCtr="0">
+            <a:noAutofit/>
+          </a:bodyPr>
+          <a:lstStyle/>
+          <a:p>
+            <a:pPr marL="0" lvl="0" indent="0" algn="l" rtl="0">
+              <a:spcBef>
+                <a:spcPts val="0"/>
+              </a:spcBef>
+              <a:spcAft>
+                <a:spcPts val="0"/>
+              </a:spcAft>
+              <a:buNone/>
+            </a:pPr>
+            <a:endParaRPr/>
+          </a:p>
+        </p:txBody>
+      </p:sp>
+    </p:spTree>
+  </p:cSld>
+  <p:clrMapOvr>
+    <a:masterClrMapping/>
+  </p:clrMapOvr>
+</p:notes>
+</file>
+
+<file path=ppt/notesSlides/notesSlide18.xml><?xml version="1.0" encoding="utf-8"?>
+<p:notes xmlns:a="http://schemas.openxmlformats.org/drawingml/2006/main" xmlns:r="http://schemas.openxmlformats.org/officeDocument/2006/relationships" xmlns:p="http://schemas.openxmlformats.org/presentationml/2006/main" showMasterSp="0" showMasterPhAnim="0">
+  <p:cSld>
+    <p:spTree>
+      <p:nvGrpSpPr>
+        <p:cNvPr id="1" name="Shape 129"/>
+        <p:cNvGrpSpPr/>
+        <p:nvPr/>
+      </p:nvGrpSpPr>
+      <p:grpSpPr>
+        <a:xfrm>
+          <a:off x="0" y="0"/>
+          <a:ext cx="0" cy="0"/>
+          <a:chOff x="0" y="0"/>
+          <a:chExt cx="0" cy="0"/>
+        </a:xfrm>
+      </p:grpSpPr>
+      <p:sp>
+        <p:nvSpPr>
+          <p:cNvPr id="130" name="Google Shape;130;g104a4e9dfd5_1_39:notes"/>
+          <p:cNvSpPr>
+            <a:spLocks noGrp="1" noRot="1" noChangeAspect="1"/>
+          </p:cNvSpPr>
+          <p:nvPr>
+            <p:ph type="sldImg" idx="2"/>
+          </p:nvPr>
+        </p:nvSpPr>
+        <p:spPr>
+          <a:xfrm>
+            <a:off x="381000" y="685800"/>
+            <a:ext cx="6096000" cy="3429000"/>
+          </a:xfrm>
+          <a:custGeom>
+            <a:avLst/>
+            <a:gdLst/>
+            <a:ahLst/>
+            <a:cxnLst/>
+            <a:rect l="l" t="t" r="r" b="b"/>
+            <a:pathLst>
+              <a:path w="120000" h="120000" extrusionOk="0">
+                <a:moveTo>
+                  <a:pt x="0" y="0"/>
+                </a:moveTo>
+                <a:lnTo>
+                  <a:pt x="120000" y="0"/>
+                </a:lnTo>
+                <a:lnTo>
+                  <a:pt x="120000" y="120000"/>
+                </a:lnTo>
+                <a:lnTo>
+                  <a:pt x="0" y="120000"/>
+                </a:lnTo>
+                <a:close/>
+              </a:path>
+            </a:pathLst>
+          </a:custGeom>
+        </p:spPr>
+      </p:sp>
+      <p:sp>
+        <p:nvSpPr>
+          <p:cNvPr id="131" name="Google Shape;131;g104a4e9dfd5_1_39:notes"/>
+          <p:cNvSpPr txBox="1">
+            <a:spLocks noGrp="1"/>
+          </p:cNvSpPr>
+          <p:nvPr>
+            <p:ph type="body" idx="1"/>
+          </p:nvPr>
+        </p:nvSpPr>
+        <p:spPr>
+          <a:xfrm>
+            <a:off x="685800" y="4343400"/>
+            <a:ext cx="5486400" cy="4114800"/>
+          </a:xfrm>
+          <a:prstGeom prst="rect">
+            <a:avLst/>
+          </a:prstGeom>
+        </p:spPr>
+        <p:txBody>
+          <a:bodyPr spcFirstLastPara="1" wrap="square" lIns="91425" tIns="91425" rIns="91425" bIns="91425" anchor="t" anchorCtr="0">
+            <a:noAutofit/>
+          </a:bodyPr>
+          <a:lstStyle/>
+          <a:p>
+            <a:pPr marL="0" lvl="0" indent="0" algn="l" rtl="0">
+              <a:spcBef>
+                <a:spcPts val="0"/>
+              </a:spcBef>
+              <a:spcAft>
+                <a:spcPts val="0"/>
+              </a:spcAft>
+              <a:buNone/>
+            </a:pPr>
+            <a:endParaRPr/>
+          </a:p>
+        </p:txBody>
+      </p:sp>
+    </p:spTree>
+  </p:cSld>
+  <p:clrMapOvr>
+    <a:masterClrMapping/>
+  </p:clrMapOvr>
+</p:notes>
+</file>
+
+<file path=ppt/notesSlides/notesSlide19.xml><?xml version="1.0" encoding="utf-8"?>
+<p:notes xmlns:a="http://schemas.openxmlformats.org/drawingml/2006/main" xmlns:r="http://schemas.openxmlformats.org/officeDocument/2006/relationships" xmlns:p="http://schemas.openxmlformats.org/presentationml/2006/main" showMasterSp="0" showMasterPhAnim="0">
+  <p:cSld>
+    <p:spTree>
+      <p:nvGrpSpPr>
+        <p:cNvPr id="1" name="Shape 135"/>
+        <p:cNvGrpSpPr/>
+        <p:nvPr/>
+      </p:nvGrpSpPr>
+      <p:grpSpPr>
+        <a:xfrm>
+          <a:off x="0" y="0"/>
+          <a:ext cx="0" cy="0"/>
+          <a:chOff x="0" y="0"/>
+          <a:chExt cx="0" cy="0"/>
+        </a:xfrm>
+      </p:grpSpPr>
+      <p:sp>
+        <p:nvSpPr>
+          <p:cNvPr id="136" name="Google Shape;136;g104a4e9dfd5_1_44:notes"/>
+          <p:cNvSpPr>
+            <a:spLocks noGrp="1" noRot="1" noChangeAspect="1"/>
+          </p:cNvSpPr>
+          <p:nvPr>
+            <p:ph type="sldImg" idx="2"/>
+          </p:nvPr>
+        </p:nvSpPr>
+        <p:spPr>
+          <a:xfrm>
+            <a:off x="381000" y="685800"/>
+            <a:ext cx="6096000" cy="3429000"/>
+          </a:xfrm>
+          <a:custGeom>
+            <a:avLst/>
+            <a:gdLst/>
+            <a:ahLst/>
+            <a:cxnLst/>
+            <a:rect l="l" t="t" r="r" b="b"/>
+            <a:pathLst>
+              <a:path w="120000" h="120000" extrusionOk="0">
+                <a:moveTo>
+                  <a:pt x="0" y="0"/>
+                </a:moveTo>
+                <a:lnTo>
+                  <a:pt x="120000" y="0"/>
+                </a:lnTo>
+                <a:lnTo>
+                  <a:pt x="120000" y="120000"/>
+                </a:lnTo>
+                <a:lnTo>
+                  <a:pt x="0" y="120000"/>
+                </a:lnTo>
+                <a:close/>
+              </a:path>
+            </a:pathLst>
+          </a:custGeom>
+        </p:spPr>
+      </p:sp>
+      <p:sp>
+        <p:nvSpPr>
+          <p:cNvPr id="137" name="Google Shape;137;g104a4e9dfd5_1_44:notes"/>
           <p:cNvSpPr txBox="1">
             <a:spLocks noGrp="1"/>
           </p:cNvSpPr>
@@ -1666,8 +1899,8 @@
         </p:nvSpPr>
         <p:spPr>
           <a:xfrm>
-            <a:off x="1143225" y="685800"/>
-            <a:ext cx="4572300" cy="3429000"/>
+            <a:off x="381000" y="685800"/>
+            <a:ext cx="6096000" cy="3429000"/>
           </a:xfrm>
           <a:custGeom>
             <a:avLst/>
@@ -1698,6 +1931,318 @@
       <p:sp>
         <p:nvSpPr>
           <p:cNvPr id="65" name="Google Shape;65;g104a4e9dfd5_0_0:notes"/>
+          <p:cNvSpPr txBox="1">
+            <a:spLocks noGrp="1"/>
+          </p:cNvSpPr>
+          <p:nvPr>
+            <p:ph type="body" idx="1"/>
+          </p:nvPr>
+        </p:nvSpPr>
+        <p:spPr>
+          <a:xfrm>
+            <a:off x="685800" y="4343400"/>
+            <a:ext cx="5486400" cy="4114800"/>
+          </a:xfrm>
+          <a:prstGeom prst="rect">
+            <a:avLst/>
+          </a:prstGeom>
+        </p:spPr>
+        <p:txBody>
+          <a:bodyPr spcFirstLastPara="1" wrap="square" lIns="91425" tIns="91425" rIns="91425" bIns="91425" anchor="t" anchorCtr="0">
+            <a:noAutofit/>
+          </a:bodyPr>
+          <a:lstStyle/>
+          <a:p>
+            <a:pPr marL="0" lvl="0" indent="0" algn="l" rtl="0">
+              <a:spcBef>
+                <a:spcPts val="0"/>
+              </a:spcBef>
+              <a:spcAft>
+                <a:spcPts val="0"/>
+              </a:spcAft>
+              <a:buNone/>
+            </a:pPr>
+            <a:endParaRPr/>
+          </a:p>
+        </p:txBody>
+      </p:sp>
+    </p:spTree>
+  </p:cSld>
+  <p:clrMapOvr>
+    <a:masterClrMapping/>
+  </p:clrMapOvr>
+</p:notes>
+</file>
+
+<file path=ppt/notesSlides/notesSlide20.xml><?xml version="1.0" encoding="utf-8"?>
+<p:notes xmlns:a="http://schemas.openxmlformats.org/drawingml/2006/main" xmlns:r="http://schemas.openxmlformats.org/officeDocument/2006/relationships" xmlns:p="http://schemas.openxmlformats.org/presentationml/2006/main" showMasterSp="0" showMasterPhAnim="0">
+  <p:cSld>
+    <p:spTree>
+      <p:nvGrpSpPr>
+        <p:cNvPr id="1" name="Shape 141"/>
+        <p:cNvGrpSpPr/>
+        <p:nvPr/>
+      </p:nvGrpSpPr>
+      <p:grpSpPr>
+        <a:xfrm>
+          <a:off x="0" y="0"/>
+          <a:ext cx="0" cy="0"/>
+          <a:chOff x="0" y="0"/>
+          <a:chExt cx="0" cy="0"/>
+        </a:xfrm>
+      </p:grpSpPr>
+      <p:sp>
+        <p:nvSpPr>
+          <p:cNvPr id="142" name="Google Shape;142;g104a4e9dfd5_1_49:notes"/>
+          <p:cNvSpPr>
+            <a:spLocks noGrp="1" noRot="1" noChangeAspect="1"/>
+          </p:cNvSpPr>
+          <p:nvPr>
+            <p:ph type="sldImg" idx="2"/>
+          </p:nvPr>
+        </p:nvSpPr>
+        <p:spPr>
+          <a:xfrm>
+            <a:off x="381000" y="685800"/>
+            <a:ext cx="6096000" cy="3429000"/>
+          </a:xfrm>
+          <a:custGeom>
+            <a:avLst/>
+            <a:gdLst/>
+            <a:ahLst/>
+            <a:cxnLst/>
+            <a:rect l="l" t="t" r="r" b="b"/>
+            <a:pathLst>
+              <a:path w="120000" h="120000" extrusionOk="0">
+                <a:moveTo>
+                  <a:pt x="0" y="0"/>
+                </a:moveTo>
+                <a:lnTo>
+                  <a:pt x="120000" y="0"/>
+                </a:lnTo>
+                <a:lnTo>
+                  <a:pt x="120000" y="120000"/>
+                </a:lnTo>
+                <a:lnTo>
+                  <a:pt x="0" y="120000"/>
+                </a:lnTo>
+                <a:close/>
+              </a:path>
+            </a:pathLst>
+          </a:custGeom>
+        </p:spPr>
+      </p:sp>
+      <p:sp>
+        <p:nvSpPr>
+          <p:cNvPr id="143" name="Google Shape;143;g104a4e9dfd5_1_49:notes"/>
+          <p:cNvSpPr txBox="1">
+            <a:spLocks noGrp="1"/>
+          </p:cNvSpPr>
+          <p:nvPr>
+            <p:ph type="body" idx="1"/>
+          </p:nvPr>
+        </p:nvSpPr>
+        <p:spPr>
+          <a:xfrm>
+            <a:off x="685800" y="4343400"/>
+            <a:ext cx="5486400" cy="4114800"/>
+          </a:xfrm>
+          <a:prstGeom prst="rect">
+            <a:avLst/>
+          </a:prstGeom>
+        </p:spPr>
+        <p:txBody>
+          <a:bodyPr spcFirstLastPara="1" wrap="square" lIns="91425" tIns="91425" rIns="91425" bIns="91425" anchor="t" anchorCtr="0">
+            <a:noAutofit/>
+          </a:bodyPr>
+          <a:lstStyle/>
+          <a:p>
+            <a:pPr marL="0" lvl="0" indent="0" algn="l" rtl="0">
+              <a:spcBef>
+                <a:spcPts val="0"/>
+              </a:spcBef>
+              <a:spcAft>
+                <a:spcPts val="0"/>
+              </a:spcAft>
+              <a:buNone/>
+            </a:pPr>
+            <a:endParaRPr/>
+          </a:p>
+        </p:txBody>
+      </p:sp>
+    </p:spTree>
+  </p:cSld>
+  <p:clrMapOvr>
+    <a:masterClrMapping/>
+  </p:clrMapOvr>
+</p:notes>
+</file>
+
+<file path=ppt/notesSlides/notesSlide21.xml><?xml version="1.0" encoding="utf-8"?>
+<p:notes xmlns:a="http://schemas.openxmlformats.org/drawingml/2006/main" xmlns:r="http://schemas.openxmlformats.org/officeDocument/2006/relationships" xmlns:p="http://schemas.openxmlformats.org/presentationml/2006/main" showMasterSp="0" showMasterPhAnim="0">
+  <p:cSld>
+    <p:spTree>
+      <p:nvGrpSpPr>
+        <p:cNvPr id="1" name="Shape 147"/>
+        <p:cNvGrpSpPr/>
+        <p:nvPr/>
+      </p:nvGrpSpPr>
+      <p:grpSpPr>
+        <a:xfrm>
+          <a:off x="0" y="0"/>
+          <a:ext cx="0" cy="0"/>
+          <a:chOff x="0" y="0"/>
+          <a:chExt cx="0" cy="0"/>
+        </a:xfrm>
+      </p:grpSpPr>
+      <p:sp>
+        <p:nvSpPr>
+          <p:cNvPr id="148" name="Google Shape;148;g104a4e9dfd5_2_12:notes"/>
+          <p:cNvSpPr>
+            <a:spLocks noGrp="1" noRot="1" noChangeAspect="1"/>
+          </p:cNvSpPr>
+          <p:nvPr>
+            <p:ph type="sldImg" idx="2"/>
+          </p:nvPr>
+        </p:nvSpPr>
+        <p:spPr>
+          <a:xfrm>
+            <a:off x="381000" y="685800"/>
+            <a:ext cx="6096000" cy="3429000"/>
+          </a:xfrm>
+          <a:custGeom>
+            <a:avLst/>
+            <a:gdLst/>
+            <a:ahLst/>
+            <a:cxnLst/>
+            <a:rect l="l" t="t" r="r" b="b"/>
+            <a:pathLst>
+              <a:path w="120000" h="120000" extrusionOk="0">
+                <a:moveTo>
+                  <a:pt x="0" y="0"/>
+                </a:moveTo>
+                <a:lnTo>
+                  <a:pt x="120000" y="0"/>
+                </a:lnTo>
+                <a:lnTo>
+                  <a:pt x="120000" y="120000"/>
+                </a:lnTo>
+                <a:lnTo>
+                  <a:pt x="0" y="120000"/>
+                </a:lnTo>
+                <a:close/>
+              </a:path>
+            </a:pathLst>
+          </a:custGeom>
+        </p:spPr>
+      </p:sp>
+      <p:sp>
+        <p:nvSpPr>
+          <p:cNvPr id="149" name="Google Shape;149;g104a4e9dfd5_2_12:notes"/>
+          <p:cNvSpPr txBox="1">
+            <a:spLocks noGrp="1"/>
+          </p:cNvSpPr>
+          <p:nvPr>
+            <p:ph type="body" idx="1"/>
+          </p:nvPr>
+        </p:nvSpPr>
+        <p:spPr>
+          <a:xfrm>
+            <a:off x="685800" y="4343400"/>
+            <a:ext cx="5486400" cy="4114800"/>
+          </a:xfrm>
+          <a:prstGeom prst="rect">
+            <a:avLst/>
+          </a:prstGeom>
+        </p:spPr>
+        <p:txBody>
+          <a:bodyPr spcFirstLastPara="1" wrap="square" lIns="91425" tIns="91425" rIns="91425" bIns="91425" anchor="t" anchorCtr="0">
+            <a:noAutofit/>
+          </a:bodyPr>
+          <a:lstStyle/>
+          <a:p>
+            <a:pPr marL="0" lvl="0" indent="0" algn="l" rtl="0">
+              <a:spcBef>
+                <a:spcPts val="0"/>
+              </a:spcBef>
+              <a:spcAft>
+                <a:spcPts val="0"/>
+              </a:spcAft>
+              <a:buNone/>
+            </a:pPr>
+            <a:endParaRPr/>
+          </a:p>
+        </p:txBody>
+      </p:sp>
+    </p:spTree>
+  </p:cSld>
+  <p:clrMapOvr>
+    <a:masterClrMapping/>
+  </p:clrMapOvr>
+</p:notes>
+</file>
+
+<file path=ppt/notesSlides/notesSlide22.xml><?xml version="1.0" encoding="utf-8"?>
+<p:notes xmlns:a="http://schemas.openxmlformats.org/drawingml/2006/main" xmlns:r="http://schemas.openxmlformats.org/officeDocument/2006/relationships" xmlns:p="http://schemas.openxmlformats.org/presentationml/2006/main" showMasterSp="0" showMasterPhAnim="0">
+  <p:cSld>
+    <p:spTree>
+      <p:nvGrpSpPr>
+        <p:cNvPr id="1" name="Shape 153"/>
+        <p:cNvGrpSpPr/>
+        <p:nvPr/>
+      </p:nvGrpSpPr>
+      <p:grpSpPr>
+        <a:xfrm>
+          <a:off x="0" y="0"/>
+          <a:ext cx="0" cy="0"/>
+          <a:chOff x="0" y="0"/>
+          <a:chExt cx="0" cy="0"/>
+        </a:xfrm>
+      </p:grpSpPr>
+      <p:sp>
+        <p:nvSpPr>
+          <p:cNvPr id="154" name="Google Shape;154;g104a4e9dfd5_2_22:notes"/>
+          <p:cNvSpPr>
+            <a:spLocks noGrp="1" noRot="1" noChangeAspect="1"/>
+          </p:cNvSpPr>
+          <p:nvPr>
+            <p:ph type="sldImg" idx="2"/>
+          </p:nvPr>
+        </p:nvSpPr>
+        <p:spPr>
+          <a:xfrm>
+            <a:off x="381000" y="685800"/>
+            <a:ext cx="6096000" cy="3429000"/>
+          </a:xfrm>
+          <a:custGeom>
+            <a:avLst/>
+            <a:gdLst/>
+            <a:ahLst/>
+            <a:cxnLst/>
+            <a:rect l="l" t="t" r="r" b="b"/>
+            <a:pathLst>
+              <a:path w="120000" h="120000" extrusionOk="0">
+                <a:moveTo>
+                  <a:pt x="0" y="0"/>
+                </a:moveTo>
+                <a:lnTo>
+                  <a:pt x="120000" y="0"/>
+                </a:lnTo>
+                <a:lnTo>
+                  <a:pt x="120000" y="120000"/>
+                </a:lnTo>
+                <a:lnTo>
+                  <a:pt x="0" y="120000"/>
+                </a:lnTo>
+                <a:close/>
+              </a:path>
+            </a:pathLst>
+          </a:custGeom>
+        </p:spPr>
+      </p:sp>
+      <p:sp>
+        <p:nvSpPr>
+          <p:cNvPr id="155" name="Google Shape;155;g104a4e9dfd5_2_22:notes"/>
           <p:cNvSpPr txBox="1">
             <a:spLocks noGrp="1"/>
           </p:cNvSpPr>
@@ -1770,8 +2315,8 @@
         </p:nvSpPr>
         <p:spPr>
           <a:xfrm>
-            <a:off x="1143225" y="685800"/>
-            <a:ext cx="4572300" cy="3429000"/>
+            <a:off x="381000" y="685800"/>
+            <a:ext cx="6096000" cy="3429000"/>
           </a:xfrm>
           <a:custGeom>
             <a:avLst/>
@@ -1850,7 +2395,7 @@
   <p:cSld>
     <p:spTree>
       <p:nvGrpSpPr>
-        <p:cNvPr id="1" name="Shape 75"/>
+        <p:cNvPr id="1" name="Shape 69"/>
         <p:cNvGrpSpPr/>
         <p:nvPr/>
       </p:nvGrpSpPr>
@@ -1864,7 +2409,7 @@
       </p:grpSpPr>
       <p:sp>
         <p:nvSpPr>
-          <p:cNvPr id="76" name="Google Shape;76;g104a4e9dfd5_0_10:notes"/>
+          <p:cNvPr id="70" name="Google Shape;70;g104a4e9dfd5_0_5:notes"/>
           <p:cNvSpPr>
             <a:spLocks noGrp="1" noRot="1" noChangeAspect="1"/>
           </p:cNvSpPr>
@@ -1905,7 +2450,7 @@
       </p:sp>
       <p:sp>
         <p:nvSpPr>
-          <p:cNvPr id="77" name="Google Shape;77;g104a4e9dfd5_0_10:notes"/>
+          <p:cNvPr id="71" name="Google Shape;71;g104a4e9dfd5_0_5:notes"/>
           <p:cNvSpPr txBox="1">
             <a:spLocks noGrp="1"/>
           </p:cNvSpPr>
@@ -1942,6 +2487,11 @@
         </p:txBody>
       </p:sp>
     </p:spTree>
+    <p:extLst>
+      <p:ext uri="{BB962C8B-B14F-4D97-AF65-F5344CB8AC3E}">
+        <p14:creationId xmlns:p14="http://schemas.microsoft.com/office/powerpoint/2010/main" val="1829301513"/>
+      </p:ext>
+    </p:extLst>
   </p:cSld>
   <p:clrMapOvr>
     <a:masterClrMapping/>
@@ -1978,8 +2528,8 @@
         </p:nvSpPr>
         <p:spPr>
           <a:xfrm>
-            <a:off x="1143225" y="685800"/>
-            <a:ext cx="4572300" cy="3429000"/>
+            <a:off x="381000" y="685800"/>
+            <a:ext cx="6096000" cy="3429000"/>
           </a:xfrm>
           <a:custGeom>
             <a:avLst/>
@@ -2082,8 +2632,8 @@
         </p:nvSpPr>
         <p:spPr>
           <a:xfrm>
-            <a:off x="1143225" y="685800"/>
-            <a:ext cx="4572300" cy="3429000"/>
+            <a:off x="381000" y="685800"/>
+            <a:ext cx="6096000" cy="3429000"/>
           </a:xfrm>
           <a:custGeom>
             <a:avLst/>
@@ -2186,8 +2736,8 @@
         </p:nvSpPr>
         <p:spPr>
           <a:xfrm>
-            <a:off x="1143225" y="685800"/>
-            <a:ext cx="4572300" cy="3429000"/>
+            <a:off x="381000" y="685800"/>
+            <a:ext cx="6096000" cy="3429000"/>
           </a:xfrm>
           <a:custGeom>
             <a:avLst/>
@@ -2266,7 +2816,7 @@
   <p:cSld>
     <p:spTree>
       <p:nvGrpSpPr>
-        <p:cNvPr id="1" name="Shape 99"/>
+        <p:cNvPr id="1" name="Shape 93"/>
         <p:cNvGrpSpPr/>
         <p:nvPr/>
       </p:nvGrpSpPr>
@@ -2280,7 +2830,7 @@
       </p:grpSpPr>
       <p:sp>
         <p:nvSpPr>
-          <p:cNvPr id="100" name="Google Shape;100;g104a4e9dfd5_1_13:notes"/>
+          <p:cNvPr id="94" name="Google Shape;94;g104a4e9dfd5_1_8:notes"/>
           <p:cNvSpPr>
             <a:spLocks noGrp="1" noRot="1" noChangeAspect="1"/>
           </p:cNvSpPr>
@@ -2290,8 +2840,8 @@
         </p:nvSpPr>
         <p:spPr>
           <a:xfrm>
-            <a:off x="1143225" y="685800"/>
-            <a:ext cx="4572300" cy="3429000"/>
+            <a:off x="381000" y="685800"/>
+            <a:ext cx="6096000" cy="3429000"/>
           </a:xfrm>
           <a:custGeom>
             <a:avLst/>
@@ -2321,7 +2871,7 @@
       </p:sp>
       <p:sp>
         <p:nvSpPr>
-          <p:cNvPr id="101" name="Google Shape;101;g104a4e9dfd5_1_13:notes"/>
+          <p:cNvPr id="95" name="Google Shape;95;g104a4e9dfd5_1_8:notes"/>
           <p:cNvSpPr txBox="1">
             <a:spLocks noGrp="1"/>
           </p:cNvSpPr>
@@ -2358,6 +2908,11 @@
         </p:txBody>
       </p:sp>
     </p:spTree>
+    <p:extLst>
+      <p:ext uri="{BB962C8B-B14F-4D97-AF65-F5344CB8AC3E}">
+        <p14:creationId xmlns:p14="http://schemas.microsoft.com/office/powerpoint/2010/main" val="4009173133"/>
+      </p:ext>
+    </p:extLst>
   </p:cSld>
   <p:clrMapOvr>
     <a:masterClrMapping/>
@@ -2370,7 +2925,7 @@
   <p:cSld>
     <p:spTree>
       <p:nvGrpSpPr>
-        <p:cNvPr id="1" name="Shape 105"/>
+        <p:cNvPr id="1" name="Shape 93"/>
         <p:cNvGrpSpPr/>
         <p:nvPr/>
       </p:nvGrpSpPr>
@@ -2384,7 +2939,7 @@
       </p:grpSpPr>
       <p:sp>
         <p:nvSpPr>
-          <p:cNvPr id="106" name="Google Shape;106;g104a4e9dfd5_1_19:notes"/>
+          <p:cNvPr id="94" name="Google Shape;94;g104a4e9dfd5_1_8:notes"/>
           <p:cNvSpPr>
             <a:spLocks noGrp="1" noRot="1" noChangeAspect="1"/>
           </p:cNvSpPr>
@@ -2394,8 +2949,8 @@
         </p:nvSpPr>
         <p:spPr>
           <a:xfrm>
-            <a:off x="1143225" y="685800"/>
-            <a:ext cx="4572300" cy="3429000"/>
+            <a:off x="381000" y="685800"/>
+            <a:ext cx="6096000" cy="3429000"/>
           </a:xfrm>
           <a:custGeom>
             <a:avLst/>
@@ -2425,7 +2980,7 @@
       </p:sp>
       <p:sp>
         <p:nvSpPr>
-          <p:cNvPr id="107" name="Google Shape;107;g104a4e9dfd5_1_19:notes"/>
+          <p:cNvPr id="95" name="Google Shape;95;g104a4e9dfd5_1_8:notes"/>
           <p:cNvSpPr txBox="1">
             <a:spLocks noGrp="1"/>
           </p:cNvSpPr>
@@ -2462,6 +3017,11 @@
         </p:txBody>
       </p:sp>
     </p:spTree>
+    <p:extLst>
+      <p:ext uri="{BB962C8B-B14F-4D97-AF65-F5344CB8AC3E}">
+        <p14:creationId xmlns:p14="http://schemas.microsoft.com/office/powerpoint/2010/main" val="1025463143"/>
+      </p:ext>
+    </p:extLst>
   </p:cSld>
   <p:clrMapOvr>
     <a:masterClrMapping/>
@@ -6742,7 +7302,7 @@
     <p:bg>
       <p:bgPr>
         <a:solidFill>
-          <a:schemeClr val="lt1"/>
+          <a:srgbClr val="000000"/>
         </a:solidFill>
         <a:effectLst/>
       </p:bgPr>
@@ -8012,14 +8572,6 @@
 <file path=ppt/slides/slide1.xml><?xml version="1.0" encoding="utf-8"?>
 <p:sld xmlns:a="http://schemas.openxmlformats.org/drawingml/2006/main" xmlns:r="http://schemas.openxmlformats.org/officeDocument/2006/relationships" xmlns:p="http://schemas.openxmlformats.org/presentationml/2006/main">
   <p:cSld>
-    <p:bg>
-      <p:bgPr>
-        <a:solidFill>
-          <a:srgbClr val="000000"/>
-        </a:solidFill>
-        <a:effectLst/>
-      </p:bgPr>
-    </p:bg>
     <p:spTree>
       <p:nvGrpSpPr>
         <p:cNvPr id="1" name="Shape 59"/>
@@ -8278,17 +8830,9 @@
 <file path=ppt/slides/slide10.xml><?xml version="1.0" encoding="utf-8"?>
 <p:sld xmlns:a="http://schemas.openxmlformats.org/drawingml/2006/main" xmlns:r="http://schemas.openxmlformats.org/officeDocument/2006/relationships" xmlns:p="http://schemas.openxmlformats.org/presentationml/2006/main">
   <p:cSld>
-    <p:bg>
-      <p:bgPr>
-        <a:solidFill>
-          <a:srgbClr val="000000"/>
-        </a:solidFill>
-        <a:effectLst/>
-      </p:bgPr>
-    </p:bg>
     <p:spTree>
       <p:nvGrpSpPr>
-        <p:cNvPr id="1" name="Shape 114"/>
+        <p:cNvPr id="1" name="Shape 102"/>
         <p:cNvGrpSpPr/>
         <p:nvPr/>
       </p:nvGrpSpPr>
@@ -8302,7 +8846,237 @@
       </p:grpSpPr>
       <p:sp>
         <p:nvSpPr>
-          <p:cNvPr id="115" name="Google Shape;115;p23"/>
+          <p:cNvPr id="103" name="Google Shape;103;p21"/>
+          <p:cNvSpPr txBox="1">
+            <a:spLocks noGrp="1"/>
+          </p:cNvSpPr>
+          <p:nvPr>
+            <p:ph type="title"/>
+          </p:nvPr>
+        </p:nvSpPr>
+        <p:spPr>
+          <a:xfrm>
+            <a:off x="-1" y="65775"/>
+            <a:ext cx="8478175" cy="424200"/>
+          </a:xfrm>
+          <a:prstGeom prst="rect">
+            <a:avLst/>
+          </a:prstGeom>
+        </p:spPr>
+        <p:txBody>
+          <a:bodyPr spcFirstLastPara="1" wrap="square" lIns="91425" tIns="45700" rIns="91425" bIns="45700" anchor="ctr" anchorCtr="0">
+            <a:noAutofit/>
+          </a:bodyPr>
+          <a:lstStyle/>
+          <a:p>
+            <a:pPr marL="0" lvl="0" indent="0" algn="l" rtl="0">
+              <a:spcBef>
+                <a:spcPts val="0"/>
+              </a:spcBef>
+              <a:spcAft>
+                <a:spcPts val="0"/>
+              </a:spcAft>
+              <a:buNone/>
+            </a:pPr>
+            <a:r>
+              <a:rPr lang="en-US" sz="3100" u="sng" dirty="0">
+                <a:latin typeface="Consolas"/>
+                <a:ea typeface="Consolas"/>
+                <a:cs typeface="Consolas"/>
+                <a:sym typeface="Consolas"/>
+              </a:rPr>
+              <a:t>image preprocessing (White Lane Lines)</a:t>
+            </a:r>
+            <a:endParaRPr sz="3100" u="sng" dirty="0">
+              <a:latin typeface="Consolas"/>
+              <a:ea typeface="Consolas"/>
+              <a:cs typeface="Consolas"/>
+              <a:sym typeface="Consolas"/>
+            </a:endParaRPr>
+          </a:p>
+        </p:txBody>
+      </p:sp>
+      <p:sp>
+        <p:nvSpPr>
+          <p:cNvPr id="104" name="Google Shape;104;p21"/>
+          <p:cNvSpPr txBox="1">
+            <a:spLocks noGrp="1"/>
+          </p:cNvSpPr>
+          <p:nvPr>
+            <p:ph type="body" idx="1"/>
+          </p:nvPr>
+        </p:nvSpPr>
+        <p:spPr>
+          <a:xfrm>
+            <a:off x="838200" y="627140"/>
+            <a:ext cx="10515600" cy="2284736"/>
+          </a:xfrm>
+          <a:prstGeom prst="rect">
+            <a:avLst/>
+          </a:prstGeom>
+        </p:spPr>
+        <p:txBody>
+          <a:bodyPr spcFirstLastPara="1" wrap="square" lIns="91425" tIns="45700" rIns="91425" bIns="45700" anchor="t" anchorCtr="0">
+            <a:normAutofit fontScale="85000" lnSpcReduction="10000"/>
+          </a:bodyPr>
+          <a:lstStyle/>
+          <a:p>
+            <a:pPr marL="342900">
+              <a:spcAft>
+                <a:spcPts val="1600"/>
+              </a:spcAft>
+              <a:buClr>
+                <a:schemeClr val="tx1"/>
+              </a:buClr>
+            </a:pPr>
+            <a:r>
+              <a:rPr lang="en-IN" sz="2000" dirty="0">
+                <a:solidFill>
+                  <a:schemeClr val="tx1"/>
+                </a:solidFill>
+                <a:latin typeface="Consolas" panose="020B0609020204030204" pitchFamily="49" charset="0"/>
+                <a:cs typeface="Consolas" panose="020B0609020204030204" pitchFamily="49" charset="0"/>
+              </a:rPr>
+              <a:t>In our dataset, the colour of surface of the road was changing from one region to another due to factors such as: shadows, different age or style of the road.</a:t>
+            </a:r>
+          </a:p>
+          <a:p>
+            <a:pPr marL="342900">
+              <a:spcAft>
+                <a:spcPts val="1600"/>
+              </a:spcAft>
+              <a:buClr>
+                <a:schemeClr val="tx1"/>
+              </a:buClr>
+            </a:pPr>
+            <a:r>
+              <a:rPr lang="en-IN" sz="2000" dirty="0">
+                <a:solidFill>
+                  <a:schemeClr val="tx1"/>
+                </a:solidFill>
+                <a:latin typeface="Consolas" panose="020B0609020204030204" pitchFamily="49" charset="0"/>
+                <a:cs typeface="Consolas" panose="020B0609020204030204" pitchFamily="49" charset="0"/>
+              </a:rPr>
+              <a:t>To remove this problem we converted the images to grayscale first, meaning converting 24bit, 3 channel colour image to 8bit , 1 channel image.</a:t>
+            </a:r>
+          </a:p>
+          <a:p>
+            <a:pPr marL="342900">
+              <a:spcAft>
+                <a:spcPts val="1600"/>
+              </a:spcAft>
+              <a:buClr>
+                <a:schemeClr val="tx1"/>
+              </a:buClr>
+            </a:pPr>
+            <a:r>
+              <a:rPr lang="en-IN" sz="2000" dirty="0">
+                <a:solidFill>
+                  <a:schemeClr val="tx1"/>
+                </a:solidFill>
+                <a:latin typeface="Consolas" panose="020B0609020204030204" pitchFamily="49" charset="0"/>
+                <a:cs typeface="Consolas" panose="020B0609020204030204" pitchFamily="49" charset="0"/>
+              </a:rPr>
+              <a:t>gray: cv2.cvtColor(img , cv2.COLOR_RGB2GRAY)</a:t>
+            </a:r>
+          </a:p>
+          <a:p>
+            <a:pPr marL="0" indent="0">
+              <a:spcAft>
+                <a:spcPts val="1600"/>
+              </a:spcAft>
+              <a:buClr>
+                <a:schemeClr val="tx1"/>
+              </a:buClr>
+              <a:buNone/>
+            </a:pPr>
+            <a:endParaRPr lang="en-IN" sz="2000" dirty="0">
+              <a:solidFill>
+                <a:schemeClr val="tx1"/>
+              </a:solidFill>
+              <a:latin typeface="Consolas" panose="020B0609020204030204" pitchFamily="49" charset="0"/>
+              <a:cs typeface="Consolas" panose="020B0609020204030204" pitchFamily="49" charset="0"/>
+            </a:endParaRPr>
+          </a:p>
+          <a:p>
+            <a:pPr marL="342900">
+              <a:spcAft>
+                <a:spcPts val="1600"/>
+              </a:spcAft>
+              <a:buClr>
+                <a:schemeClr val="tx1"/>
+              </a:buClr>
+            </a:pPr>
+            <a:endParaRPr sz="2000" dirty="0">
+              <a:solidFill>
+                <a:schemeClr val="tx1"/>
+              </a:solidFill>
+              <a:latin typeface="Consolas" panose="020B0609020204030204" pitchFamily="49" charset="0"/>
+              <a:cs typeface="Consolas" panose="020B0609020204030204" pitchFamily="49" charset="0"/>
+            </a:endParaRPr>
+          </a:p>
+        </p:txBody>
+      </p:sp>
+      <p:pic>
+        <p:nvPicPr>
+          <p:cNvPr id="14" name="Picture 13" descr="A picture containing text&#10;&#10;Description automatically generated">
+            <a:extLst>
+              <a:ext uri="{FF2B5EF4-FFF2-40B4-BE49-F238E27FC236}">
+                <a16:creationId xmlns:a16="http://schemas.microsoft.com/office/drawing/2014/main" id="{93BBE8F8-C2E6-B14D-94C3-0123A184A925}"/>
+              </a:ext>
+            </a:extLst>
+          </p:cNvPr>
+          <p:cNvPicPr>
+            <a:picLocks noChangeAspect="1"/>
+          </p:cNvPicPr>
+          <p:nvPr/>
+        </p:nvPicPr>
+        <p:blipFill rotWithShape="1">
+          <a:blip r:embed="rId3"/>
+          <a:srcRect l="9525" t="38318" r="8144" b="38122"/>
+          <a:stretch/>
+        </p:blipFill>
+        <p:spPr>
+          <a:xfrm>
+            <a:off x="296896" y="3006872"/>
+            <a:ext cx="11598207" cy="3318984"/>
+          </a:xfrm>
+          <a:prstGeom prst="rect">
+            <a:avLst/>
+          </a:prstGeom>
+          <a:solidFill>
+            <a:schemeClr val="tx1"/>
+          </a:solidFill>
+        </p:spPr>
+      </p:pic>
+    </p:spTree>
+  </p:cSld>
+  <p:clrMapOvr>
+    <a:masterClrMapping/>
+  </p:clrMapOvr>
+</p:sld>
+</file>
+
+<file path=ppt/slides/slide11.xml><?xml version="1.0" encoding="utf-8"?>
+<p:sld xmlns:a="http://schemas.openxmlformats.org/drawingml/2006/main" xmlns:r="http://schemas.openxmlformats.org/officeDocument/2006/relationships" xmlns:p="http://schemas.openxmlformats.org/presentationml/2006/main">
+  <p:cSld>
+    <p:spTree>
+      <p:nvGrpSpPr>
+        <p:cNvPr id="1" name="Shape 108"/>
+        <p:cNvGrpSpPr/>
+        <p:nvPr/>
+      </p:nvGrpSpPr>
+      <p:grpSpPr>
+        <a:xfrm>
+          <a:off x="0" y="0"/>
+          <a:ext cx="0" cy="0"/>
+          <a:chOff x="0" y="0"/>
+          <a:chExt cx="0" cy="0"/>
+        </a:xfrm>
+      </p:grpSpPr>
+      <p:sp>
+        <p:nvSpPr>
+          <p:cNvPr id="109" name="Google Shape;109;p22"/>
           <p:cNvSpPr txBox="1">
             <a:spLocks noGrp="1"/>
           </p:cNvSpPr>
@@ -8354,7 +9128,7 @@
       </p:sp>
       <p:sp>
         <p:nvSpPr>
-          <p:cNvPr id="116" name="Google Shape;116;p23"/>
+          <p:cNvPr id="110" name="Google Shape;110;p22"/>
           <p:cNvSpPr txBox="1">
             <a:spLocks noGrp="1"/>
           </p:cNvSpPr>
@@ -8364,8 +9138,8 @@
         </p:nvSpPr>
         <p:spPr>
           <a:xfrm>
-            <a:off x="838200" y="1825625"/>
-            <a:ext cx="10515600" cy="4351200"/>
+            <a:off x="776056" y="698161"/>
+            <a:ext cx="10515600" cy="1947385"/>
           </a:xfrm>
           <a:prstGeom prst="rect">
             <a:avLst/>
@@ -8373,23 +9147,119 @@
         </p:spPr>
         <p:txBody>
           <a:bodyPr spcFirstLastPara="1" wrap="square" lIns="91425" tIns="45700" rIns="91425" bIns="45700" anchor="t" anchorCtr="0">
-            <a:normAutofit/>
+            <a:normAutofit lnSpcReduction="10000"/>
           </a:bodyPr>
           <a:lstStyle/>
           <a:p>
-            <a:pPr marL="0" lvl="0" indent="0" algn="l" rtl="0">
-              <a:spcBef>
-                <a:spcPts val="1000"/>
-              </a:spcBef>
+            <a:pPr marL="342900">
+              <a:lnSpc>
+                <a:spcPct val="100000"/>
+              </a:lnSpc>
               <a:spcAft>
                 <a:spcPts val="1600"/>
               </a:spcAft>
-              <a:buNone/>
+              <a:buClr>
+                <a:schemeClr val="tx1"/>
+              </a:buClr>
             </a:pPr>
-            <a:endParaRPr/>
+            <a:r>
+              <a:rPr lang="en-US" sz="2000" dirty="0">
+                <a:solidFill>
+                  <a:schemeClr val="tx1"/>
+                </a:solidFill>
+                <a:latin typeface="Consolas" panose="020B0609020204030204" pitchFamily="49" charset="0"/>
+                <a:cs typeface="Consolas" panose="020B0609020204030204" pitchFamily="49" charset="0"/>
+              </a:rPr>
+              <a:t>Noise Reduction</a:t>
+            </a:r>
+          </a:p>
+          <a:p>
+            <a:pPr marL="342900">
+              <a:lnSpc>
+                <a:spcPct val="100000"/>
+              </a:lnSpc>
+              <a:spcAft>
+                <a:spcPts val="1600"/>
+              </a:spcAft>
+              <a:buClr>
+                <a:schemeClr val="tx1"/>
+              </a:buClr>
+            </a:pPr>
+            <a:r>
+              <a:rPr lang="en-IN" sz="2000" dirty="0">
+                <a:solidFill>
+                  <a:schemeClr val="tx1"/>
+                </a:solidFill>
+                <a:latin typeface="Consolas" panose="020B0609020204030204" pitchFamily="49" charset="0"/>
+                <a:cs typeface="Consolas" panose="020B0609020204030204" pitchFamily="49" charset="0"/>
+              </a:rPr>
+              <a:t>Noise in our image will impact our edge detection.</a:t>
+            </a:r>
+          </a:p>
+          <a:p>
+            <a:pPr marL="342900">
+              <a:lnSpc>
+                <a:spcPct val="100000"/>
+              </a:lnSpc>
+              <a:spcAft>
+                <a:spcPts val="1600"/>
+              </a:spcAft>
+              <a:buClr>
+                <a:schemeClr val="tx1"/>
+              </a:buClr>
+            </a:pPr>
+            <a:r>
+              <a:rPr lang="en-US" sz="2000" dirty="0">
+                <a:solidFill>
+                  <a:schemeClr val="tx1"/>
+                </a:solidFill>
+                <a:latin typeface="Consolas" panose="020B0609020204030204" pitchFamily="49" charset="0"/>
+                <a:cs typeface="Consolas" panose="020B0609020204030204" pitchFamily="49" charset="0"/>
+              </a:rPr>
+              <a:t>Gaussian Blur: cv2.GaussianBlur(gray, (5, 5), 0), kernel size=5</a:t>
+            </a:r>
+            <a:endParaRPr sz="2000" dirty="0">
+              <a:solidFill>
+                <a:schemeClr val="tx1"/>
+              </a:solidFill>
+              <a:latin typeface="Consolas" panose="020B0609020204030204" pitchFamily="49" charset="0"/>
+              <a:cs typeface="Consolas" panose="020B0609020204030204" pitchFamily="49" charset="0"/>
+            </a:endParaRPr>
           </a:p>
         </p:txBody>
       </p:sp>
+      <p:pic>
+        <p:nvPicPr>
+          <p:cNvPr id="3" name="Picture 2" descr="A picture containing text, silhouette&#10;&#10;Description automatically generated">
+            <a:extLst>
+              <a:ext uri="{FF2B5EF4-FFF2-40B4-BE49-F238E27FC236}">
+                <a16:creationId xmlns:a16="http://schemas.microsoft.com/office/drawing/2014/main" id="{3C8C4419-3F8E-B848-A01B-190E4EA48A4B}"/>
+              </a:ext>
+            </a:extLst>
+          </p:cNvPr>
+          <p:cNvPicPr>
+            <a:picLocks noChangeAspect="1"/>
+          </p:cNvPicPr>
+          <p:nvPr/>
+        </p:nvPicPr>
+        <p:blipFill rotWithShape="1">
+          <a:blip r:embed="rId3"/>
+          <a:srcRect l="10043" t="37928" r="8144" b="37606"/>
+          <a:stretch/>
+        </p:blipFill>
+        <p:spPr>
+          <a:xfrm>
+            <a:off x="266164" y="2936806"/>
+            <a:ext cx="11659671" cy="3486830"/>
+          </a:xfrm>
+          <a:prstGeom prst="rect">
+            <a:avLst/>
+          </a:prstGeom>
+          <a:solidFill>
+            <a:schemeClr val="tx1"/>
+          </a:solidFill>
+        </p:spPr>
+      </p:pic>
     </p:spTree>
   </p:cSld>
   <p:clrMapOvr>
@@ -8398,17 +9268,204 @@
 </p:sld>
 </file>
 
-<file path=ppt/slides/slide11.xml><?xml version="1.0" encoding="utf-8"?>
+<file path=ppt/slides/slide12.xml><?xml version="1.0" encoding="utf-8"?>
 <p:sld xmlns:a="http://schemas.openxmlformats.org/drawingml/2006/main" xmlns:r="http://schemas.openxmlformats.org/officeDocument/2006/relationships" xmlns:p="http://schemas.openxmlformats.org/presentationml/2006/main">
   <p:cSld>
-    <p:bg>
-      <p:bgPr>
-        <a:solidFill>
-          <a:srgbClr val="000000"/>
-        </a:solidFill>
-        <a:effectLst/>
-      </p:bgPr>
-    </p:bg>
+    <p:spTree>
+      <p:nvGrpSpPr>
+        <p:cNvPr id="1" name="Shape 114"/>
+        <p:cNvGrpSpPr/>
+        <p:nvPr/>
+      </p:nvGrpSpPr>
+      <p:grpSpPr>
+        <a:xfrm>
+          <a:off x="0" y="0"/>
+          <a:ext cx="0" cy="0"/>
+          <a:chOff x="0" y="0"/>
+          <a:chExt cx="0" cy="0"/>
+        </a:xfrm>
+      </p:grpSpPr>
+      <p:sp>
+        <p:nvSpPr>
+          <p:cNvPr id="115" name="Google Shape;115;p23"/>
+          <p:cNvSpPr txBox="1">
+            <a:spLocks noGrp="1"/>
+          </p:cNvSpPr>
+          <p:nvPr>
+            <p:ph type="title"/>
+          </p:nvPr>
+        </p:nvSpPr>
+        <p:spPr>
+          <a:xfrm>
+            <a:off x="-1" y="65775"/>
+            <a:ext cx="8744506" cy="424200"/>
+          </a:xfrm>
+          <a:prstGeom prst="rect">
+            <a:avLst/>
+          </a:prstGeom>
+        </p:spPr>
+        <p:txBody>
+          <a:bodyPr spcFirstLastPara="1" wrap="square" lIns="91425" tIns="45700" rIns="91425" bIns="45700" anchor="ctr" anchorCtr="0">
+            <a:noAutofit/>
+          </a:bodyPr>
+          <a:lstStyle/>
+          <a:p>
+            <a:pPr marL="0" lvl="0" indent="0" algn="l" rtl="0">
+              <a:spcBef>
+                <a:spcPts val="0"/>
+              </a:spcBef>
+              <a:spcAft>
+                <a:spcPts val="0"/>
+              </a:spcAft>
+              <a:buNone/>
+            </a:pPr>
+            <a:r>
+              <a:rPr lang="en-US" sz="3100" u="sng" dirty="0">
+                <a:latin typeface="Consolas"/>
+                <a:ea typeface="Consolas"/>
+                <a:cs typeface="Consolas"/>
+                <a:sym typeface="Consolas"/>
+              </a:rPr>
+              <a:t>image preprocessing (Yellow Lane Lines)</a:t>
+            </a:r>
+            <a:endParaRPr sz="3100" u="sng" dirty="0">
+              <a:latin typeface="Consolas"/>
+              <a:ea typeface="Consolas"/>
+              <a:cs typeface="Consolas"/>
+              <a:sym typeface="Consolas"/>
+            </a:endParaRPr>
+          </a:p>
+        </p:txBody>
+      </p:sp>
+      <p:sp>
+        <p:nvSpPr>
+          <p:cNvPr id="116" name="Google Shape;116;p23"/>
+          <p:cNvSpPr txBox="1">
+            <a:spLocks noGrp="1"/>
+          </p:cNvSpPr>
+          <p:nvPr>
+            <p:ph type="body" idx="1"/>
+          </p:nvPr>
+        </p:nvSpPr>
+        <p:spPr>
+          <a:xfrm>
+            <a:off x="838200" y="715916"/>
+            <a:ext cx="10515600" cy="562468"/>
+          </a:xfrm>
+          <a:prstGeom prst="rect">
+            <a:avLst/>
+          </a:prstGeom>
+        </p:spPr>
+        <p:txBody>
+          <a:bodyPr spcFirstLastPara="1" wrap="square" lIns="91425" tIns="45700" rIns="91425" bIns="45700" anchor="t" anchorCtr="0">
+            <a:noAutofit/>
+          </a:bodyPr>
+          <a:lstStyle/>
+          <a:p>
+            <a:pPr marL="342900">
+              <a:spcAft>
+                <a:spcPts val="1600"/>
+              </a:spcAft>
+              <a:buClr>
+                <a:schemeClr val="tx1"/>
+              </a:buClr>
+            </a:pPr>
+            <a:r>
+              <a:rPr lang="en-IN" sz="2000" dirty="0" err="1">
+                <a:solidFill>
+                  <a:schemeClr val="tx1"/>
+                </a:solidFill>
+                <a:latin typeface="Consolas" panose="020B0609020204030204" pitchFamily="49" charset="0"/>
+                <a:cs typeface="Consolas" panose="020B0609020204030204" pitchFamily="49" charset="0"/>
+              </a:rPr>
+              <a:t>hsv</a:t>
+            </a:r>
+            <a:r>
+              <a:rPr lang="en-IN" sz="2000" dirty="0">
+                <a:solidFill>
+                  <a:schemeClr val="tx1"/>
+                </a:solidFill>
+                <a:latin typeface="Consolas" panose="020B0609020204030204" pitchFamily="49" charset="0"/>
+                <a:cs typeface="Consolas" panose="020B0609020204030204" pitchFamily="49" charset="0"/>
+              </a:rPr>
+              <a:t> = cv2.cvtColor(img, cv2.COLOR_BGR2HSV)</a:t>
+            </a:r>
+          </a:p>
+        </p:txBody>
+      </p:sp>
+      <p:pic>
+        <p:nvPicPr>
+          <p:cNvPr id="3" name="Picture 2" descr="A highway with cars on it&#10;&#10;Description automatically generated with medium confidence">
+            <a:extLst>
+              <a:ext uri="{FF2B5EF4-FFF2-40B4-BE49-F238E27FC236}">
+                <a16:creationId xmlns:a16="http://schemas.microsoft.com/office/drawing/2014/main" id="{F43C62B8-5980-BB4F-BC6E-D5BC508D6E0A}"/>
+              </a:ext>
+            </a:extLst>
+          </p:cNvPr>
+          <p:cNvPicPr>
+            <a:picLocks noChangeAspect="1"/>
+          </p:cNvPicPr>
+          <p:nvPr/>
+        </p:nvPicPr>
+        <p:blipFill>
+          <a:blip r:embed="rId3"/>
+          <a:stretch>
+            <a:fillRect/>
+          </a:stretch>
+        </p:blipFill>
+        <p:spPr>
+          <a:xfrm>
+            <a:off x="535619" y="2486858"/>
+            <a:ext cx="5790212" cy="3256994"/>
+          </a:xfrm>
+          <a:prstGeom prst="rect">
+            <a:avLst/>
+          </a:prstGeom>
+        </p:spPr>
+      </p:pic>
+      <p:pic>
+        <p:nvPicPr>
+          <p:cNvPr id="5" name="Picture 4" descr="A screenshot of a computer&#10;&#10;Description automatically generated with medium confidence">
+            <a:extLst>
+              <a:ext uri="{FF2B5EF4-FFF2-40B4-BE49-F238E27FC236}">
+                <a16:creationId xmlns:a16="http://schemas.microsoft.com/office/drawing/2014/main" id="{666EA494-9A14-D54B-A16B-C5B7D2B72B9F}"/>
+              </a:ext>
+            </a:extLst>
+          </p:cNvPr>
+          <p:cNvPicPr>
+            <a:picLocks noChangeAspect="1"/>
+          </p:cNvPicPr>
+          <p:nvPr/>
+        </p:nvPicPr>
+        <p:blipFill rotWithShape="1">
+          <a:blip r:embed="rId4"/>
+          <a:srcRect l="10173" t="37541" r="51122" b="38511"/>
+          <a:stretch/>
+        </p:blipFill>
+        <p:spPr>
+          <a:xfrm>
+            <a:off x="6694214" y="2486858"/>
+            <a:ext cx="5264007" cy="3256994"/>
+          </a:xfrm>
+          <a:prstGeom prst="rect">
+            <a:avLst/>
+          </a:prstGeom>
+          <a:solidFill>
+            <a:schemeClr val="tx1"/>
+          </a:solidFill>
+        </p:spPr>
+      </p:pic>
+    </p:spTree>
+  </p:cSld>
+  <p:clrMapOvr>
+    <a:masterClrMapping/>
+  </p:clrMapOvr>
+</p:sld>
+</file>
+
+<file path=ppt/slides/slide13.xml><?xml version="1.0" encoding="utf-8"?>
+<p:sld xmlns:a="http://schemas.openxmlformats.org/drawingml/2006/main" xmlns:r="http://schemas.openxmlformats.org/officeDocument/2006/relationships" xmlns:p="http://schemas.openxmlformats.org/presentationml/2006/main">
+  <p:cSld>
     <p:spTree>
       <p:nvGrpSpPr>
         <p:cNvPr id="1" name="Shape 120"/>
@@ -8487,8 +9544,8 @@
         </p:nvSpPr>
         <p:spPr>
           <a:xfrm>
-            <a:off x="838200" y="1825625"/>
-            <a:ext cx="10515600" cy="4351200"/>
+            <a:off x="838200" y="715916"/>
+            <a:ext cx="10515600" cy="731144"/>
           </a:xfrm>
           <a:prstGeom prst="rect">
             <a:avLst/>
@@ -8500,27 +9557,96 @@
           </a:bodyPr>
           <a:lstStyle/>
           <a:p>
-            <a:pPr marL="0" lvl="0" indent="0" algn="l" rtl="0">
-              <a:spcBef>
-                <a:spcPts val="1000"/>
-              </a:spcBef>
+            <a:pPr marL="342900">
               <a:spcAft>
                 <a:spcPts val="1600"/>
               </a:spcAft>
-              <a:buNone/>
+              <a:buClr>
+                <a:schemeClr val="tx1"/>
+              </a:buClr>
             </a:pPr>
             <a:r>
-              <a:rPr lang="en-US" sz="1200" b="1">
+              <a:rPr lang="en-IN" sz="2000" dirty="0" err="1">
                 <a:solidFill>
-                  <a:srgbClr val="202124"/>
+                  <a:schemeClr val="tx1"/>
                 </a:solidFill>
+                <a:latin typeface="Consolas" panose="020B0609020204030204" pitchFamily="49" charset="0"/>
+                <a:cs typeface="Consolas" panose="020B0609020204030204" pitchFamily="49" charset="0"/>
               </a:rPr>
-              <a:t>bove and beyond all oth</a:t>
+              <a:t>mask_yellow</a:t>
             </a:r>
-            <a:endParaRPr/>
+            <a:r>
+              <a:rPr lang="en-IN" sz="2000" dirty="0">
+                <a:solidFill>
+                  <a:schemeClr val="tx1"/>
+                </a:solidFill>
+                <a:latin typeface="Consolas" panose="020B0609020204030204" pitchFamily="49" charset="0"/>
+                <a:cs typeface="Consolas" panose="020B0609020204030204" pitchFamily="49" charset="0"/>
+              </a:rPr>
+              <a:t> = cv2.inRange(</a:t>
+            </a:r>
+            <a:r>
+              <a:rPr lang="en-IN" sz="2000" dirty="0" err="1">
+                <a:solidFill>
+                  <a:schemeClr val="tx1"/>
+                </a:solidFill>
+                <a:latin typeface="Consolas" panose="020B0609020204030204" pitchFamily="49" charset="0"/>
+                <a:cs typeface="Consolas" panose="020B0609020204030204" pitchFamily="49" charset="0"/>
+              </a:rPr>
+              <a:t>hsv</a:t>
+            </a:r>
+            <a:r>
+              <a:rPr lang="en-IN" sz="2000" dirty="0">
+                <a:solidFill>
+                  <a:schemeClr val="tx1"/>
+                </a:solidFill>
+                <a:latin typeface="Consolas" panose="020B0609020204030204" pitchFamily="49" charset="0"/>
+                <a:cs typeface="Consolas" panose="020B0609020204030204" pitchFamily="49" charset="0"/>
+              </a:rPr>
+              <a:t>, (15,60,20), (25, 255, 255))</a:t>
+            </a:r>
+            <a:endParaRPr sz="2000" dirty="0">
+              <a:solidFill>
+                <a:schemeClr val="tx1"/>
+              </a:solidFill>
+              <a:latin typeface="Consolas" panose="020B0609020204030204" pitchFamily="49" charset="0"/>
+              <a:cs typeface="Consolas" panose="020B0609020204030204" pitchFamily="49" charset="0"/>
+            </a:endParaRPr>
           </a:p>
         </p:txBody>
       </p:sp>
+      <p:pic>
+        <p:nvPicPr>
+          <p:cNvPr id="3" name="Picture 2" descr="A screenshot of a computer&#10;&#10;Description automatically generated with medium confidence">
+            <a:extLst>
+              <a:ext uri="{FF2B5EF4-FFF2-40B4-BE49-F238E27FC236}">
+                <a16:creationId xmlns:a16="http://schemas.microsoft.com/office/drawing/2014/main" id="{BED1A740-8F4E-394F-9715-B8B5F46DCA21}"/>
+              </a:ext>
+            </a:extLst>
+          </p:cNvPr>
+          <p:cNvPicPr>
+            <a:picLocks noChangeAspect="1"/>
+          </p:cNvPicPr>
+          <p:nvPr/>
+        </p:nvPicPr>
+        <p:blipFill rotWithShape="1">
+          <a:blip r:embed="rId3"/>
+          <a:srcRect l="10172" t="38187" r="8014" b="38252"/>
+          <a:stretch/>
+        </p:blipFill>
+        <p:spPr>
+          <a:xfrm>
+            <a:off x="281843" y="2618912"/>
+            <a:ext cx="11622138" cy="3346882"/>
+          </a:xfrm>
+          <a:prstGeom prst="rect">
+            <a:avLst/>
+          </a:prstGeom>
+          <a:solidFill>
+            <a:schemeClr val="tx1"/>
+          </a:solidFill>
+        </p:spPr>
+      </p:pic>
     </p:spTree>
   </p:cSld>
   <p:clrMapOvr>
@@ -8529,17 +9655,587 @@
 </p:sld>
 </file>
 
-<file path=ppt/slides/slide12.xml><?xml version="1.0" encoding="utf-8"?>
+<file path=ppt/slides/slide14.xml><?xml version="1.0" encoding="utf-8"?>
 <p:sld xmlns:a="http://schemas.openxmlformats.org/drawingml/2006/main" xmlns:r="http://schemas.openxmlformats.org/officeDocument/2006/relationships" xmlns:p="http://schemas.openxmlformats.org/presentationml/2006/main">
   <p:cSld>
-    <p:bg>
-      <p:bgPr>
-        <a:solidFill>
-          <a:srgbClr val="000000"/>
-        </a:solidFill>
-        <a:effectLst/>
-      </p:bgPr>
-    </p:bg>
+    <p:spTree>
+      <p:nvGrpSpPr>
+        <p:cNvPr id="1" name="Shape 120"/>
+        <p:cNvGrpSpPr/>
+        <p:nvPr/>
+      </p:nvGrpSpPr>
+      <p:grpSpPr>
+        <a:xfrm>
+          <a:off x="0" y="0"/>
+          <a:ext cx="0" cy="0"/>
+          <a:chOff x="0" y="0"/>
+          <a:chExt cx="0" cy="0"/>
+        </a:xfrm>
+      </p:grpSpPr>
+      <p:sp>
+        <p:nvSpPr>
+          <p:cNvPr id="121" name="Google Shape;121;p24"/>
+          <p:cNvSpPr txBox="1">
+            <a:spLocks noGrp="1"/>
+          </p:cNvSpPr>
+          <p:nvPr>
+            <p:ph type="title"/>
+          </p:nvPr>
+        </p:nvSpPr>
+        <p:spPr>
+          <a:xfrm>
+            <a:off x="0" y="65775"/>
+            <a:ext cx="6999600" cy="424200"/>
+          </a:xfrm>
+          <a:prstGeom prst="rect">
+            <a:avLst/>
+          </a:prstGeom>
+        </p:spPr>
+        <p:txBody>
+          <a:bodyPr spcFirstLastPara="1" wrap="square" lIns="91425" tIns="45700" rIns="91425" bIns="45700" anchor="ctr" anchorCtr="0">
+            <a:noAutofit/>
+          </a:bodyPr>
+          <a:lstStyle/>
+          <a:p>
+            <a:pPr marL="0" lvl="0" indent="0" algn="l" rtl="0">
+              <a:spcBef>
+                <a:spcPts val="0"/>
+              </a:spcBef>
+              <a:spcAft>
+                <a:spcPts val="0"/>
+              </a:spcAft>
+              <a:buNone/>
+            </a:pPr>
+            <a:r>
+              <a:rPr lang="en-US" sz="3100" u="sng">
+                <a:latin typeface="Consolas"/>
+                <a:ea typeface="Consolas"/>
+                <a:cs typeface="Consolas"/>
+                <a:sym typeface="Consolas"/>
+              </a:rPr>
+              <a:t>image preprocessing</a:t>
+            </a:r>
+            <a:endParaRPr sz="3100" u="sng">
+              <a:latin typeface="Consolas"/>
+              <a:ea typeface="Consolas"/>
+              <a:cs typeface="Consolas"/>
+              <a:sym typeface="Consolas"/>
+            </a:endParaRPr>
+          </a:p>
+        </p:txBody>
+      </p:sp>
+      <p:sp>
+        <p:nvSpPr>
+          <p:cNvPr id="122" name="Google Shape;122;p24"/>
+          <p:cNvSpPr txBox="1">
+            <a:spLocks noGrp="1"/>
+          </p:cNvSpPr>
+          <p:nvPr>
+            <p:ph type="body" idx="1"/>
+          </p:nvPr>
+        </p:nvSpPr>
+        <p:spPr>
+          <a:xfrm>
+            <a:off x="838200" y="715916"/>
+            <a:ext cx="10515600" cy="731144"/>
+          </a:xfrm>
+          <a:prstGeom prst="rect">
+            <a:avLst/>
+          </a:prstGeom>
+        </p:spPr>
+        <p:txBody>
+          <a:bodyPr spcFirstLastPara="1" wrap="square" lIns="91425" tIns="45700" rIns="91425" bIns="45700" anchor="t" anchorCtr="0">
+            <a:normAutofit/>
+          </a:bodyPr>
+          <a:lstStyle/>
+          <a:p>
+            <a:pPr marL="342900">
+              <a:spcAft>
+                <a:spcPts val="1600"/>
+              </a:spcAft>
+              <a:buClr>
+                <a:schemeClr val="tx1"/>
+              </a:buClr>
+            </a:pPr>
+            <a:r>
+              <a:rPr lang="en-IN" sz="2000" dirty="0" err="1">
+                <a:solidFill>
+                  <a:schemeClr val="tx1"/>
+                </a:solidFill>
+                <a:latin typeface="Consolas" panose="020B0609020204030204" pitchFamily="49" charset="0"/>
+                <a:cs typeface="Consolas" panose="020B0609020204030204" pitchFamily="49" charset="0"/>
+              </a:rPr>
+              <a:t>mask_white</a:t>
+            </a:r>
+            <a:r>
+              <a:rPr lang="en-IN" sz="2000" dirty="0">
+                <a:solidFill>
+                  <a:schemeClr val="tx1"/>
+                </a:solidFill>
+                <a:latin typeface="Consolas" panose="020B0609020204030204" pitchFamily="49" charset="0"/>
+                <a:cs typeface="Consolas" panose="020B0609020204030204" pitchFamily="49" charset="0"/>
+              </a:rPr>
+              <a:t> = cv2.inRange(img, (200,200,200), (255, 255, 255))</a:t>
+            </a:r>
+            <a:endParaRPr sz="2000" dirty="0">
+              <a:solidFill>
+                <a:schemeClr val="tx1"/>
+              </a:solidFill>
+              <a:latin typeface="Consolas" panose="020B0609020204030204" pitchFamily="49" charset="0"/>
+              <a:cs typeface="Consolas" panose="020B0609020204030204" pitchFamily="49" charset="0"/>
+            </a:endParaRPr>
+          </a:p>
+        </p:txBody>
+      </p:sp>
+      <p:pic>
+        <p:nvPicPr>
+          <p:cNvPr id="4" name="Picture 3" descr="A picture containing outdoor object&#10;&#10;Description automatically generated">
+            <a:extLst>
+              <a:ext uri="{FF2B5EF4-FFF2-40B4-BE49-F238E27FC236}">
+                <a16:creationId xmlns:a16="http://schemas.microsoft.com/office/drawing/2014/main" id="{CC646980-C091-9744-9BA9-836F4803696E}"/>
+              </a:ext>
+            </a:extLst>
+          </p:cNvPr>
+          <p:cNvPicPr>
+            <a:picLocks noChangeAspect="1"/>
+          </p:cNvPicPr>
+          <p:nvPr/>
+        </p:nvPicPr>
+        <p:blipFill rotWithShape="1">
+          <a:blip r:embed="rId3"/>
+          <a:srcRect l="9525" t="38187" r="8533" b="38641"/>
+          <a:stretch/>
+        </p:blipFill>
+        <p:spPr>
+          <a:xfrm>
+            <a:off x="118046" y="2618912"/>
+            <a:ext cx="11898404" cy="3364638"/>
+          </a:xfrm>
+          <a:prstGeom prst="rect">
+            <a:avLst/>
+          </a:prstGeom>
+          <a:solidFill>
+            <a:schemeClr val="tx1"/>
+          </a:solidFill>
+        </p:spPr>
+      </p:pic>
+    </p:spTree>
+    <p:extLst>
+      <p:ext uri="{BB962C8B-B14F-4D97-AF65-F5344CB8AC3E}">
+        <p14:creationId xmlns:p14="http://schemas.microsoft.com/office/powerpoint/2010/main" val="1365195774"/>
+      </p:ext>
+    </p:extLst>
+  </p:cSld>
+  <p:clrMapOvr>
+    <a:masterClrMapping/>
+  </p:clrMapOvr>
+</p:sld>
+</file>
+
+<file path=ppt/slides/slide15.xml><?xml version="1.0" encoding="utf-8"?>
+<p:sld xmlns:a="http://schemas.openxmlformats.org/drawingml/2006/main" xmlns:r="http://schemas.openxmlformats.org/officeDocument/2006/relationships" xmlns:p="http://schemas.openxmlformats.org/presentationml/2006/main">
+  <p:cSld>
+    <p:spTree>
+      <p:nvGrpSpPr>
+        <p:cNvPr id="1" name="Shape 120"/>
+        <p:cNvGrpSpPr/>
+        <p:nvPr/>
+      </p:nvGrpSpPr>
+      <p:grpSpPr>
+        <a:xfrm>
+          <a:off x="0" y="0"/>
+          <a:ext cx="0" cy="0"/>
+          <a:chOff x="0" y="0"/>
+          <a:chExt cx="0" cy="0"/>
+        </a:xfrm>
+      </p:grpSpPr>
+      <p:sp>
+        <p:nvSpPr>
+          <p:cNvPr id="121" name="Google Shape;121;p24"/>
+          <p:cNvSpPr txBox="1">
+            <a:spLocks noGrp="1"/>
+          </p:cNvSpPr>
+          <p:nvPr>
+            <p:ph type="title"/>
+          </p:nvPr>
+        </p:nvSpPr>
+        <p:spPr>
+          <a:xfrm>
+            <a:off x="0" y="65775"/>
+            <a:ext cx="6999600" cy="424200"/>
+          </a:xfrm>
+          <a:prstGeom prst="rect">
+            <a:avLst/>
+          </a:prstGeom>
+        </p:spPr>
+        <p:txBody>
+          <a:bodyPr spcFirstLastPara="1" wrap="square" lIns="91425" tIns="45700" rIns="91425" bIns="45700" anchor="ctr" anchorCtr="0">
+            <a:noAutofit/>
+          </a:bodyPr>
+          <a:lstStyle/>
+          <a:p>
+            <a:pPr marL="0" lvl="0" indent="0" algn="l" rtl="0">
+              <a:spcBef>
+                <a:spcPts val="0"/>
+              </a:spcBef>
+              <a:spcAft>
+                <a:spcPts val="0"/>
+              </a:spcAft>
+              <a:buNone/>
+            </a:pPr>
+            <a:r>
+              <a:rPr lang="en-US" sz="3100" u="sng">
+                <a:latin typeface="Consolas"/>
+                <a:ea typeface="Consolas"/>
+                <a:cs typeface="Consolas"/>
+                <a:sym typeface="Consolas"/>
+              </a:rPr>
+              <a:t>image preprocessing</a:t>
+            </a:r>
+            <a:endParaRPr sz="3100" u="sng">
+              <a:latin typeface="Consolas"/>
+              <a:ea typeface="Consolas"/>
+              <a:cs typeface="Consolas"/>
+              <a:sym typeface="Consolas"/>
+            </a:endParaRPr>
+          </a:p>
+        </p:txBody>
+      </p:sp>
+      <p:sp>
+        <p:nvSpPr>
+          <p:cNvPr id="122" name="Google Shape;122;p24"/>
+          <p:cNvSpPr txBox="1">
+            <a:spLocks noGrp="1"/>
+          </p:cNvSpPr>
+          <p:nvPr>
+            <p:ph type="body" idx="1"/>
+          </p:nvPr>
+        </p:nvSpPr>
+        <p:spPr>
+          <a:xfrm>
+            <a:off x="838200" y="715916"/>
+            <a:ext cx="10515600" cy="731144"/>
+          </a:xfrm>
+          <a:prstGeom prst="rect">
+            <a:avLst/>
+          </a:prstGeom>
+        </p:spPr>
+        <p:txBody>
+          <a:bodyPr spcFirstLastPara="1" wrap="square" lIns="91425" tIns="45700" rIns="91425" bIns="45700" anchor="t" anchorCtr="0">
+            <a:normAutofit/>
+          </a:bodyPr>
+          <a:lstStyle/>
+          <a:p>
+            <a:pPr marL="342900">
+              <a:spcAft>
+                <a:spcPts val="1600"/>
+              </a:spcAft>
+              <a:buClr>
+                <a:schemeClr val="tx1"/>
+              </a:buClr>
+            </a:pPr>
+            <a:r>
+              <a:rPr lang="en-IN" sz="2000" dirty="0" err="1">
+                <a:solidFill>
+                  <a:schemeClr val="tx1"/>
+                </a:solidFill>
+                <a:latin typeface="Consolas" panose="020B0609020204030204" pitchFamily="49" charset="0"/>
+                <a:cs typeface="Consolas" panose="020B0609020204030204" pitchFamily="49" charset="0"/>
+              </a:rPr>
+              <a:t>color_mask</a:t>
+            </a:r>
+            <a:r>
+              <a:rPr lang="en-IN" sz="2000" dirty="0">
+                <a:solidFill>
+                  <a:schemeClr val="tx1"/>
+                </a:solidFill>
+                <a:latin typeface="Consolas" panose="020B0609020204030204" pitchFamily="49" charset="0"/>
+                <a:cs typeface="Consolas" panose="020B0609020204030204" pitchFamily="49" charset="0"/>
+              </a:rPr>
+              <a:t> = cv2.bitwise_or(</a:t>
+            </a:r>
+            <a:r>
+              <a:rPr lang="en-IN" sz="2000" dirty="0" err="1">
+                <a:solidFill>
+                  <a:schemeClr val="tx1"/>
+                </a:solidFill>
+                <a:latin typeface="Consolas" panose="020B0609020204030204" pitchFamily="49" charset="0"/>
+                <a:cs typeface="Consolas" panose="020B0609020204030204" pitchFamily="49" charset="0"/>
+              </a:rPr>
+              <a:t>mask_white</a:t>
+            </a:r>
+            <a:r>
+              <a:rPr lang="en-IN" sz="2000" dirty="0">
+                <a:solidFill>
+                  <a:schemeClr val="tx1"/>
+                </a:solidFill>
+                <a:latin typeface="Consolas" panose="020B0609020204030204" pitchFamily="49" charset="0"/>
+                <a:cs typeface="Consolas" panose="020B0609020204030204" pitchFamily="49" charset="0"/>
+              </a:rPr>
+              <a:t>, </a:t>
+            </a:r>
+            <a:r>
+              <a:rPr lang="en-IN" sz="2000" dirty="0" err="1">
+                <a:solidFill>
+                  <a:schemeClr val="tx1"/>
+                </a:solidFill>
+                <a:latin typeface="Consolas" panose="020B0609020204030204" pitchFamily="49" charset="0"/>
+                <a:cs typeface="Consolas" panose="020B0609020204030204" pitchFamily="49" charset="0"/>
+              </a:rPr>
+              <a:t>mask_yellow</a:t>
+            </a:r>
+            <a:r>
+              <a:rPr lang="en-IN" sz="2000" dirty="0">
+                <a:solidFill>
+                  <a:schemeClr val="tx1"/>
+                </a:solidFill>
+                <a:latin typeface="Consolas" panose="020B0609020204030204" pitchFamily="49" charset="0"/>
+                <a:cs typeface="Consolas" panose="020B0609020204030204" pitchFamily="49" charset="0"/>
+              </a:rPr>
+              <a:t>)</a:t>
+            </a:r>
+            <a:endParaRPr sz="2000" dirty="0">
+              <a:solidFill>
+                <a:schemeClr val="tx1"/>
+              </a:solidFill>
+              <a:latin typeface="Consolas" panose="020B0609020204030204" pitchFamily="49" charset="0"/>
+              <a:cs typeface="Consolas" panose="020B0609020204030204" pitchFamily="49" charset="0"/>
+            </a:endParaRPr>
+          </a:p>
+        </p:txBody>
+      </p:sp>
+      <p:pic>
+        <p:nvPicPr>
+          <p:cNvPr id="3" name="Picture 2" descr="A picture containing chart&#10;&#10;Description automatically generated">
+            <a:extLst>
+              <a:ext uri="{FF2B5EF4-FFF2-40B4-BE49-F238E27FC236}">
+                <a16:creationId xmlns:a16="http://schemas.microsoft.com/office/drawing/2014/main" id="{D6E4C3C3-394C-DD4F-B7B3-F257E07C67AA}"/>
+              </a:ext>
+            </a:extLst>
+          </p:cNvPr>
+          <p:cNvPicPr>
+            <a:picLocks noChangeAspect="1"/>
+          </p:cNvPicPr>
+          <p:nvPr/>
+        </p:nvPicPr>
+        <p:blipFill rotWithShape="1">
+          <a:blip r:embed="rId3"/>
+          <a:srcRect l="4399"/>
+          <a:stretch/>
+        </p:blipFill>
+        <p:spPr>
+          <a:xfrm>
+            <a:off x="2405848" y="1836784"/>
+            <a:ext cx="7066255" cy="4305300"/>
+          </a:xfrm>
+          <a:prstGeom prst="rect">
+            <a:avLst/>
+          </a:prstGeom>
+        </p:spPr>
+      </p:pic>
+    </p:spTree>
+    <p:extLst>
+      <p:ext uri="{BB962C8B-B14F-4D97-AF65-F5344CB8AC3E}">
+        <p14:creationId xmlns:p14="http://schemas.microsoft.com/office/powerpoint/2010/main" val="2683714312"/>
+      </p:ext>
+    </p:extLst>
+  </p:cSld>
+  <p:clrMapOvr>
+    <a:masterClrMapping/>
+  </p:clrMapOvr>
+</p:sld>
+</file>
+
+<file path=ppt/slides/slide16.xml><?xml version="1.0" encoding="utf-8"?>
+<p:sld xmlns:a="http://schemas.openxmlformats.org/drawingml/2006/main" xmlns:r="http://schemas.openxmlformats.org/officeDocument/2006/relationships" xmlns:p="http://schemas.openxmlformats.org/presentationml/2006/main">
+  <p:cSld>
+    <p:spTree>
+      <p:nvGrpSpPr>
+        <p:cNvPr id="1" name="Shape 120"/>
+        <p:cNvGrpSpPr/>
+        <p:nvPr/>
+      </p:nvGrpSpPr>
+      <p:grpSpPr>
+        <a:xfrm>
+          <a:off x="0" y="0"/>
+          <a:ext cx="0" cy="0"/>
+          <a:chOff x="0" y="0"/>
+          <a:chExt cx="0" cy="0"/>
+        </a:xfrm>
+      </p:grpSpPr>
+      <p:sp>
+        <p:nvSpPr>
+          <p:cNvPr id="121" name="Google Shape;121;p24"/>
+          <p:cNvSpPr txBox="1">
+            <a:spLocks noGrp="1"/>
+          </p:cNvSpPr>
+          <p:nvPr>
+            <p:ph type="title"/>
+          </p:nvPr>
+        </p:nvSpPr>
+        <p:spPr>
+          <a:xfrm>
+            <a:off x="0" y="65775"/>
+            <a:ext cx="6999600" cy="424200"/>
+          </a:xfrm>
+          <a:prstGeom prst="rect">
+            <a:avLst/>
+          </a:prstGeom>
+        </p:spPr>
+        <p:txBody>
+          <a:bodyPr spcFirstLastPara="1" wrap="square" lIns="91425" tIns="45700" rIns="91425" bIns="45700" anchor="ctr" anchorCtr="0">
+            <a:noAutofit/>
+          </a:bodyPr>
+          <a:lstStyle/>
+          <a:p>
+            <a:pPr marL="0" lvl="0" indent="0" algn="l" rtl="0">
+              <a:spcBef>
+                <a:spcPts val="0"/>
+              </a:spcBef>
+              <a:spcAft>
+                <a:spcPts val="0"/>
+              </a:spcAft>
+              <a:buNone/>
+            </a:pPr>
+            <a:r>
+              <a:rPr lang="en-US" sz="3100" u="sng">
+                <a:latin typeface="Consolas"/>
+                <a:ea typeface="Consolas"/>
+                <a:cs typeface="Consolas"/>
+                <a:sym typeface="Consolas"/>
+              </a:rPr>
+              <a:t>image preprocessing</a:t>
+            </a:r>
+            <a:endParaRPr sz="3100" u="sng">
+              <a:latin typeface="Consolas"/>
+              <a:ea typeface="Consolas"/>
+              <a:cs typeface="Consolas"/>
+              <a:sym typeface="Consolas"/>
+            </a:endParaRPr>
+          </a:p>
+        </p:txBody>
+      </p:sp>
+      <p:sp>
+        <p:nvSpPr>
+          <p:cNvPr id="122" name="Google Shape;122;p24"/>
+          <p:cNvSpPr txBox="1">
+            <a:spLocks noGrp="1"/>
+          </p:cNvSpPr>
+          <p:nvPr>
+            <p:ph type="body" idx="1"/>
+          </p:nvPr>
+        </p:nvSpPr>
+        <p:spPr>
+          <a:xfrm>
+            <a:off x="838200" y="715916"/>
+            <a:ext cx="10515600" cy="731144"/>
+          </a:xfrm>
+          <a:prstGeom prst="rect">
+            <a:avLst/>
+          </a:prstGeom>
+        </p:spPr>
+        <p:txBody>
+          <a:bodyPr spcFirstLastPara="1" wrap="square" lIns="91425" tIns="45700" rIns="91425" bIns="45700" anchor="t" anchorCtr="0">
+            <a:normAutofit/>
+          </a:bodyPr>
+          <a:lstStyle/>
+          <a:p>
+            <a:pPr marL="342900">
+              <a:spcAft>
+                <a:spcPts val="1600"/>
+              </a:spcAft>
+              <a:buClr>
+                <a:schemeClr val="tx1"/>
+              </a:buClr>
+            </a:pPr>
+            <a:r>
+              <a:rPr lang="en-IN" sz="2000" dirty="0">
+                <a:solidFill>
+                  <a:schemeClr val="tx1"/>
+                </a:solidFill>
+                <a:latin typeface="Consolas" panose="020B0609020204030204" pitchFamily="49" charset="0"/>
+                <a:cs typeface="Consolas" panose="020B0609020204030204" pitchFamily="49" charset="0"/>
+              </a:rPr>
+              <a:t>blur = cv2.GaussianBlur(</a:t>
+            </a:r>
+            <a:r>
+              <a:rPr lang="en-IN" sz="2000" dirty="0" err="1">
+                <a:solidFill>
+                  <a:schemeClr val="tx1"/>
+                </a:solidFill>
+                <a:latin typeface="Consolas" panose="020B0609020204030204" pitchFamily="49" charset="0"/>
+                <a:cs typeface="Consolas" panose="020B0609020204030204" pitchFamily="49" charset="0"/>
+              </a:rPr>
+              <a:t>color_mask</a:t>
+            </a:r>
+            <a:r>
+              <a:rPr lang="en-IN" sz="2000" dirty="0">
+                <a:solidFill>
+                  <a:schemeClr val="tx1"/>
+                </a:solidFill>
+                <a:latin typeface="Consolas" panose="020B0609020204030204" pitchFamily="49" charset="0"/>
+                <a:cs typeface="Consolas" panose="020B0609020204030204" pitchFamily="49" charset="0"/>
+              </a:rPr>
+              <a:t>, (5,5), 0)</a:t>
+            </a:r>
+            <a:endParaRPr sz="2000" dirty="0">
+              <a:solidFill>
+                <a:schemeClr val="tx1"/>
+              </a:solidFill>
+              <a:latin typeface="Consolas" panose="020B0609020204030204" pitchFamily="49" charset="0"/>
+              <a:cs typeface="Consolas" panose="020B0609020204030204" pitchFamily="49" charset="0"/>
+            </a:endParaRPr>
+          </a:p>
+        </p:txBody>
+      </p:sp>
+      <p:pic>
+        <p:nvPicPr>
+          <p:cNvPr id="4" name="Picture 3" descr="A picture containing outdoor object&#10;&#10;Description automatically generated">
+            <a:extLst>
+              <a:ext uri="{FF2B5EF4-FFF2-40B4-BE49-F238E27FC236}">
+                <a16:creationId xmlns:a16="http://schemas.microsoft.com/office/drawing/2014/main" id="{ADFA483F-9B26-F64C-A353-AD5AC377114B}"/>
+              </a:ext>
+            </a:extLst>
+          </p:cNvPr>
+          <p:cNvPicPr>
+            <a:picLocks noChangeAspect="1"/>
+          </p:cNvPicPr>
+          <p:nvPr/>
+        </p:nvPicPr>
+        <p:blipFill rotWithShape="1">
+          <a:blip r:embed="rId3"/>
+          <a:srcRect l="8878" t="38503" r="7497" b="37708"/>
+          <a:stretch/>
+        </p:blipFill>
+        <p:spPr>
+          <a:xfrm>
+            <a:off x="93264" y="2681055"/>
+            <a:ext cx="11942616" cy="3364638"/>
+          </a:xfrm>
+          <a:prstGeom prst="rect">
+            <a:avLst/>
+          </a:prstGeom>
+          <a:solidFill>
+            <a:schemeClr val="tx1"/>
+          </a:solidFill>
+        </p:spPr>
+      </p:pic>
+    </p:spTree>
+    <p:extLst>
+      <p:ext uri="{BB962C8B-B14F-4D97-AF65-F5344CB8AC3E}">
+        <p14:creationId xmlns:p14="http://schemas.microsoft.com/office/powerpoint/2010/main" val="689876169"/>
+      </p:ext>
+    </p:extLst>
+  </p:cSld>
+  <p:clrMapOvr>
+    <a:masterClrMapping/>
+  </p:clrMapOvr>
+</p:sld>
+</file>
+
+<file path=ppt/slides/slide17.xml><?xml version="1.0" encoding="utf-8"?>
+<p:sld xmlns:a="http://schemas.openxmlformats.org/drawingml/2006/main" xmlns:r="http://schemas.openxmlformats.org/officeDocument/2006/relationships" xmlns:p="http://schemas.openxmlformats.org/presentationml/2006/main">
+  <p:cSld>
     <p:spTree>
       <p:nvGrpSpPr>
         <p:cNvPr id="1" name="Shape 126"/>
@@ -8617,10 +10313,6 @@
           </p:nvPr>
         </p:nvSpPr>
         <p:spPr>
-          <a:xfrm>
-            <a:off x="838200" y="1825625"/>
-            <a:ext cx="10515600" cy="4351200"/>
-          </a:xfrm>
           <a:prstGeom prst="rect">
             <a:avLst/>
           </a:prstGeom>
@@ -8652,17 +10344,9 @@
 </p:sld>
 </file>
 
-<file path=ppt/slides/slide13.xml><?xml version="1.0" encoding="utf-8"?>
+<file path=ppt/slides/slide18.xml><?xml version="1.0" encoding="utf-8"?>
 <p:sld xmlns:a="http://schemas.openxmlformats.org/drawingml/2006/main" xmlns:r="http://schemas.openxmlformats.org/officeDocument/2006/relationships" xmlns:p="http://schemas.openxmlformats.org/presentationml/2006/main">
   <p:cSld>
-    <p:bg>
-      <p:bgPr>
-        <a:solidFill>
-          <a:srgbClr val="000000"/>
-        </a:solidFill>
-        <a:effectLst/>
-      </p:bgPr>
-    </p:bg>
     <p:spTree>
       <p:nvGrpSpPr>
         <p:cNvPr id="1" name="Shape 132"/>
@@ -8740,10 +10424,6 @@
           </p:nvPr>
         </p:nvSpPr>
         <p:spPr>
-          <a:xfrm>
-            <a:off x="838200" y="1825625"/>
-            <a:ext cx="10515600" cy="4351200"/>
-          </a:xfrm>
           <a:prstGeom prst="rect">
             <a:avLst/>
           </a:prstGeom>
@@ -8775,17 +10455,9 @@
 </p:sld>
 </file>
 
-<file path=ppt/slides/slide14.xml><?xml version="1.0" encoding="utf-8"?>
+<file path=ppt/slides/slide19.xml><?xml version="1.0" encoding="utf-8"?>
 <p:sld xmlns:a="http://schemas.openxmlformats.org/drawingml/2006/main" xmlns:r="http://schemas.openxmlformats.org/officeDocument/2006/relationships" xmlns:p="http://schemas.openxmlformats.org/presentationml/2006/main">
   <p:cSld>
-    <p:bg>
-      <p:bgPr>
-        <a:solidFill>
-          <a:srgbClr val="000000"/>
-        </a:solidFill>
-        <a:effectLst/>
-      </p:bgPr>
-    </p:bg>
     <p:spTree>
       <p:nvGrpSpPr>
         <p:cNvPr id="1" name="Shape 138"/>
@@ -8863,10 +10535,6 @@
           </p:nvPr>
         </p:nvSpPr>
         <p:spPr>
-          <a:xfrm>
-            <a:off x="838200" y="1825625"/>
-            <a:ext cx="10515600" cy="4351200"/>
-          </a:xfrm>
           <a:prstGeom prst="rect">
             <a:avLst/>
           </a:prstGeom>
@@ -8898,17 +10566,200 @@
 </p:sld>
 </file>
 
-<file path=ppt/slides/slide15.xml><?xml version="1.0" encoding="utf-8"?>
+<file path=ppt/slides/slide2.xml><?xml version="1.0" encoding="utf-8"?>
 <p:sld xmlns:a="http://schemas.openxmlformats.org/drawingml/2006/main" xmlns:r="http://schemas.openxmlformats.org/officeDocument/2006/relationships" xmlns:p="http://schemas.openxmlformats.org/presentationml/2006/main">
   <p:cSld>
-    <p:bg>
-      <p:bgPr>
-        <a:solidFill>
-          <a:srgbClr val="000000"/>
-        </a:solidFill>
-        <a:effectLst/>
-      </p:bgPr>
-    </p:bg>
+    <p:spTree>
+      <p:nvGrpSpPr>
+        <p:cNvPr id="1" name="Shape 66"/>
+        <p:cNvGrpSpPr/>
+        <p:nvPr/>
+      </p:nvGrpSpPr>
+      <p:grpSpPr>
+        <a:xfrm>
+          <a:off x="0" y="0"/>
+          <a:ext cx="0" cy="0"/>
+          <a:chOff x="0" y="0"/>
+          <a:chExt cx="0" cy="0"/>
+        </a:xfrm>
+      </p:grpSpPr>
+      <p:sp>
+        <p:nvSpPr>
+          <p:cNvPr id="67" name="Google Shape;67;p15"/>
+          <p:cNvSpPr txBox="1">
+            <a:spLocks noGrp="1"/>
+          </p:cNvSpPr>
+          <p:nvPr>
+            <p:ph type="title"/>
+          </p:nvPr>
+        </p:nvSpPr>
+        <p:spPr>
+          <a:xfrm>
+            <a:off x="0" y="65775"/>
+            <a:ext cx="6999600" cy="424200"/>
+          </a:xfrm>
+          <a:prstGeom prst="rect">
+            <a:avLst/>
+          </a:prstGeom>
+        </p:spPr>
+        <p:txBody>
+          <a:bodyPr spcFirstLastPara="1" wrap="square" lIns="91425" tIns="45700" rIns="91425" bIns="45700" anchor="ctr" anchorCtr="0">
+            <a:noAutofit/>
+          </a:bodyPr>
+          <a:lstStyle/>
+          <a:p>
+            <a:pPr marL="0" lvl="0" indent="0" algn="l" rtl="0">
+              <a:spcBef>
+                <a:spcPts val="0"/>
+              </a:spcBef>
+              <a:spcAft>
+                <a:spcPts val="0"/>
+              </a:spcAft>
+              <a:buNone/>
+            </a:pPr>
+            <a:r>
+              <a:rPr lang="en-US" sz="3100" u="sng">
+                <a:latin typeface="Consolas"/>
+                <a:ea typeface="Consolas"/>
+                <a:cs typeface="Consolas"/>
+                <a:sym typeface="Consolas"/>
+              </a:rPr>
+              <a:t>Introduction</a:t>
+            </a:r>
+            <a:endParaRPr sz="3100" u="sng">
+              <a:latin typeface="Consolas"/>
+              <a:ea typeface="Consolas"/>
+              <a:cs typeface="Consolas"/>
+              <a:sym typeface="Consolas"/>
+            </a:endParaRPr>
+          </a:p>
+        </p:txBody>
+      </p:sp>
+      <p:sp>
+        <p:nvSpPr>
+          <p:cNvPr id="68" name="Google Shape;68;p15"/>
+          <p:cNvSpPr txBox="1">
+            <a:spLocks noGrp="1"/>
+          </p:cNvSpPr>
+          <p:nvPr>
+            <p:ph type="body" idx="1"/>
+          </p:nvPr>
+        </p:nvSpPr>
+        <p:spPr>
+          <a:xfrm>
+            <a:off x="838200" y="1488273"/>
+            <a:ext cx="10515600" cy="4351200"/>
+          </a:xfrm>
+          <a:prstGeom prst="rect">
+            <a:avLst/>
+          </a:prstGeom>
+        </p:spPr>
+        <p:txBody>
+          <a:bodyPr spcFirstLastPara="1" wrap="square" lIns="91425" tIns="45700" rIns="91425" bIns="45700" anchor="t" anchorCtr="0">
+            <a:normAutofit/>
+          </a:bodyPr>
+          <a:lstStyle/>
+          <a:p>
+            <a:pPr marL="342900">
+              <a:spcBef>
+                <a:spcPts val="1600"/>
+              </a:spcBef>
+              <a:spcAft>
+                <a:spcPts val="1600"/>
+              </a:spcAft>
+              <a:buClr>
+                <a:schemeClr val="tx1"/>
+              </a:buClr>
+            </a:pPr>
+            <a:r>
+              <a:rPr lang="en-IN" sz="2000" dirty="0">
+                <a:solidFill>
+                  <a:schemeClr val="tx1"/>
+                </a:solidFill>
+                <a:latin typeface="Consolas" panose="020B0609020204030204" pitchFamily="49" charset="0"/>
+                <a:cs typeface="Consolas" panose="020B0609020204030204" pitchFamily="49" charset="0"/>
+              </a:rPr>
+              <a:t>In this Project we are building one of the components of the autonomous driving system (ADS) that is lane line detection on the road.</a:t>
+            </a:r>
+          </a:p>
+          <a:p>
+            <a:pPr marL="342900">
+              <a:spcBef>
+                <a:spcPts val="1600"/>
+              </a:spcBef>
+              <a:spcAft>
+                <a:spcPts val="1600"/>
+              </a:spcAft>
+              <a:buClr>
+                <a:schemeClr val="tx1"/>
+              </a:buClr>
+            </a:pPr>
+            <a:r>
+              <a:rPr lang="en-IN" sz="2000" dirty="0">
+                <a:solidFill>
+                  <a:schemeClr val="tx1"/>
+                </a:solidFill>
+                <a:latin typeface="Consolas" panose="020B0609020204030204" pitchFamily="49" charset="0"/>
+                <a:cs typeface="Consolas" panose="020B0609020204030204" pitchFamily="49" charset="0"/>
+              </a:rPr>
+              <a:t>Lane lines are designed for humans to follow while driving. In the same way, an autonomous driving system uses lane lines to steer the vehicle accordingly and follow the road track in the correct orientation.</a:t>
+            </a:r>
+          </a:p>
+          <a:p>
+            <a:pPr marL="342900">
+              <a:spcBef>
+                <a:spcPts val="1600"/>
+              </a:spcBef>
+              <a:spcAft>
+                <a:spcPts val="1600"/>
+              </a:spcAft>
+              <a:buClr>
+                <a:schemeClr val="tx1"/>
+              </a:buClr>
+            </a:pPr>
+            <a:r>
+              <a:rPr lang="en-IN" sz="2000" dirty="0">
+                <a:solidFill>
+                  <a:schemeClr val="tx1"/>
+                </a:solidFill>
+                <a:latin typeface="Consolas" panose="020B0609020204030204" pitchFamily="49" charset="0"/>
+                <a:cs typeface="Consolas" panose="020B0609020204030204" pitchFamily="49" charset="0"/>
+                <a:sym typeface="Arial"/>
+              </a:rPr>
+              <a:t>Lane Line detection includes localization of the r</a:t>
+            </a:r>
+            <a:r>
+              <a:rPr lang="en-IN" sz="2000" dirty="0">
+                <a:solidFill>
+                  <a:schemeClr val="tx1"/>
+                </a:solidFill>
+                <a:latin typeface="Consolas" panose="020B0609020204030204" pitchFamily="49" charset="0"/>
+                <a:cs typeface="Consolas" panose="020B0609020204030204" pitchFamily="49" charset="0"/>
+              </a:rPr>
+              <a:t>oad, the determination of the relative position between vehicle and road, and the analysis of the vehicles heading direction.</a:t>
+            </a:r>
+            <a:endParaRPr sz="2000" dirty="0">
+              <a:solidFill>
+                <a:schemeClr val="tx1"/>
+              </a:solidFill>
+              <a:latin typeface="Consolas" panose="020B0609020204030204" pitchFamily="49" charset="0"/>
+              <a:cs typeface="Consolas" panose="020B0609020204030204" pitchFamily="49" charset="0"/>
+              <a:sym typeface="Arial"/>
+            </a:endParaRPr>
+          </a:p>
+        </p:txBody>
+      </p:sp>
+    </p:spTree>
+  </p:cSld>
+  <p:clrMapOvr>
+    <a:masterClrMapping/>
+  </p:clrMapOvr>
+</p:sld>
+</file>
+
+<file path=ppt/slides/slide20.xml><?xml version="1.0" encoding="utf-8"?>
+<p:sld xmlns:a="http://schemas.openxmlformats.org/drawingml/2006/main" xmlns:r="http://schemas.openxmlformats.org/officeDocument/2006/relationships" xmlns:p="http://schemas.openxmlformats.org/presentationml/2006/main">
+  <p:cSld>
     <p:spTree>
       <p:nvGrpSpPr>
         <p:cNvPr id="1" name="Shape 144"/>
@@ -8986,10 +10837,6 @@
           </p:nvPr>
         </p:nvSpPr>
         <p:spPr>
-          <a:xfrm>
-            <a:off x="838200" y="1825625"/>
-            <a:ext cx="10515600" cy="4351200"/>
-          </a:xfrm>
           <a:prstGeom prst="rect">
             <a:avLst/>
           </a:prstGeom>
@@ -9021,17 +10868,9 @@
 </p:sld>
 </file>
 
-<file path=ppt/slides/slide16.xml><?xml version="1.0" encoding="utf-8"?>
+<file path=ppt/slides/slide21.xml><?xml version="1.0" encoding="utf-8"?>
 <p:sld xmlns:a="http://schemas.openxmlformats.org/drawingml/2006/main" xmlns:r="http://schemas.openxmlformats.org/officeDocument/2006/relationships" xmlns:p="http://schemas.openxmlformats.org/presentationml/2006/main">
   <p:cSld>
-    <p:bg>
-      <p:bgPr>
-        <a:solidFill>
-          <a:srgbClr val="000000"/>
-        </a:solidFill>
-        <a:effectLst/>
-      </p:bgPr>
-    </p:bg>
     <p:spTree>
       <p:nvGrpSpPr>
         <p:cNvPr id="1" name="Shape 150"/>
@@ -9109,10 +10948,6 @@
           </p:nvPr>
         </p:nvSpPr>
         <p:spPr>
-          <a:xfrm>
-            <a:off x="838200" y="1825625"/>
-            <a:ext cx="10515600" cy="4351200"/>
-          </a:xfrm>
           <a:prstGeom prst="rect">
             <a:avLst/>
           </a:prstGeom>
@@ -9144,17 +10979,9 @@
 </p:sld>
 </file>
 
-<file path=ppt/slides/slide17.xml><?xml version="1.0" encoding="utf-8"?>
+<file path=ppt/slides/slide22.xml><?xml version="1.0" encoding="utf-8"?>
 <p:sld xmlns:a="http://schemas.openxmlformats.org/drawingml/2006/main" xmlns:r="http://schemas.openxmlformats.org/officeDocument/2006/relationships" xmlns:p="http://schemas.openxmlformats.org/presentationml/2006/main">
   <p:cSld>
-    <p:bg>
-      <p:bgPr>
-        <a:solidFill>
-          <a:srgbClr val="000000"/>
-        </a:solidFill>
-        <a:effectLst/>
-      </p:bgPr>
-    </p:bg>
     <p:spTree>
       <p:nvGrpSpPr>
         <p:cNvPr id="1" name="Shape 156"/>
@@ -9232,10 +11059,6 @@
           </p:nvPr>
         </p:nvSpPr>
         <p:spPr>
-          <a:xfrm>
-            <a:off x="838200" y="1825625"/>
-            <a:ext cx="10515600" cy="4351200"/>
-          </a:xfrm>
           <a:prstGeom prst="rect">
             <a:avLst/>
           </a:prstGeom>
@@ -9267,20 +11090,12 @@
 </p:sld>
 </file>
 
-<file path=ppt/slides/slide2.xml><?xml version="1.0" encoding="utf-8"?>
+<file path=ppt/slides/slide3.xml><?xml version="1.0" encoding="utf-8"?>
 <p:sld xmlns:a="http://schemas.openxmlformats.org/drawingml/2006/main" xmlns:r="http://schemas.openxmlformats.org/officeDocument/2006/relationships" xmlns:p="http://schemas.openxmlformats.org/presentationml/2006/main">
   <p:cSld>
-    <p:bg>
-      <p:bgPr>
-        <a:solidFill>
-          <a:srgbClr val="000000"/>
-        </a:solidFill>
-        <a:effectLst/>
-      </p:bgPr>
-    </p:bg>
     <p:spTree>
       <p:nvGrpSpPr>
-        <p:cNvPr id="1" name="Shape 66"/>
+        <p:cNvPr id="1" name="Shape 72"/>
         <p:cNvGrpSpPr/>
         <p:nvPr/>
       </p:nvGrpSpPr>
@@ -9294,7 +11109,7 @@
       </p:grpSpPr>
       <p:sp>
         <p:nvSpPr>
-          <p:cNvPr id="67" name="Google Shape;67;p15"/>
+          <p:cNvPr id="73" name="Google Shape;73;p16"/>
           <p:cNvSpPr txBox="1">
             <a:spLocks noGrp="1"/>
           </p:cNvSpPr>
@@ -9346,7 +11161,7 @@
       </p:sp>
       <p:sp>
         <p:nvSpPr>
-          <p:cNvPr id="68" name="Google Shape;68;p15"/>
+          <p:cNvPr id="74" name="Google Shape;74;p16"/>
           <p:cNvSpPr txBox="1">
             <a:spLocks noGrp="1"/>
           </p:cNvSpPr>
@@ -9356,12 +11171,18 @@
         </p:nvSpPr>
         <p:spPr>
           <a:xfrm>
-            <a:off x="838200" y="1825625"/>
+            <a:off x="838200" y="1594806"/>
             <a:ext cx="10515600" cy="4351200"/>
           </a:xfrm>
           <a:prstGeom prst="rect">
             <a:avLst/>
           </a:prstGeom>
+          <a:solidFill>
+            <a:srgbClr val="000000"/>
+          </a:solidFill>
+          <a:ln>
+            <a:noFill/>
+          </a:ln>
         </p:spPr>
         <p:txBody>
           <a:bodyPr spcFirstLastPara="1" wrap="square" lIns="91425" tIns="45700" rIns="91425" bIns="45700" anchor="t" anchorCtr="0">
@@ -9369,55 +11190,132 @@
           </a:bodyPr>
           <a:lstStyle/>
           <a:p>
-            <a:pPr marL="0" lvl="0" indent="0" algn="l" rtl="0">
-              <a:spcBef>
-                <a:spcPts val="1000"/>
-              </a:spcBef>
-              <a:spcAft>
-                <a:spcPts val="0"/>
-              </a:spcAft>
-              <a:buNone/>
+            <a:pPr marL="342900">
+              <a:spcAft>
+                <a:spcPts val="1600"/>
+              </a:spcAft>
+              <a:buClr>
+                <a:schemeClr val="tx1"/>
+              </a:buClr>
             </a:pPr>
             <a:r>
-              <a:rPr lang="en-US" sz="2700">
+              <a:rPr lang="en-IN" sz="2000" dirty="0">
                 <a:solidFill>
-                  <a:srgbClr val="F9FBFF"/>
+                  <a:schemeClr val="tx1"/>
                 </a:solidFill>
-                <a:latin typeface="Arial"/>
-                <a:ea typeface="Arial"/>
-                <a:cs typeface="Arial"/>
-                <a:sym typeface="Arial"/>
+                <a:highlight>
+                  <a:srgbClr val="000000"/>
+                </a:highlight>
+                <a:latin typeface="Consolas" panose="020B0609020204030204" pitchFamily="49" charset="0"/>
+                <a:cs typeface="Consolas" panose="020B0609020204030204" pitchFamily="49" charset="0"/>
               </a:rPr>
-              <a:t>what</a:t>
+              <a:t>Safety is the main objective of all the road lane detection systems due to the reason is that most of the vehicle road accident happens because of the driver miss leading of the vehicle path.</a:t>
             </a:r>
-            <a:endParaRPr sz="2700">
+          </a:p>
+          <a:p>
+            <a:pPr marL="342900">
+              <a:spcAft>
+                <a:spcPts val="1600"/>
+              </a:spcAft>
+              <a:buClr>
+                <a:schemeClr val="tx1"/>
+              </a:buClr>
+            </a:pPr>
+            <a:r>
+              <a:rPr lang="en-IN" sz="2000" dirty="0">
+                <a:solidFill>
+                  <a:schemeClr val="tx1"/>
+                </a:solidFill>
+                <a:latin typeface="Consolas" panose="020B0609020204030204" pitchFamily="49" charset="0"/>
+                <a:cs typeface="Consolas" panose="020B0609020204030204" pitchFamily="49" charset="0"/>
+              </a:rPr>
+              <a:t>India, ranks 1st in the number of road accident deaths across the 199 countries reported in the World Road Statistics, 2018 followed by China and US. As per the WHO Global Report on Road Safety 2018, India accounts for almost 11% of the accident related deaths in the World. </a:t>
+            </a:r>
+          </a:p>
+          <a:p>
+            <a:pPr marL="342900">
+              <a:spcAft>
+                <a:spcPts val="1600"/>
+              </a:spcAft>
+            </a:pPr>
+            <a:endParaRPr lang="en-IN" sz="2000" dirty="0">
+              <a:solidFill>
+                <a:schemeClr val="tx1"/>
+              </a:solidFill>
+              <a:highlight>
+                <a:srgbClr val="000000"/>
+              </a:highlight>
+              <a:latin typeface="Consolas" panose="020B0609020204030204" pitchFamily="49" charset="0"/>
+              <a:cs typeface="Consolas" panose="020B0609020204030204" pitchFamily="49" charset="0"/>
+            </a:endParaRPr>
+          </a:p>
+          <a:p>
+            <a:pPr marL="342900">
+              <a:spcAft>
+                <a:spcPts val="1600"/>
+              </a:spcAft>
+              <a:buClr>
+                <a:schemeClr val="tx1"/>
+              </a:buClr>
+            </a:pPr>
+            <a:endParaRPr lang="en-IN" sz="2000" dirty="0">
+              <a:solidFill>
+                <a:schemeClr val="tx1"/>
+              </a:solidFill>
+              <a:highlight>
+                <a:srgbClr val="000000"/>
+              </a:highlight>
+              <a:latin typeface="Consolas" panose="020B0609020204030204" pitchFamily="49" charset="0"/>
+              <a:cs typeface="Consolas" panose="020B0609020204030204" pitchFamily="49" charset="0"/>
+            </a:endParaRPr>
+          </a:p>
+          <a:p>
+            <a:pPr marL="342900">
+              <a:spcAft>
+                <a:spcPts val="1600"/>
+              </a:spcAft>
+            </a:pPr>
+            <a:endParaRPr lang="en-IN" sz="2000" dirty="0">
+              <a:solidFill>
+                <a:schemeClr val="tx1"/>
+              </a:solidFill>
+              <a:highlight>
+                <a:srgbClr val="202124"/>
+              </a:highlight>
+              <a:latin typeface="Consolas" panose="020B0609020204030204" pitchFamily="49" charset="0"/>
+              <a:cs typeface="Consolas" panose="020B0609020204030204" pitchFamily="49" charset="0"/>
+            </a:endParaRPr>
+          </a:p>
+          <a:p>
+            <a:pPr marL="342900">
+              <a:spcAft>
+                <a:spcPts val="1600"/>
+              </a:spcAft>
+            </a:pPr>
+            <a:endParaRPr lang="en-IN" sz="2000" dirty="0">
+              <a:solidFill>
+                <a:schemeClr val="tx1"/>
+              </a:solidFill>
+              <a:highlight>
+                <a:srgbClr val="202124"/>
+              </a:highlight>
+              <a:latin typeface="Consolas" panose="020B0609020204030204" pitchFamily="49" charset="0"/>
+              <a:cs typeface="Consolas" panose="020B0609020204030204" pitchFamily="49" charset="0"/>
+            </a:endParaRPr>
+          </a:p>
+          <a:p>
+            <a:pPr marL="342900">
+              <a:spcAft>
+                <a:spcPts val="1600"/>
+              </a:spcAft>
+            </a:pPr>
+            <a:endParaRPr dirty="0">
               <a:solidFill>
                 <a:srgbClr val="F9FBFF"/>
               </a:solidFill>
-              <a:latin typeface="Arial"/>
-              <a:ea typeface="Arial"/>
-              <a:cs typeface="Arial"/>
-              <a:sym typeface="Arial"/>
-            </a:endParaRPr>
-          </a:p>
-          <a:p>
-            <a:pPr marL="0" lvl="0" indent="0" algn="l" rtl="0">
-              <a:spcBef>
-                <a:spcPts val="1600"/>
-              </a:spcBef>
-              <a:spcAft>
-                <a:spcPts val="1600"/>
-              </a:spcAft>
-              <a:buNone/>
-            </a:pPr>
-            <a:endParaRPr sz="2700">
-              <a:solidFill>
-                <a:srgbClr val="F9FBFF"/>
-              </a:solidFill>
-              <a:latin typeface="Arial"/>
-              <a:ea typeface="Arial"/>
-              <a:cs typeface="Arial"/>
-              <a:sym typeface="Arial"/>
+              <a:highlight>
+                <a:srgbClr val="202124"/>
+              </a:highlight>
             </a:endParaRPr>
           </a:p>
         </p:txBody>
@@ -9430,17 +11328,9 @@
 </p:sld>
 </file>
 
-<file path=ppt/slides/slide3.xml><?xml version="1.0" encoding="utf-8"?>
+<file path=ppt/slides/slide4.xml><?xml version="1.0" encoding="utf-8"?>
 <p:sld xmlns:a="http://schemas.openxmlformats.org/drawingml/2006/main" xmlns:r="http://schemas.openxmlformats.org/officeDocument/2006/relationships" xmlns:p="http://schemas.openxmlformats.org/presentationml/2006/main">
   <p:cSld>
-    <p:bg>
-      <p:bgPr>
-        <a:solidFill>
-          <a:srgbClr val="000000"/>
-        </a:solidFill>
-        <a:effectLst/>
-      </p:bgPr>
-    </p:bg>
     <p:spTree>
       <p:nvGrpSpPr>
         <p:cNvPr id="1" name="Shape 72"/>
@@ -9519,12 +11409,18 @@
         </p:nvSpPr>
         <p:spPr>
           <a:xfrm>
-            <a:off x="838200" y="1825625"/>
+            <a:off x="838200" y="1541539"/>
             <a:ext cx="10515600" cy="4351200"/>
           </a:xfrm>
           <a:prstGeom prst="rect">
             <a:avLst/>
           </a:prstGeom>
+          <a:solidFill>
+            <a:srgbClr val="000000"/>
+          </a:solidFill>
+          <a:ln>
+            <a:noFill/>
+          </a:ln>
         </p:spPr>
         <p:txBody>
           <a:bodyPr spcFirstLastPara="1" wrap="square" lIns="91425" tIns="45700" rIns="91425" bIns="45700" anchor="t" anchorCtr="0">
@@ -9532,165 +11428,80 @@
           </a:bodyPr>
           <a:lstStyle/>
           <a:p>
-            <a:pPr marL="0" lvl="0" indent="0" algn="l" rtl="0">
-              <a:spcBef>
-                <a:spcPts val="1000"/>
-              </a:spcBef>
+            <a:pPr marL="342900">
               <a:spcAft>
                 <a:spcPts val="1600"/>
               </a:spcAft>
-              <a:buNone/>
+              <a:buClr>
+                <a:schemeClr val="tx1"/>
+              </a:buClr>
             </a:pPr>
             <a:r>
-              <a:rPr lang="en-US">
+              <a:rPr lang="en-US" sz="2000" dirty="0">
                 <a:solidFill>
-                  <a:srgbClr val="F9FBFF"/>
+                  <a:schemeClr val="tx1"/>
                 </a:solidFill>
                 <a:highlight>
-                  <a:srgbClr val="202124"/>
+                  <a:srgbClr val="000000"/>
                 </a:highlight>
+                <a:latin typeface="Consolas" panose="020B0609020204030204" pitchFamily="49" charset="0"/>
+                <a:cs typeface="Consolas" panose="020B0609020204030204" pitchFamily="49" charset="0"/>
               </a:rPr>
-              <a:t>why</a:t>
+              <a:t>Our main intend behind this project, was to build a system which alerts (BEEP Sound) the driver, when he is not in lane.</a:t>
             </a:r>
-            <a:endParaRPr>
+          </a:p>
+          <a:p>
+            <a:pPr marL="342900">
+              <a:spcAft>
+                <a:spcPts val="1600"/>
+              </a:spcAft>
+              <a:buClr>
+                <a:schemeClr val="tx1"/>
+              </a:buClr>
+            </a:pPr>
+            <a:r>
+              <a:rPr lang="en-IN" sz="2000" dirty="0">
+                <a:solidFill>
+                  <a:schemeClr val="tx1"/>
+                </a:solidFill>
+                <a:highlight>
+                  <a:srgbClr val="000000"/>
+                </a:highlight>
+                <a:latin typeface="Consolas" panose="020B0609020204030204" pitchFamily="49" charset="0"/>
+                <a:cs typeface="Consolas" panose="020B0609020204030204" pitchFamily="49" charset="0"/>
+              </a:rPr>
+              <a:t>Therefore, this system will provide a means of warning to the driver in case of any  danger and has the potential to save a considerable number of lives. </a:t>
+            </a:r>
+          </a:p>
+          <a:p>
+            <a:pPr marL="0" indent="0">
+              <a:spcAft>
+                <a:spcPts val="1600"/>
+              </a:spcAft>
+              <a:buClr>
+                <a:schemeClr val="tx1"/>
+              </a:buClr>
+              <a:buNone/>
+            </a:pPr>
+            <a:endParaRPr lang="en-US" sz="2000" dirty="0">
               <a:solidFill>
-                <a:srgbClr val="F9FBFF"/>
+                <a:schemeClr val="tx1"/>
               </a:solidFill>
               <a:highlight>
-                <a:srgbClr val="202124"/>
+                <a:srgbClr val="000000"/>
               </a:highlight>
+              <a:latin typeface="Consolas" panose="020B0609020204030204" pitchFamily="49" charset="0"/>
+              <a:cs typeface="Consolas" panose="020B0609020204030204" pitchFamily="49" charset="0"/>
             </a:endParaRPr>
           </a:p>
         </p:txBody>
       </p:sp>
     </p:spTree>
-  </p:cSld>
-  <p:clrMapOvr>
-    <a:masterClrMapping/>
-  </p:clrMapOvr>
-</p:sld>
-</file>
-
-<file path=ppt/slides/slide4.xml><?xml version="1.0" encoding="utf-8"?>
-<p:sld xmlns:a="http://schemas.openxmlformats.org/drawingml/2006/main" xmlns:r="http://schemas.openxmlformats.org/officeDocument/2006/relationships" xmlns:p="http://schemas.openxmlformats.org/presentationml/2006/main">
-  <p:cSld>
-    <p:bg>
-      <p:bgPr>
-        <a:solidFill>
-          <a:srgbClr val="000000"/>
-        </a:solidFill>
-        <a:effectLst/>
-      </p:bgPr>
-    </p:bg>
-    <p:spTree>
-      <p:nvGrpSpPr>
-        <p:cNvPr id="1" name="Shape 78"/>
-        <p:cNvGrpSpPr/>
-        <p:nvPr/>
-      </p:nvGrpSpPr>
-      <p:grpSpPr>
-        <a:xfrm>
-          <a:off x="0" y="0"/>
-          <a:ext cx="0" cy="0"/>
-          <a:chOff x="0" y="0"/>
-          <a:chExt cx="0" cy="0"/>
-        </a:xfrm>
-      </p:grpSpPr>
-      <p:sp>
-        <p:nvSpPr>
-          <p:cNvPr id="79" name="Google Shape;79;p17"/>
-          <p:cNvSpPr txBox="1">
-            <a:spLocks noGrp="1"/>
-          </p:cNvSpPr>
-          <p:nvPr>
-            <p:ph type="title"/>
-          </p:nvPr>
-        </p:nvSpPr>
-        <p:spPr>
-          <a:xfrm>
-            <a:off x="0" y="65775"/>
-            <a:ext cx="6999600" cy="424200"/>
-          </a:xfrm>
-          <a:prstGeom prst="rect">
-            <a:avLst/>
-          </a:prstGeom>
-        </p:spPr>
-        <p:txBody>
-          <a:bodyPr spcFirstLastPara="1" wrap="square" lIns="91425" tIns="45700" rIns="91425" bIns="45700" anchor="ctr" anchorCtr="0">
-            <a:noAutofit/>
-          </a:bodyPr>
-          <a:lstStyle/>
-          <a:p>
-            <a:pPr marL="0" lvl="0" indent="0" algn="l" rtl="0">
-              <a:spcBef>
-                <a:spcPts val="0"/>
-              </a:spcBef>
-              <a:spcAft>
-                <a:spcPts val="0"/>
-              </a:spcAft>
-              <a:buNone/>
-            </a:pPr>
-            <a:r>
-              <a:rPr lang="en-US" sz="3100" u="sng">
-                <a:latin typeface="Consolas"/>
-                <a:ea typeface="Consolas"/>
-                <a:cs typeface="Consolas"/>
-                <a:sym typeface="Consolas"/>
-              </a:rPr>
-              <a:t>Introduction</a:t>
-            </a:r>
-            <a:endParaRPr sz="3100" u="sng">
-              <a:latin typeface="Consolas"/>
-              <a:ea typeface="Consolas"/>
-              <a:cs typeface="Consolas"/>
-              <a:sym typeface="Consolas"/>
-            </a:endParaRPr>
-          </a:p>
-        </p:txBody>
-      </p:sp>
-      <p:sp>
-        <p:nvSpPr>
-          <p:cNvPr id="80" name="Google Shape;80;p17"/>
-          <p:cNvSpPr txBox="1">
-            <a:spLocks noGrp="1"/>
-          </p:cNvSpPr>
-          <p:nvPr>
-            <p:ph type="body" idx="1"/>
-          </p:nvPr>
-        </p:nvSpPr>
-        <p:spPr>
-          <a:xfrm>
-            <a:off x="838200" y="1825625"/>
-            <a:ext cx="10515600" cy="4351200"/>
-          </a:xfrm>
-          <a:prstGeom prst="rect">
-            <a:avLst/>
-          </a:prstGeom>
-        </p:spPr>
-        <p:txBody>
-          <a:bodyPr spcFirstLastPara="1" wrap="square" lIns="91425" tIns="45700" rIns="91425" bIns="45700" anchor="t" anchorCtr="0">
-            <a:normAutofit/>
-          </a:bodyPr>
-          <a:lstStyle/>
-          <a:p>
-            <a:pPr marL="0" lvl="0" indent="0" algn="l" rtl="0">
-              <a:spcBef>
-                <a:spcPts val="1000"/>
-              </a:spcBef>
-              <a:spcAft>
-                <a:spcPts val="1600"/>
-              </a:spcAft>
-              <a:buNone/>
-            </a:pPr>
-            <a:r>
-              <a:rPr lang="en-US" dirty="0"/>
-              <a:t> </a:t>
-            </a:r>
-            <a:endParaRPr dirty="0"/>
-          </a:p>
-        </p:txBody>
-      </p:sp>
-    </p:spTree>
+    <p:extLst>
+      <p:ext uri="{BB962C8B-B14F-4D97-AF65-F5344CB8AC3E}">
+        <p14:creationId xmlns:p14="http://schemas.microsoft.com/office/powerpoint/2010/main" val="296131454"/>
+      </p:ext>
+    </p:extLst>
   </p:cSld>
   <p:clrMapOvr>
     <a:masterClrMapping/>
@@ -9701,14 +11512,6 @@
 <file path=ppt/slides/slide5.xml><?xml version="1.0" encoding="utf-8"?>
 <p:sld xmlns:a="http://schemas.openxmlformats.org/drawingml/2006/main" xmlns:r="http://schemas.openxmlformats.org/officeDocument/2006/relationships" xmlns:p="http://schemas.openxmlformats.org/presentationml/2006/main">
   <p:cSld>
-    <p:bg>
-      <p:bgPr>
-        <a:solidFill>
-          <a:srgbClr val="000000"/>
-        </a:solidFill>
-        <a:effectLst/>
-      </p:bgPr>
-    </p:bg>
     <p:spTree>
       <p:nvGrpSpPr>
         <p:cNvPr id="1" name="Shape 84"/>
@@ -9758,15 +11561,15 @@
               <a:buNone/>
             </a:pPr>
             <a:r>
-              <a:rPr lang="en-US" sz="3100" u="sng">
+              <a:rPr lang="en-US" sz="3100" u="sng" dirty="0">
                 <a:latin typeface="Consolas"/>
                 <a:ea typeface="Consolas"/>
                 <a:cs typeface="Consolas"/>
                 <a:sym typeface="Consolas"/>
               </a:rPr>
-              <a:t>Environment variables</a:t>
+              <a:t>Environmental variables</a:t>
             </a:r>
-            <a:endParaRPr sz="3100" u="sng">
+            <a:endParaRPr sz="3100" u="sng" dirty="0">
               <a:latin typeface="Consolas"/>
               <a:ea typeface="Consolas"/>
               <a:cs typeface="Consolas"/>
@@ -9786,10 +11589,6 @@
           </p:nvPr>
         </p:nvSpPr>
         <p:spPr>
-          <a:xfrm>
-            <a:off x="838200" y="1825625"/>
-            <a:ext cx="10515600" cy="4351200"/>
-          </a:xfrm>
           <a:prstGeom prst="rect">
             <a:avLst/>
           </a:prstGeom>
@@ -9809,11 +11608,7 @@
               </a:spcAft>
               <a:buNone/>
             </a:pPr>
-            <a:r>
-              <a:rPr lang="en-US"/>
-              <a:t>asas\\</a:t>
-            </a:r>
-            <a:endParaRPr/>
+            <a:endParaRPr dirty="0"/>
           </a:p>
         </p:txBody>
       </p:sp>
@@ -9828,14 +11623,6 @@
 <file path=ppt/slides/slide6.xml><?xml version="1.0" encoding="utf-8"?>
 <p:sld xmlns:a="http://schemas.openxmlformats.org/drawingml/2006/main" xmlns:r="http://schemas.openxmlformats.org/officeDocument/2006/relationships" xmlns:p="http://schemas.openxmlformats.org/presentationml/2006/main">
   <p:cSld>
-    <p:bg>
-      <p:bgPr>
-        <a:solidFill>
-          <a:srgbClr val="000000"/>
-        </a:solidFill>
-        <a:effectLst/>
-      </p:bgPr>
-    </p:bg>
     <p:spTree>
       <p:nvGrpSpPr>
         <p:cNvPr id="1" name="Shape 90"/>
@@ -9913,10 +11700,6 @@
           </p:nvPr>
         </p:nvSpPr>
         <p:spPr>
-          <a:xfrm>
-            <a:off x="838200" y="1825625"/>
-            <a:ext cx="10515600" cy="4351200"/>
-          </a:xfrm>
           <a:prstGeom prst="rect">
             <a:avLst/>
           </a:prstGeom>
@@ -9951,14 +11734,6 @@
 <file path=ppt/slides/slide7.xml><?xml version="1.0" encoding="utf-8"?>
 <p:sld xmlns:a="http://schemas.openxmlformats.org/drawingml/2006/main" xmlns:r="http://schemas.openxmlformats.org/officeDocument/2006/relationships" xmlns:p="http://schemas.openxmlformats.org/presentationml/2006/main">
   <p:cSld>
-    <p:bg>
-      <p:bgPr>
-        <a:solidFill>
-          <a:srgbClr val="000000"/>
-        </a:solidFill>
-        <a:effectLst/>
-      </p:bgPr>
-    </p:bg>
     <p:spTree>
       <p:nvGrpSpPr>
         <p:cNvPr id="1" name="Shape 96"/>
@@ -10036,10 +11811,6 @@
           </p:nvPr>
         </p:nvSpPr>
         <p:spPr>
-          <a:xfrm>
-            <a:off x="838200" y="1825625"/>
-            <a:ext cx="10515600" cy="4351200"/>
-          </a:xfrm>
           <a:prstGeom prst="rect">
             <a:avLst/>
           </a:prstGeom>
@@ -10059,7 +11830,13 @@
               </a:spcAft>
               <a:buNone/>
             </a:pPr>
-            <a:endParaRPr/>
+            <a:endParaRPr dirty="0">
+              <a:solidFill>
+                <a:schemeClr val="tx1"/>
+              </a:solidFill>
+              <a:latin typeface="Consolas" panose="020B0609020204030204" pitchFamily="49" charset="0"/>
+              <a:cs typeface="Consolas" panose="020B0609020204030204" pitchFamily="49" charset="0"/>
+            </a:endParaRPr>
           </a:p>
         </p:txBody>
       </p:sp>
@@ -10074,17 +11851,9 @@
 <file path=ppt/slides/slide8.xml><?xml version="1.0" encoding="utf-8"?>
 <p:sld xmlns:a="http://schemas.openxmlformats.org/drawingml/2006/main" xmlns:r="http://schemas.openxmlformats.org/officeDocument/2006/relationships" xmlns:p="http://schemas.openxmlformats.org/presentationml/2006/main">
   <p:cSld>
-    <p:bg>
-      <p:bgPr>
-        <a:solidFill>
-          <a:srgbClr val="000000"/>
-        </a:solidFill>
-        <a:effectLst/>
-      </p:bgPr>
-    </p:bg>
     <p:spTree>
       <p:nvGrpSpPr>
-        <p:cNvPr id="1" name="Shape 102"/>
+        <p:cNvPr id="1" name="Shape 96"/>
         <p:cNvGrpSpPr/>
         <p:nvPr/>
       </p:nvGrpSpPr>
@@ -10098,7 +11867,7 @@
       </p:grpSpPr>
       <p:sp>
         <p:nvSpPr>
-          <p:cNvPr id="103" name="Google Shape;103;p21"/>
+          <p:cNvPr id="97" name="Google Shape;97;p20"/>
           <p:cNvSpPr txBox="1">
             <a:spLocks noGrp="1"/>
           </p:cNvSpPr>
@@ -10108,8 +11877,8 @@
         </p:nvSpPr>
         <p:spPr>
           <a:xfrm>
-            <a:off x="0" y="65775"/>
-            <a:ext cx="6999600" cy="424200"/>
+            <a:off x="0" y="132688"/>
+            <a:ext cx="7324078" cy="424200"/>
           </a:xfrm>
           <a:prstGeom prst="rect">
             <a:avLst/>
@@ -10131,15 +11900,15 @@
               <a:buNone/>
             </a:pPr>
             <a:r>
-              <a:rPr lang="en-US" sz="3100" u="sng">
+              <a:rPr lang="en-US" sz="3100" u="sng" dirty="0">
                 <a:latin typeface="Consolas"/>
                 <a:ea typeface="Consolas"/>
                 <a:cs typeface="Consolas"/>
                 <a:sym typeface="Consolas"/>
               </a:rPr>
-              <a:t>image preprocessing</a:t>
+              <a:t>Hough Transform Method (Example)</a:t>
             </a:r>
-            <a:endParaRPr sz="3100" u="sng">
+            <a:endParaRPr sz="3100" u="sng" dirty="0">
               <a:latin typeface="Consolas"/>
               <a:ea typeface="Consolas"/>
               <a:cs typeface="Consolas"/>
@@ -10150,7 +11919,7 @@
       </p:sp>
       <p:sp>
         <p:nvSpPr>
-          <p:cNvPr id="104" name="Google Shape;104;p21"/>
+          <p:cNvPr id="98" name="Google Shape;98;p20"/>
           <p:cNvSpPr txBox="1">
             <a:spLocks noGrp="1"/>
           </p:cNvSpPr>
@@ -10159,10 +11928,6 @@
           </p:nvPr>
         </p:nvSpPr>
         <p:spPr>
-          <a:xfrm>
-            <a:off x="838200" y="1825625"/>
-            <a:ext cx="10515600" cy="4351200"/>
-          </a:xfrm>
           <a:prstGeom prst="rect">
             <a:avLst/>
           </a:prstGeom>
@@ -10182,11 +11947,22 @@
               </a:spcAft>
               <a:buNone/>
             </a:pPr>
-            <a:endParaRPr/>
+            <a:endParaRPr dirty="0">
+              <a:solidFill>
+                <a:schemeClr val="tx1"/>
+              </a:solidFill>
+              <a:latin typeface="Consolas" panose="020B0609020204030204" pitchFamily="49" charset="0"/>
+              <a:cs typeface="Consolas" panose="020B0609020204030204" pitchFamily="49" charset="0"/>
+            </a:endParaRPr>
           </a:p>
         </p:txBody>
       </p:sp>
     </p:spTree>
+    <p:extLst>
+      <p:ext uri="{BB962C8B-B14F-4D97-AF65-F5344CB8AC3E}">
+        <p14:creationId xmlns:p14="http://schemas.microsoft.com/office/powerpoint/2010/main" val="3094624709"/>
+      </p:ext>
+    </p:extLst>
   </p:cSld>
   <p:clrMapOvr>
     <a:masterClrMapping/>
@@ -10197,17 +11973,9 @@
 <file path=ppt/slides/slide9.xml><?xml version="1.0" encoding="utf-8"?>
 <p:sld xmlns:a="http://schemas.openxmlformats.org/drawingml/2006/main" xmlns:r="http://schemas.openxmlformats.org/officeDocument/2006/relationships" xmlns:p="http://schemas.openxmlformats.org/presentationml/2006/main">
   <p:cSld>
-    <p:bg>
-      <p:bgPr>
-        <a:solidFill>
-          <a:srgbClr val="000000"/>
-        </a:solidFill>
-        <a:effectLst/>
-      </p:bgPr>
-    </p:bg>
     <p:spTree>
       <p:nvGrpSpPr>
-        <p:cNvPr id="1" name="Shape 108"/>
+        <p:cNvPr id="1" name="Shape 96"/>
         <p:cNvGrpSpPr/>
         <p:nvPr/>
       </p:nvGrpSpPr>
@@ -10221,7 +11989,7 @@
       </p:grpSpPr>
       <p:sp>
         <p:nvSpPr>
-          <p:cNvPr id="109" name="Google Shape;109;p22"/>
+          <p:cNvPr id="97" name="Google Shape;97;p20"/>
           <p:cNvSpPr txBox="1">
             <a:spLocks noGrp="1"/>
           </p:cNvSpPr>
@@ -10231,8 +11999,8 @@
         </p:nvSpPr>
         <p:spPr>
           <a:xfrm>
-            <a:off x="0" y="65775"/>
-            <a:ext cx="6999600" cy="424200"/>
+            <a:off x="0" y="132688"/>
+            <a:ext cx="7324078" cy="424200"/>
           </a:xfrm>
           <a:prstGeom prst="rect">
             <a:avLst/>
@@ -10254,15 +12022,15 @@
               <a:buNone/>
             </a:pPr>
             <a:r>
-              <a:rPr lang="en-US" sz="3100" u="sng">
+              <a:rPr lang="en-US" sz="3100" u="sng" dirty="0">
                 <a:latin typeface="Consolas"/>
                 <a:ea typeface="Consolas"/>
                 <a:cs typeface="Consolas"/>
                 <a:sym typeface="Consolas"/>
               </a:rPr>
-              <a:t>image preprocessing</a:t>
+              <a:t>Dataset</a:t>
             </a:r>
-            <a:endParaRPr sz="3100" u="sng">
+            <a:endParaRPr sz="3100" u="sng" dirty="0">
               <a:latin typeface="Consolas"/>
               <a:ea typeface="Consolas"/>
               <a:cs typeface="Consolas"/>
@@ -10273,7 +12041,7 @@
       </p:sp>
       <p:sp>
         <p:nvSpPr>
-          <p:cNvPr id="110" name="Google Shape;110;p22"/>
+          <p:cNvPr id="98" name="Google Shape;98;p20"/>
           <p:cNvSpPr txBox="1">
             <a:spLocks noGrp="1"/>
           </p:cNvSpPr>
@@ -10283,8 +12051,8 @@
         </p:nvSpPr>
         <p:spPr>
           <a:xfrm>
-            <a:off x="838200" y="1825625"/>
-            <a:ext cx="10515600" cy="4351200"/>
+            <a:off x="838200" y="1142044"/>
+            <a:ext cx="10515600" cy="1956262"/>
           </a:xfrm>
           <a:prstGeom prst="rect">
             <a:avLst/>
@@ -10296,20 +12064,228 @@
           </a:bodyPr>
           <a:lstStyle/>
           <a:p>
-            <a:pPr marL="0" lvl="0" indent="0" algn="l" rtl="0">
-              <a:spcBef>
-                <a:spcPts val="1000"/>
-              </a:spcBef>
+            <a:pPr marL="342900">
               <a:spcAft>
                 <a:spcPts val="1600"/>
               </a:spcAft>
-              <a:buNone/>
+              <a:buClr>
+                <a:schemeClr val="tx1"/>
+              </a:buClr>
             </a:pPr>
-            <a:endParaRPr/>
+            <a:r>
+              <a:rPr lang="en-IN" sz="2000" dirty="0">
+                <a:solidFill>
+                  <a:schemeClr val="tx1"/>
+                </a:solidFill>
+                <a:latin typeface="Consolas" panose="020B0609020204030204" pitchFamily="49" charset="0"/>
+                <a:cs typeface="Consolas" panose="020B0609020204030204" pitchFamily="49" charset="0"/>
+              </a:rPr>
+              <a:t>All the images in our dataset is 540x960 RGB images.</a:t>
+            </a:r>
+          </a:p>
+          <a:p>
+            <a:pPr marL="342900">
+              <a:spcAft>
+                <a:spcPts val="1600"/>
+              </a:spcAft>
+              <a:buClr>
+                <a:schemeClr val="tx1"/>
+              </a:buClr>
+            </a:pPr>
+            <a:r>
+              <a:rPr lang="en-IN" sz="2000" dirty="0">
+                <a:solidFill>
+                  <a:schemeClr val="tx1"/>
+                </a:solidFill>
+                <a:latin typeface="Consolas" panose="020B0609020204030204" pitchFamily="49" charset="0"/>
+                <a:cs typeface="Consolas" panose="020B0609020204030204" pitchFamily="49" charset="0"/>
+              </a:rPr>
+              <a:t>For dash cam footage we are capturing each frame per second &amp; applying our algorithm pipeline to each image frame.</a:t>
+            </a:r>
+          </a:p>
+          <a:p>
+            <a:pPr marL="342900">
+              <a:spcAft>
+                <a:spcPts val="1600"/>
+              </a:spcAft>
+              <a:buClr>
+                <a:schemeClr val="tx1"/>
+              </a:buClr>
+            </a:pPr>
+            <a:endParaRPr lang="en-IN" sz="2000" dirty="0">
+              <a:solidFill>
+                <a:schemeClr val="tx1"/>
+              </a:solidFill>
+              <a:latin typeface="Consolas" panose="020B0609020204030204" pitchFamily="49" charset="0"/>
+              <a:cs typeface="Consolas" panose="020B0609020204030204" pitchFamily="49" charset="0"/>
+            </a:endParaRPr>
+          </a:p>
+          <a:p>
+            <a:pPr marL="342900">
+              <a:spcAft>
+                <a:spcPts val="1600"/>
+              </a:spcAft>
+              <a:buClr>
+                <a:schemeClr val="tx1"/>
+              </a:buClr>
+            </a:pPr>
+            <a:endParaRPr sz="2000" dirty="0">
+              <a:solidFill>
+                <a:schemeClr val="tx1"/>
+              </a:solidFill>
+              <a:latin typeface="Consolas" panose="020B0609020204030204" pitchFamily="49" charset="0"/>
+              <a:cs typeface="Consolas" panose="020B0609020204030204" pitchFamily="49" charset="0"/>
+            </a:endParaRPr>
           </a:p>
         </p:txBody>
       </p:sp>
+      <p:pic>
+        <p:nvPicPr>
+          <p:cNvPr id="3" name="Picture 2">
+            <a:extLst>
+              <a:ext uri="{FF2B5EF4-FFF2-40B4-BE49-F238E27FC236}">
+                <a16:creationId xmlns:a16="http://schemas.microsoft.com/office/drawing/2014/main" id="{523F8069-C55F-F840-859B-80827558B77C}"/>
+              </a:ext>
+            </a:extLst>
+          </p:cNvPr>
+          <p:cNvPicPr>
+            <a:picLocks noChangeAspect="1"/>
+          </p:cNvPicPr>
+          <p:nvPr/>
+        </p:nvPicPr>
+        <p:blipFill>
+          <a:blip r:embed="rId3"/>
+          <a:stretch>
+            <a:fillRect/>
+          </a:stretch>
+        </p:blipFill>
+        <p:spPr>
+          <a:xfrm>
+            <a:off x="745725" y="2999389"/>
+            <a:ext cx="4829452" cy="2716567"/>
+          </a:xfrm>
+          <a:prstGeom prst="rect">
+            <a:avLst/>
+          </a:prstGeom>
+        </p:spPr>
+      </p:pic>
+      <p:pic>
+        <p:nvPicPr>
+          <p:cNvPr id="5" name="Picture 4">
+            <a:extLst>
+              <a:ext uri="{FF2B5EF4-FFF2-40B4-BE49-F238E27FC236}">
+                <a16:creationId xmlns:a16="http://schemas.microsoft.com/office/drawing/2014/main" id="{DA6B5824-C45E-C94A-8F68-E62402E0D4AD}"/>
+              </a:ext>
+            </a:extLst>
+          </p:cNvPr>
+          <p:cNvPicPr>
+            <a:picLocks noChangeAspect="1"/>
+          </p:cNvPicPr>
+          <p:nvPr/>
+        </p:nvPicPr>
+        <p:blipFill>
+          <a:blip r:embed="rId4"/>
+          <a:stretch>
+            <a:fillRect/>
+          </a:stretch>
+        </p:blipFill>
+        <p:spPr>
+          <a:xfrm>
+            <a:off x="6616825" y="2999389"/>
+            <a:ext cx="5288130" cy="2716566"/>
+          </a:xfrm>
+          <a:prstGeom prst="rect">
+            <a:avLst/>
+          </a:prstGeom>
+        </p:spPr>
+      </p:pic>
+      <p:sp>
+        <p:nvSpPr>
+          <p:cNvPr id="6" name="TextBox 5">
+            <a:extLst>
+              <a:ext uri="{FF2B5EF4-FFF2-40B4-BE49-F238E27FC236}">
+                <a16:creationId xmlns:a16="http://schemas.microsoft.com/office/drawing/2014/main" id="{8C1F7808-93B2-A84A-A46A-0CA804991E03}"/>
+              </a:ext>
+            </a:extLst>
+          </p:cNvPr>
+          <p:cNvSpPr txBox="1"/>
+          <p:nvPr/>
+        </p:nvSpPr>
+        <p:spPr>
+          <a:xfrm>
+            <a:off x="1855433" y="5823751"/>
+            <a:ext cx="2210862" cy="369332"/>
+          </a:xfrm>
+          <a:prstGeom prst="rect">
+            <a:avLst/>
+          </a:prstGeom>
+          <a:noFill/>
+        </p:spPr>
+        <p:txBody>
+          <a:bodyPr wrap="none" rtlCol="0">
+            <a:spAutoFit/>
+          </a:bodyPr>
+          <a:lstStyle/>
+          <a:p>
+            <a:r>
+              <a:rPr lang="en-US" sz="1800" u="sng" dirty="0">
+                <a:solidFill>
+                  <a:schemeClr val="tx1"/>
+                </a:solidFill>
+                <a:latin typeface="Consolas" panose="020B0609020204030204" pitchFamily="49" charset="0"/>
+                <a:cs typeface="Consolas" panose="020B0609020204030204" pitchFamily="49" charset="0"/>
+              </a:rPr>
+              <a:t>White Lane Lines</a:t>
+            </a:r>
+          </a:p>
+        </p:txBody>
+      </p:sp>
+      <p:sp>
+        <p:nvSpPr>
+          <p:cNvPr id="8" name="Rectangle 7">
+            <a:extLst>
+              <a:ext uri="{FF2B5EF4-FFF2-40B4-BE49-F238E27FC236}">
+                <a16:creationId xmlns:a16="http://schemas.microsoft.com/office/drawing/2014/main" id="{984BD32B-D314-584A-B025-498397DE8DB3}"/>
+              </a:ext>
+            </a:extLst>
+          </p:cNvPr>
+          <p:cNvSpPr/>
+          <p:nvPr/>
+        </p:nvSpPr>
+        <p:spPr>
+          <a:xfrm rot="10800000" flipV="1">
+            <a:off x="7975108" y="5823751"/>
+            <a:ext cx="2361459" cy="369332"/>
+          </a:xfrm>
+          <a:prstGeom prst="rect">
+            <a:avLst/>
+          </a:prstGeom>
+        </p:spPr>
+        <p:txBody>
+          <a:bodyPr wrap="square">
+            <a:spAutoFit/>
+          </a:bodyPr>
+          <a:lstStyle/>
+          <a:p>
+            <a:r>
+              <a:rPr lang="en-IN" sz="1800" u="sng" dirty="0">
+                <a:solidFill>
+                  <a:schemeClr val="tx1"/>
+                </a:solidFill>
+                <a:latin typeface="Consolas" panose="020B0609020204030204" pitchFamily="49" charset="0"/>
+                <a:cs typeface="Consolas" panose="020B0609020204030204" pitchFamily="49" charset="0"/>
+              </a:rPr>
+              <a:t>Yellow Lane Lines</a:t>
+            </a:r>
+          </a:p>
+        </p:txBody>
+      </p:sp>
     </p:spTree>
+    <p:extLst>
+      <p:ext uri="{BB962C8B-B14F-4D97-AF65-F5344CB8AC3E}">
+        <p14:creationId xmlns:p14="http://schemas.microsoft.com/office/powerpoint/2010/main" val="3531026681"/>
+      </p:ext>
+    </p:extLst>
   </p:cSld>
   <p:clrMapOvr>
     <a:masterClrMapping/>

--- a/laneline.pptx
+++ b/laneline.pptx
@@ -24,12 +24,12 @@
     <p:sldId id="276" r:id="rId15"/>
     <p:sldId id="277" r:id="rId16"/>
     <p:sldId id="278" r:id="rId17"/>
-    <p:sldId id="267" r:id="rId18"/>
-    <p:sldId id="268" r:id="rId19"/>
-    <p:sldId id="269" r:id="rId20"/>
-    <p:sldId id="270" r:id="rId21"/>
-    <p:sldId id="271" r:id="rId22"/>
-    <p:sldId id="272" r:id="rId23"/>
+    <p:sldId id="268" r:id="rId18"/>
+    <p:sldId id="269" r:id="rId19"/>
+    <p:sldId id="270" r:id="rId20"/>
+    <p:sldId id="271" r:id="rId21"/>
+    <p:sldId id="272" r:id="rId22"/>
+    <p:sldId id="279" r:id="rId23"/>
   </p:sldIdLst>
   <p:sldSz cx="12192000" cy="6858000"/>
   <p:notesSz cx="6858000" cy="9144000"/>
@@ -1563,7 +1563,7 @@
   <p:cSld>
     <p:spTree>
       <p:nvGrpSpPr>
-        <p:cNvPr id="1" name="Shape 123"/>
+        <p:cNvPr id="1" name="Shape 129"/>
         <p:cNvGrpSpPr/>
         <p:nvPr/>
       </p:nvGrpSpPr>
@@ -1577,7 +1577,7 @@
       </p:grpSpPr>
       <p:sp>
         <p:nvSpPr>
-          <p:cNvPr id="124" name="Google Shape;124;g104a4e9dfd5_1_34:notes"/>
+          <p:cNvPr id="130" name="Google Shape;130;g104a4e9dfd5_1_39:notes"/>
           <p:cNvSpPr>
             <a:spLocks noGrp="1" noRot="1" noChangeAspect="1"/>
           </p:cNvSpPr>
@@ -1618,7 +1618,7 @@
       </p:sp>
       <p:sp>
         <p:nvSpPr>
-          <p:cNvPr id="125" name="Google Shape;125;g104a4e9dfd5_1_34:notes"/>
+          <p:cNvPr id="131" name="Google Shape;131;g104a4e9dfd5_1_39:notes"/>
           <p:cNvSpPr txBox="1">
             <a:spLocks noGrp="1"/>
           </p:cNvSpPr>
@@ -1663,110 +1663,6 @@
 </file>
 
 <file path=ppt/notesSlides/notesSlide18.xml><?xml version="1.0" encoding="utf-8"?>
-<p:notes xmlns:a="http://schemas.openxmlformats.org/drawingml/2006/main" xmlns:r="http://schemas.openxmlformats.org/officeDocument/2006/relationships" xmlns:p="http://schemas.openxmlformats.org/presentationml/2006/main" showMasterSp="0" showMasterPhAnim="0">
-  <p:cSld>
-    <p:spTree>
-      <p:nvGrpSpPr>
-        <p:cNvPr id="1" name="Shape 129"/>
-        <p:cNvGrpSpPr/>
-        <p:nvPr/>
-      </p:nvGrpSpPr>
-      <p:grpSpPr>
-        <a:xfrm>
-          <a:off x="0" y="0"/>
-          <a:ext cx="0" cy="0"/>
-          <a:chOff x="0" y="0"/>
-          <a:chExt cx="0" cy="0"/>
-        </a:xfrm>
-      </p:grpSpPr>
-      <p:sp>
-        <p:nvSpPr>
-          <p:cNvPr id="130" name="Google Shape;130;g104a4e9dfd5_1_39:notes"/>
-          <p:cNvSpPr>
-            <a:spLocks noGrp="1" noRot="1" noChangeAspect="1"/>
-          </p:cNvSpPr>
-          <p:nvPr>
-            <p:ph type="sldImg" idx="2"/>
-          </p:nvPr>
-        </p:nvSpPr>
-        <p:spPr>
-          <a:xfrm>
-            <a:off x="381000" y="685800"/>
-            <a:ext cx="6096000" cy="3429000"/>
-          </a:xfrm>
-          <a:custGeom>
-            <a:avLst/>
-            <a:gdLst/>
-            <a:ahLst/>
-            <a:cxnLst/>
-            <a:rect l="l" t="t" r="r" b="b"/>
-            <a:pathLst>
-              <a:path w="120000" h="120000" extrusionOk="0">
-                <a:moveTo>
-                  <a:pt x="0" y="0"/>
-                </a:moveTo>
-                <a:lnTo>
-                  <a:pt x="120000" y="0"/>
-                </a:lnTo>
-                <a:lnTo>
-                  <a:pt x="120000" y="120000"/>
-                </a:lnTo>
-                <a:lnTo>
-                  <a:pt x="0" y="120000"/>
-                </a:lnTo>
-                <a:close/>
-              </a:path>
-            </a:pathLst>
-          </a:custGeom>
-        </p:spPr>
-      </p:sp>
-      <p:sp>
-        <p:nvSpPr>
-          <p:cNvPr id="131" name="Google Shape;131;g104a4e9dfd5_1_39:notes"/>
-          <p:cNvSpPr txBox="1">
-            <a:spLocks noGrp="1"/>
-          </p:cNvSpPr>
-          <p:nvPr>
-            <p:ph type="body" idx="1"/>
-          </p:nvPr>
-        </p:nvSpPr>
-        <p:spPr>
-          <a:xfrm>
-            <a:off x="685800" y="4343400"/>
-            <a:ext cx="5486400" cy="4114800"/>
-          </a:xfrm>
-          <a:prstGeom prst="rect">
-            <a:avLst/>
-          </a:prstGeom>
-        </p:spPr>
-        <p:txBody>
-          <a:bodyPr spcFirstLastPara="1" wrap="square" lIns="91425" tIns="91425" rIns="91425" bIns="91425" anchor="t" anchorCtr="0">
-            <a:noAutofit/>
-          </a:bodyPr>
-          <a:lstStyle/>
-          <a:p>
-            <a:pPr marL="0" lvl="0" indent="0" algn="l" rtl="0">
-              <a:spcBef>
-                <a:spcPts val="0"/>
-              </a:spcBef>
-              <a:spcAft>
-                <a:spcPts val="0"/>
-              </a:spcAft>
-              <a:buNone/>
-            </a:pPr>
-            <a:endParaRPr/>
-          </a:p>
-        </p:txBody>
-      </p:sp>
-    </p:spTree>
-  </p:cSld>
-  <p:clrMapOvr>
-    <a:masterClrMapping/>
-  </p:clrMapOvr>
-</p:notes>
-</file>
-
-<file path=ppt/notesSlides/notesSlide19.xml><?xml version="1.0" encoding="utf-8"?>
 <p:notes xmlns:a="http://schemas.openxmlformats.org/drawingml/2006/main" xmlns:r="http://schemas.openxmlformats.org/officeDocument/2006/relationships" xmlns:p="http://schemas.openxmlformats.org/presentationml/2006/main" showMasterSp="0" showMasterPhAnim="0">
   <p:cSld>
     <p:spTree>
@@ -1827,6 +1723,110 @@
       <p:sp>
         <p:nvSpPr>
           <p:cNvPr id="137" name="Google Shape;137;g104a4e9dfd5_1_44:notes"/>
+          <p:cNvSpPr txBox="1">
+            <a:spLocks noGrp="1"/>
+          </p:cNvSpPr>
+          <p:nvPr>
+            <p:ph type="body" idx="1"/>
+          </p:nvPr>
+        </p:nvSpPr>
+        <p:spPr>
+          <a:xfrm>
+            <a:off x="685800" y="4343400"/>
+            <a:ext cx="5486400" cy="4114800"/>
+          </a:xfrm>
+          <a:prstGeom prst="rect">
+            <a:avLst/>
+          </a:prstGeom>
+        </p:spPr>
+        <p:txBody>
+          <a:bodyPr spcFirstLastPara="1" wrap="square" lIns="91425" tIns="91425" rIns="91425" bIns="91425" anchor="t" anchorCtr="0">
+            <a:noAutofit/>
+          </a:bodyPr>
+          <a:lstStyle/>
+          <a:p>
+            <a:pPr marL="0" lvl="0" indent="0" algn="l" rtl="0">
+              <a:spcBef>
+                <a:spcPts val="0"/>
+              </a:spcBef>
+              <a:spcAft>
+                <a:spcPts val="0"/>
+              </a:spcAft>
+              <a:buNone/>
+            </a:pPr>
+            <a:endParaRPr/>
+          </a:p>
+        </p:txBody>
+      </p:sp>
+    </p:spTree>
+  </p:cSld>
+  <p:clrMapOvr>
+    <a:masterClrMapping/>
+  </p:clrMapOvr>
+</p:notes>
+</file>
+
+<file path=ppt/notesSlides/notesSlide19.xml><?xml version="1.0" encoding="utf-8"?>
+<p:notes xmlns:a="http://schemas.openxmlformats.org/drawingml/2006/main" xmlns:r="http://schemas.openxmlformats.org/officeDocument/2006/relationships" xmlns:p="http://schemas.openxmlformats.org/presentationml/2006/main" showMasterSp="0" showMasterPhAnim="0">
+  <p:cSld>
+    <p:spTree>
+      <p:nvGrpSpPr>
+        <p:cNvPr id="1" name="Shape 141"/>
+        <p:cNvGrpSpPr/>
+        <p:nvPr/>
+      </p:nvGrpSpPr>
+      <p:grpSpPr>
+        <a:xfrm>
+          <a:off x="0" y="0"/>
+          <a:ext cx="0" cy="0"/>
+          <a:chOff x="0" y="0"/>
+          <a:chExt cx="0" cy="0"/>
+        </a:xfrm>
+      </p:grpSpPr>
+      <p:sp>
+        <p:nvSpPr>
+          <p:cNvPr id="142" name="Google Shape;142;g104a4e9dfd5_1_49:notes"/>
+          <p:cNvSpPr>
+            <a:spLocks noGrp="1" noRot="1" noChangeAspect="1"/>
+          </p:cNvSpPr>
+          <p:nvPr>
+            <p:ph type="sldImg" idx="2"/>
+          </p:nvPr>
+        </p:nvSpPr>
+        <p:spPr>
+          <a:xfrm>
+            <a:off x="381000" y="685800"/>
+            <a:ext cx="6096000" cy="3429000"/>
+          </a:xfrm>
+          <a:custGeom>
+            <a:avLst/>
+            <a:gdLst/>
+            <a:ahLst/>
+            <a:cxnLst/>
+            <a:rect l="l" t="t" r="r" b="b"/>
+            <a:pathLst>
+              <a:path w="120000" h="120000" extrusionOk="0">
+                <a:moveTo>
+                  <a:pt x="0" y="0"/>
+                </a:moveTo>
+                <a:lnTo>
+                  <a:pt x="120000" y="0"/>
+                </a:lnTo>
+                <a:lnTo>
+                  <a:pt x="120000" y="120000"/>
+                </a:lnTo>
+                <a:lnTo>
+                  <a:pt x="0" y="120000"/>
+                </a:lnTo>
+                <a:close/>
+              </a:path>
+            </a:pathLst>
+          </a:custGeom>
+        </p:spPr>
+      </p:sp>
+      <p:sp>
+        <p:nvSpPr>
+          <p:cNvPr id="143" name="Google Shape;143;g104a4e9dfd5_1_49:notes"/>
           <p:cNvSpPr txBox="1">
             <a:spLocks noGrp="1"/>
           </p:cNvSpPr>
@@ -1979,7 +1979,7 @@
   <p:cSld>
     <p:spTree>
       <p:nvGrpSpPr>
-        <p:cNvPr id="1" name="Shape 141"/>
+        <p:cNvPr id="1" name="Shape 147"/>
         <p:cNvGrpSpPr/>
         <p:nvPr/>
       </p:nvGrpSpPr>
@@ -1993,7 +1993,7 @@
       </p:grpSpPr>
       <p:sp>
         <p:nvSpPr>
-          <p:cNvPr id="142" name="Google Shape;142;g104a4e9dfd5_1_49:notes"/>
+          <p:cNvPr id="148" name="Google Shape;148;g104a4e9dfd5_2_12:notes"/>
           <p:cNvSpPr>
             <a:spLocks noGrp="1" noRot="1" noChangeAspect="1"/>
           </p:cNvSpPr>
@@ -2034,7 +2034,7 @@
       </p:sp>
       <p:sp>
         <p:nvSpPr>
-          <p:cNvPr id="143" name="Google Shape;143;g104a4e9dfd5_1_49:notes"/>
+          <p:cNvPr id="149" name="Google Shape;149;g104a4e9dfd5_2_12:notes"/>
           <p:cNvSpPr txBox="1">
             <a:spLocks noGrp="1"/>
           </p:cNvSpPr>
@@ -2079,6 +2079,110 @@
 </file>
 
 <file path=ppt/notesSlides/notesSlide21.xml><?xml version="1.0" encoding="utf-8"?>
+<p:notes xmlns:a="http://schemas.openxmlformats.org/drawingml/2006/main" xmlns:r="http://schemas.openxmlformats.org/officeDocument/2006/relationships" xmlns:p="http://schemas.openxmlformats.org/presentationml/2006/main" showMasterSp="0" showMasterPhAnim="0">
+  <p:cSld>
+    <p:spTree>
+      <p:nvGrpSpPr>
+        <p:cNvPr id="1" name="Shape 153"/>
+        <p:cNvGrpSpPr/>
+        <p:nvPr/>
+      </p:nvGrpSpPr>
+      <p:grpSpPr>
+        <a:xfrm>
+          <a:off x="0" y="0"/>
+          <a:ext cx="0" cy="0"/>
+          <a:chOff x="0" y="0"/>
+          <a:chExt cx="0" cy="0"/>
+        </a:xfrm>
+      </p:grpSpPr>
+      <p:sp>
+        <p:nvSpPr>
+          <p:cNvPr id="154" name="Google Shape;154;g104a4e9dfd5_2_22:notes"/>
+          <p:cNvSpPr>
+            <a:spLocks noGrp="1" noRot="1" noChangeAspect="1"/>
+          </p:cNvSpPr>
+          <p:nvPr>
+            <p:ph type="sldImg" idx="2"/>
+          </p:nvPr>
+        </p:nvSpPr>
+        <p:spPr>
+          <a:xfrm>
+            <a:off x="381000" y="685800"/>
+            <a:ext cx="6096000" cy="3429000"/>
+          </a:xfrm>
+          <a:custGeom>
+            <a:avLst/>
+            <a:gdLst/>
+            <a:ahLst/>
+            <a:cxnLst/>
+            <a:rect l="l" t="t" r="r" b="b"/>
+            <a:pathLst>
+              <a:path w="120000" h="120000" extrusionOk="0">
+                <a:moveTo>
+                  <a:pt x="0" y="0"/>
+                </a:moveTo>
+                <a:lnTo>
+                  <a:pt x="120000" y="0"/>
+                </a:lnTo>
+                <a:lnTo>
+                  <a:pt x="120000" y="120000"/>
+                </a:lnTo>
+                <a:lnTo>
+                  <a:pt x="0" y="120000"/>
+                </a:lnTo>
+                <a:close/>
+              </a:path>
+            </a:pathLst>
+          </a:custGeom>
+        </p:spPr>
+      </p:sp>
+      <p:sp>
+        <p:nvSpPr>
+          <p:cNvPr id="155" name="Google Shape;155;g104a4e9dfd5_2_22:notes"/>
+          <p:cNvSpPr txBox="1">
+            <a:spLocks noGrp="1"/>
+          </p:cNvSpPr>
+          <p:nvPr>
+            <p:ph type="body" idx="1"/>
+          </p:nvPr>
+        </p:nvSpPr>
+        <p:spPr>
+          <a:xfrm>
+            <a:off x="685800" y="4343400"/>
+            <a:ext cx="5486400" cy="4114800"/>
+          </a:xfrm>
+          <a:prstGeom prst="rect">
+            <a:avLst/>
+          </a:prstGeom>
+        </p:spPr>
+        <p:txBody>
+          <a:bodyPr spcFirstLastPara="1" wrap="square" lIns="91425" tIns="91425" rIns="91425" bIns="91425" anchor="t" anchorCtr="0">
+            <a:noAutofit/>
+          </a:bodyPr>
+          <a:lstStyle/>
+          <a:p>
+            <a:pPr marL="0" lvl="0" indent="0" algn="l" rtl="0">
+              <a:spcBef>
+                <a:spcPts val="0"/>
+              </a:spcBef>
+              <a:spcAft>
+                <a:spcPts val="0"/>
+              </a:spcAft>
+              <a:buNone/>
+            </a:pPr>
+            <a:endParaRPr dirty="0"/>
+          </a:p>
+        </p:txBody>
+      </p:sp>
+    </p:spTree>
+  </p:cSld>
+  <p:clrMapOvr>
+    <a:masterClrMapping/>
+  </p:clrMapOvr>
+</p:notes>
+</file>
+
+<file path=ppt/notesSlides/notesSlide22.xml><?xml version="1.0" encoding="utf-8"?>
 <p:notes xmlns:a="http://schemas.openxmlformats.org/drawingml/2006/main" xmlns:r="http://schemas.openxmlformats.org/officeDocument/2006/relationships" xmlns:p="http://schemas.openxmlformats.org/presentationml/2006/main" showMasterSp="0" showMasterPhAnim="0">
   <p:cSld>
     <p:spTree>
@@ -2175,110 +2279,11 @@
         </p:txBody>
       </p:sp>
     </p:spTree>
-  </p:cSld>
-  <p:clrMapOvr>
-    <a:masterClrMapping/>
-  </p:clrMapOvr>
-</p:notes>
-</file>
-
-<file path=ppt/notesSlides/notesSlide22.xml><?xml version="1.0" encoding="utf-8"?>
-<p:notes xmlns:a="http://schemas.openxmlformats.org/drawingml/2006/main" xmlns:r="http://schemas.openxmlformats.org/officeDocument/2006/relationships" xmlns:p="http://schemas.openxmlformats.org/presentationml/2006/main" showMasterSp="0" showMasterPhAnim="0">
-  <p:cSld>
-    <p:spTree>
-      <p:nvGrpSpPr>
-        <p:cNvPr id="1" name="Shape 153"/>
-        <p:cNvGrpSpPr/>
-        <p:nvPr/>
-      </p:nvGrpSpPr>
-      <p:grpSpPr>
-        <a:xfrm>
-          <a:off x="0" y="0"/>
-          <a:ext cx="0" cy="0"/>
-          <a:chOff x="0" y="0"/>
-          <a:chExt cx="0" cy="0"/>
-        </a:xfrm>
-      </p:grpSpPr>
-      <p:sp>
-        <p:nvSpPr>
-          <p:cNvPr id="154" name="Google Shape;154;g104a4e9dfd5_2_22:notes"/>
-          <p:cNvSpPr>
-            <a:spLocks noGrp="1" noRot="1" noChangeAspect="1"/>
-          </p:cNvSpPr>
-          <p:nvPr>
-            <p:ph type="sldImg" idx="2"/>
-          </p:nvPr>
-        </p:nvSpPr>
-        <p:spPr>
-          <a:xfrm>
-            <a:off x="381000" y="685800"/>
-            <a:ext cx="6096000" cy="3429000"/>
-          </a:xfrm>
-          <a:custGeom>
-            <a:avLst/>
-            <a:gdLst/>
-            <a:ahLst/>
-            <a:cxnLst/>
-            <a:rect l="l" t="t" r="r" b="b"/>
-            <a:pathLst>
-              <a:path w="120000" h="120000" extrusionOk="0">
-                <a:moveTo>
-                  <a:pt x="0" y="0"/>
-                </a:moveTo>
-                <a:lnTo>
-                  <a:pt x="120000" y="0"/>
-                </a:lnTo>
-                <a:lnTo>
-                  <a:pt x="120000" y="120000"/>
-                </a:lnTo>
-                <a:lnTo>
-                  <a:pt x="0" y="120000"/>
-                </a:lnTo>
-                <a:close/>
-              </a:path>
-            </a:pathLst>
-          </a:custGeom>
-        </p:spPr>
-      </p:sp>
-      <p:sp>
-        <p:nvSpPr>
-          <p:cNvPr id="155" name="Google Shape;155;g104a4e9dfd5_2_22:notes"/>
-          <p:cNvSpPr txBox="1">
-            <a:spLocks noGrp="1"/>
-          </p:cNvSpPr>
-          <p:nvPr>
-            <p:ph type="body" idx="1"/>
-          </p:nvPr>
-        </p:nvSpPr>
-        <p:spPr>
-          <a:xfrm>
-            <a:off x="685800" y="4343400"/>
-            <a:ext cx="5486400" cy="4114800"/>
-          </a:xfrm>
-          <a:prstGeom prst="rect">
-            <a:avLst/>
-          </a:prstGeom>
-        </p:spPr>
-        <p:txBody>
-          <a:bodyPr spcFirstLastPara="1" wrap="square" lIns="91425" tIns="91425" rIns="91425" bIns="91425" anchor="t" anchorCtr="0">
-            <a:noAutofit/>
-          </a:bodyPr>
-          <a:lstStyle/>
-          <a:p>
-            <a:pPr marL="0" lvl="0" indent="0" algn="l" rtl="0">
-              <a:spcBef>
-                <a:spcPts val="0"/>
-              </a:spcBef>
-              <a:spcAft>
-                <a:spcPts val="0"/>
-              </a:spcAft>
-              <a:buNone/>
-            </a:pPr>
-            <a:endParaRPr/>
-          </a:p>
-        </p:txBody>
-      </p:sp>
-    </p:spTree>
+    <p:extLst>
+      <p:ext uri="{BB962C8B-B14F-4D97-AF65-F5344CB8AC3E}">
+        <p14:creationId xmlns:p14="http://schemas.microsoft.com/office/powerpoint/2010/main" val="289062085"/>
+      </p:ext>
+    </p:extLst>
   </p:cSld>
   <p:clrMapOvr>
     <a:masterClrMapping/>
@@ -10209,7 +10214,7 @@
         </p:blipFill>
         <p:spPr>
           <a:xfrm>
-            <a:off x="93264" y="2681055"/>
+            <a:off x="124692" y="3076709"/>
             <a:ext cx="11942616" cy="3364638"/>
           </a:xfrm>
           <a:prstGeom prst="rect">
@@ -10234,117 +10239,6 @@
 </file>
 
 <file path=ppt/slides/slide17.xml><?xml version="1.0" encoding="utf-8"?>
-<p:sld xmlns:a="http://schemas.openxmlformats.org/drawingml/2006/main" xmlns:r="http://schemas.openxmlformats.org/officeDocument/2006/relationships" xmlns:p="http://schemas.openxmlformats.org/presentationml/2006/main">
-  <p:cSld>
-    <p:spTree>
-      <p:nvGrpSpPr>
-        <p:cNvPr id="1" name="Shape 126"/>
-        <p:cNvGrpSpPr/>
-        <p:nvPr/>
-      </p:nvGrpSpPr>
-      <p:grpSpPr>
-        <a:xfrm>
-          <a:off x="0" y="0"/>
-          <a:ext cx="0" cy="0"/>
-          <a:chOff x="0" y="0"/>
-          <a:chExt cx="0" cy="0"/>
-        </a:xfrm>
-      </p:grpSpPr>
-      <p:sp>
-        <p:nvSpPr>
-          <p:cNvPr id="127" name="Google Shape;127;p25"/>
-          <p:cNvSpPr txBox="1">
-            <a:spLocks noGrp="1"/>
-          </p:cNvSpPr>
-          <p:nvPr>
-            <p:ph type="title"/>
-          </p:nvPr>
-        </p:nvSpPr>
-        <p:spPr>
-          <a:xfrm>
-            <a:off x="0" y="65775"/>
-            <a:ext cx="6999600" cy="424200"/>
-          </a:xfrm>
-          <a:prstGeom prst="rect">
-            <a:avLst/>
-          </a:prstGeom>
-        </p:spPr>
-        <p:txBody>
-          <a:bodyPr spcFirstLastPara="1" wrap="square" lIns="91425" tIns="45700" rIns="91425" bIns="45700" anchor="ctr" anchorCtr="0">
-            <a:noAutofit/>
-          </a:bodyPr>
-          <a:lstStyle/>
-          <a:p>
-            <a:pPr marL="0" lvl="0" indent="0" algn="l" rtl="0">
-              <a:spcBef>
-                <a:spcPts val="0"/>
-              </a:spcBef>
-              <a:spcAft>
-                <a:spcPts val="0"/>
-              </a:spcAft>
-              <a:buNone/>
-            </a:pPr>
-            <a:r>
-              <a:rPr lang="en-US" sz="3100" u="sng">
-                <a:latin typeface="Consolas"/>
-                <a:ea typeface="Consolas"/>
-                <a:cs typeface="Consolas"/>
-                <a:sym typeface="Consolas"/>
-              </a:rPr>
-              <a:t>edge detection</a:t>
-            </a:r>
-            <a:endParaRPr sz="3100" u="sng">
-              <a:latin typeface="Consolas"/>
-              <a:ea typeface="Consolas"/>
-              <a:cs typeface="Consolas"/>
-              <a:sym typeface="Consolas"/>
-            </a:endParaRPr>
-          </a:p>
-        </p:txBody>
-      </p:sp>
-      <p:sp>
-        <p:nvSpPr>
-          <p:cNvPr id="128" name="Google Shape;128;p25"/>
-          <p:cNvSpPr txBox="1">
-            <a:spLocks noGrp="1"/>
-          </p:cNvSpPr>
-          <p:nvPr>
-            <p:ph type="body" idx="1"/>
-          </p:nvPr>
-        </p:nvSpPr>
-        <p:spPr>
-          <a:prstGeom prst="rect">
-            <a:avLst/>
-          </a:prstGeom>
-        </p:spPr>
-        <p:txBody>
-          <a:bodyPr spcFirstLastPara="1" wrap="square" lIns="91425" tIns="45700" rIns="91425" bIns="45700" anchor="t" anchorCtr="0">
-            <a:normAutofit/>
-          </a:bodyPr>
-          <a:lstStyle/>
-          <a:p>
-            <a:pPr marL="0" lvl="0" indent="0" algn="l" rtl="0">
-              <a:spcBef>
-                <a:spcPts val="1000"/>
-              </a:spcBef>
-              <a:spcAft>
-                <a:spcPts val="1600"/>
-              </a:spcAft>
-              <a:buNone/>
-            </a:pPr>
-            <a:endParaRPr/>
-          </a:p>
-        </p:txBody>
-      </p:sp>
-    </p:spTree>
-  </p:cSld>
-  <p:clrMapOvr>
-    <a:masterClrMapping/>
-  </p:clrMapOvr>
-</p:sld>
-</file>
-
-<file path=ppt/slides/slide18.xml><?xml version="1.0" encoding="utf-8"?>
 <p:sld xmlns:a="http://schemas.openxmlformats.org/drawingml/2006/main" xmlns:r="http://schemas.openxmlformats.org/officeDocument/2006/relationships" xmlns:p="http://schemas.openxmlformats.org/presentationml/2006/main">
   <p:cSld>
     <p:spTree>
@@ -10373,7 +10267,7 @@
         </p:nvSpPr>
         <p:spPr>
           <a:xfrm>
-            <a:off x="0" y="65775"/>
+            <a:off x="0" y="143041"/>
             <a:ext cx="6999600" cy="424200"/>
           </a:xfrm>
           <a:prstGeom prst="rect">
@@ -10396,7 +10290,7 @@
               <a:buNone/>
             </a:pPr>
             <a:r>
-              <a:rPr lang="en-US" sz="3100" u="sng">
+              <a:rPr lang="en-US" sz="3100" u="sng" dirty="0">
                 <a:latin typeface="Consolas"/>
                 <a:ea typeface="Consolas"/>
                 <a:cs typeface="Consolas"/>
@@ -10404,7 +10298,7 @@
               </a:rPr>
               <a:t>edge detection</a:t>
             </a:r>
-            <a:endParaRPr sz="3100" u="sng">
+            <a:endParaRPr sz="3100" u="sng" dirty="0">
               <a:latin typeface="Consolas"/>
               <a:ea typeface="Consolas"/>
               <a:cs typeface="Consolas"/>
@@ -10424,29 +10318,168 @@
           </p:nvPr>
         </p:nvSpPr>
         <p:spPr>
+          <a:xfrm>
+            <a:off x="404446" y="779340"/>
+            <a:ext cx="11787554" cy="1445114"/>
+          </a:xfrm>
           <a:prstGeom prst="rect">
             <a:avLst/>
           </a:prstGeom>
         </p:spPr>
         <p:txBody>
           <a:bodyPr spcFirstLastPara="1" wrap="square" lIns="91425" tIns="45700" rIns="91425" bIns="45700" anchor="t" anchorCtr="0">
-            <a:normAutofit/>
+            <a:noAutofit/>
           </a:bodyPr>
           <a:lstStyle/>
           <a:p>
-            <a:pPr marL="0" lvl="0" indent="0" algn="l" rtl="0">
-              <a:spcBef>
-                <a:spcPts val="1000"/>
-              </a:spcBef>
+            <a:pPr marL="342900">
               <a:spcAft>
                 <a:spcPts val="1600"/>
               </a:spcAft>
-              <a:buNone/>
+              <a:buClr>
+                <a:schemeClr val="tx1"/>
+              </a:buClr>
             </a:pPr>
-            <a:endParaRPr/>
+            <a:r>
+              <a:rPr lang="en-IN" sz="1800" dirty="0">
+                <a:solidFill>
+                  <a:schemeClr val="tx1"/>
+                </a:solidFill>
+                <a:latin typeface="Consolas" panose="020B0609020204030204" pitchFamily="49" charset="0"/>
+                <a:cs typeface="Consolas" panose="020B0609020204030204" pitchFamily="49" charset="0"/>
+              </a:rPr>
+              <a:t>cv2.Canny(gray, 200, 300)</a:t>
+            </a:r>
+          </a:p>
+          <a:p>
+            <a:pPr marL="342900">
+              <a:spcAft>
+                <a:spcPts val="1600"/>
+              </a:spcAft>
+              <a:buClr>
+                <a:schemeClr val="tx1"/>
+              </a:buClr>
+            </a:pPr>
+            <a:r>
+              <a:rPr lang="en-IN" sz="1800" dirty="0">
+                <a:solidFill>
+                  <a:schemeClr val="tx1"/>
+                </a:solidFill>
+                <a:latin typeface="Consolas" panose="020B0609020204030204" pitchFamily="49" charset="0"/>
+                <a:cs typeface="Consolas" panose="020B0609020204030204" pitchFamily="49" charset="0"/>
+              </a:rPr>
+              <a:t>Edge detection is applied to extract lane lines boundaries from the image.</a:t>
+            </a:r>
+          </a:p>
+          <a:p>
+            <a:pPr marL="342900">
+              <a:spcAft>
+                <a:spcPts val="1600"/>
+              </a:spcAft>
+              <a:buClr>
+                <a:schemeClr val="tx1"/>
+              </a:buClr>
+            </a:pPr>
+            <a:r>
+              <a:rPr lang="en-IN" sz="1800" dirty="0">
+                <a:solidFill>
+                  <a:schemeClr val="tx1"/>
+                </a:solidFill>
+                <a:latin typeface="Consolas" panose="020B0609020204030204" pitchFamily="49" charset="0"/>
+                <a:cs typeface="Consolas" panose="020B0609020204030204" pitchFamily="49" charset="0"/>
+              </a:rPr>
+              <a:t>There were many edge detection algorithms such </a:t>
+            </a:r>
+            <a:r>
+              <a:rPr lang="en-IN" sz="1800" u="sng" dirty="0">
+                <a:solidFill>
+                  <a:schemeClr val="tx1"/>
+                </a:solidFill>
+                <a:latin typeface="Consolas" panose="020B0609020204030204" pitchFamily="49" charset="0"/>
+                <a:cs typeface="Consolas" panose="020B0609020204030204" pitchFamily="49" charset="0"/>
+              </a:rPr>
+              <a:t>as Roberts, Prewitt, Sobel, Canny</a:t>
+            </a:r>
+            <a:r>
+              <a:rPr lang="en-IN" sz="1800" dirty="0">
+                <a:solidFill>
+                  <a:schemeClr val="tx1"/>
+                </a:solidFill>
+                <a:latin typeface="Consolas" panose="020B0609020204030204" pitchFamily="49" charset="0"/>
+                <a:cs typeface="Consolas" panose="020B0609020204030204" pitchFamily="49" charset="0"/>
+              </a:rPr>
+              <a:t>.</a:t>
+            </a:r>
+          </a:p>
+          <a:p>
+            <a:pPr marL="0" indent="0">
+              <a:spcAft>
+                <a:spcPts val="1600"/>
+              </a:spcAft>
+              <a:buClr>
+                <a:schemeClr val="tx1"/>
+              </a:buClr>
+              <a:buNone/>
+            </a:pPr>
+            <a:endParaRPr lang="en-IN" sz="1800" dirty="0">
+              <a:solidFill>
+                <a:schemeClr val="tx1"/>
+              </a:solidFill>
+              <a:latin typeface="Consolas" panose="020B0609020204030204" pitchFamily="49" charset="0"/>
+              <a:cs typeface="Consolas" panose="020B0609020204030204" pitchFamily="49" charset="0"/>
+            </a:endParaRPr>
+          </a:p>
+          <a:p>
+            <a:pPr marL="342900">
+              <a:spcAft>
+                <a:spcPts val="1600"/>
+              </a:spcAft>
+              <a:buClr>
+                <a:schemeClr val="tx1"/>
+              </a:buClr>
+            </a:pPr>
+            <a:endParaRPr sz="1800" dirty="0">
+              <a:solidFill>
+                <a:schemeClr val="tx1"/>
+              </a:solidFill>
+              <a:latin typeface="Consolas" panose="020B0609020204030204" pitchFamily="49" charset="0"/>
+              <a:cs typeface="Consolas" panose="020B0609020204030204" pitchFamily="49" charset="0"/>
+            </a:endParaRPr>
           </a:p>
         </p:txBody>
       </p:sp>
+      <p:pic>
+        <p:nvPicPr>
+          <p:cNvPr id="3" name="Picture 2">
+            <a:extLst>
+              <a:ext uri="{FF2B5EF4-FFF2-40B4-BE49-F238E27FC236}">
+                <a16:creationId xmlns:a16="http://schemas.microsoft.com/office/drawing/2014/main" id="{4B0EC597-3DAF-E149-BA2A-858693BD1ACE}"/>
+              </a:ext>
+            </a:extLst>
+          </p:cNvPr>
+          <p:cNvPicPr>
+            <a:picLocks noChangeAspect="1"/>
+          </p:cNvPicPr>
+          <p:nvPr/>
+        </p:nvPicPr>
+        <p:blipFill rotWithShape="1">
+          <a:blip r:embed="rId3"/>
+          <a:srcRect l="10214" t="37822" r="8504" b="38460"/>
+          <a:stretch/>
+        </p:blipFill>
+        <p:spPr>
+          <a:xfrm>
+            <a:off x="124531" y="3017930"/>
+            <a:ext cx="11942938" cy="3484929"/>
+          </a:xfrm>
+          <a:prstGeom prst="rect">
+            <a:avLst/>
+          </a:prstGeom>
+          <a:solidFill>
+            <a:schemeClr val="accent2"/>
+          </a:solidFill>
+        </p:spPr>
+      </p:pic>
     </p:spTree>
   </p:cSld>
   <p:clrMapOvr>
@@ -10455,7 +10488,7 @@
 </p:sld>
 </file>
 
-<file path=ppt/slides/slide19.xml><?xml version="1.0" encoding="utf-8"?>
+<file path=ppt/slides/slide18.xml><?xml version="1.0" encoding="utf-8"?>
 <p:sld xmlns:a="http://schemas.openxmlformats.org/drawingml/2006/main" xmlns:r="http://schemas.openxmlformats.org/officeDocument/2006/relationships" xmlns:p="http://schemas.openxmlformats.org/presentationml/2006/main">
   <p:cSld>
     <p:spTree>
@@ -10535,6 +10568,172 @@
           </p:nvPr>
         </p:nvSpPr>
         <p:spPr>
+          <a:xfrm>
+            <a:off x="776654" y="603494"/>
+            <a:ext cx="10515600" cy="583467"/>
+          </a:xfrm>
+          <a:prstGeom prst="rect">
+            <a:avLst/>
+          </a:prstGeom>
+        </p:spPr>
+        <p:txBody>
+          <a:bodyPr spcFirstLastPara="1" wrap="square" lIns="91425" tIns="45700" rIns="91425" bIns="45700" anchor="t" anchorCtr="0">
+            <a:normAutofit fontScale="62500" lnSpcReduction="20000"/>
+          </a:bodyPr>
+          <a:lstStyle/>
+          <a:p>
+            <a:pPr marL="342900">
+              <a:spcAft>
+                <a:spcPts val="1600"/>
+              </a:spcAft>
+              <a:buClr>
+                <a:schemeClr val="tx1"/>
+              </a:buClr>
+            </a:pPr>
+            <a:r>
+              <a:rPr lang="en-US" dirty="0">
+                <a:solidFill>
+                  <a:schemeClr val="tx1"/>
+                </a:solidFill>
+                <a:latin typeface="Consolas" panose="020B0609020204030204" pitchFamily="49" charset="0"/>
+                <a:cs typeface="Consolas" panose="020B0609020204030204" pitchFamily="49" charset="0"/>
+              </a:rPr>
+              <a:t>Explain this</a:t>
+            </a:r>
+            <a:endParaRPr dirty="0">
+              <a:solidFill>
+                <a:schemeClr val="tx1"/>
+              </a:solidFill>
+              <a:latin typeface="Consolas" panose="020B0609020204030204" pitchFamily="49" charset="0"/>
+              <a:cs typeface="Consolas" panose="020B0609020204030204" pitchFamily="49" charset="0"/>
+            </a:endParaRPr>
+          </a:p>
+        </p:txBody>
+      </p:sp>
+      <p:pic>
+        <p:nvPicPr>
+          <p:cNvPr id="3" name="Picture 2" descr="A picture containing outdoor object, night sky&#10;&#10;Description automatically generated">
+            <a:extLst>
+              <a:ext uri="{FF2B5EF4-FFF2-40B4-BE49-F238E27FC236}">
+                <a16:creationId xmlns:a16="http://schemas.microsoft.com/office/drawing/2014/main" id="{888239F9-E950-BC49-8A95-E555C4F0674C}"/>
+              </a:ext>
+            </a:extLst>
+          </p:cNvPr>
+          <p:cNvPicPr>
+            <a:picLocks noChangeAspect="1"/>
+          </p:cNvPicPr>
+          <p:nvPr/>
+        </p:nvPicPr>
+        <p:blipFill rotWithShape="1">
+          <a:blip r:embed="rId3"/>
+          <a:srcRect l="8932" t="37820" r="9017" b="38333"/>
+          <a:stretch/>
+        </p:blipFill>
+        <p:spPr>
+          <a:xfrm>
+            <a:off x="106835" y="3017930"/>
+            <a:ext cx="11768453" cy="3420208"/>
+          </a:xfrm>
+          <a:prstGeom prst="rect">
+            <a:avLst/>
+          </a:prstGeom>
+          <a:solidFill>
+            <a:schemeClr val="accent2"/>
+          </a:solidFill>
+        </p:spPr>
+      </p:pic>
+    </p:spTree>
+  </p:cSld>
+  <p:clrMapOvr>
+    <a:masterClrMapping/>
+  </p:clrMapOvr>
+</p:sld>
+</file>
+
+<file path=ppt/slides/slide19.xml><?xml version="1.0" encoding="utf-8"?>
+<p:sld xmlns:a="http://schemas.openxmlformats.org/drawingml/2006/main" xmlns:r="http://schemas.openxmlformats.org/officeDocument/2006/relationships" xmlns:p="http://schemas.openxmlformats.org/presentationml/2006/main">
+  <p:cSld>
+    <p:spTree>
+      <p:nvGrpSpPr>
+        <p:cNvPr id="1" name="Shape 144"/>
+        <p:cNvGrpSpPr/>
+        <p:nvPr/>
+      </p:nvGrpSpPr>
+      <p:grpSpPr>
+        <a:xfrm>
+          <a:off x="0" y="0"/>
+          <a:ext cx="0" cy="0"/>
+          <a:chOff x="0" y="0"/>
+          <a:chExt cx="0" cy="0"/>
+        </a:xfrm>
+      </p:grpSpPr>
+      <p:sp>
+        <p:nvSpPr>
+          <p:cNvPr id="145" name="Google Shape;145;p28"/>
+          <p:cNvSpPr txBox="1">
+            <a:spLocks noGrp="1"/>
+          </p:cNvSpPr>
+          <p:nvPr>
+            <p:ph type="title"/>
+          </p:nvPr>
+        </p:nvSpPr>
+        <p:spPr>
+          <a:xfrm>
+            <a:off x="0" y="65775"/>
+            <a:ext cx="6999600" cy="424200"/>
+          </a:xfrm>
+          <a:prstGeom prst="rect">
+            <a:avLst/>
+          </a:prstGeom>
+        </p:spPr>
+        <p:txBody>
+          <a:bodyPr spcFirstLastPara="1" wrap="square" lIns="91425" tIns="45700" rIns="91425" bIns="45700" anchor="ctr" anchorCtr="0">
+            <a:noAutofit/>
+          </a:bodyPr>
+          <a:lstStyle/>
+          <a:p>
+            <a:pPr marL="0" lvl="0" indent="0" algn="l" rtl="0">
+              <a:spcBef>
+                <a:spcPts val="0"/>
+              </a:spcBef>
+              <a:spcAft>
+                <a:spcPts val="0"/>
+              </a:spcAft>
+              <a:buNone/>
+            </a:pPr>
+            <a:r>
+              <a:rPr lang="en-US" sz="3100" u="sng">
+                <a:latin typeface="Consolas"/>
+                <a:ea typeface="Consolas"/>
+                <a:cs typeface="Consolas"/>
+                <a:sym typeface="Consolas"/>
+              </a:rPr>
+              <a:t>Hough Transform</a:t>
+            </a:r>
+            <a:endParaRPr sz="3100" u="sng">
+              <a:latin typeface="Consolas"/>
+              <a:ea typeface="Consolas"/>
+              <a:cs typeface="Consolas"/>
+              <a:sym typeface="Consolas"/>
+            </a:endParaRPr>
+          </a:p>
+        </p:txBody>
+      </p:sp>
+      <p:sp>
+        <p:nvSpPr>
+          <p:cNvPr id="146" name="Google Shape;146;p28"/>
+          <p:cNvSpPr txBox="1">
+            <a:spLocks noGrp="1"/>
+          </p:cNvSpPr>
+          <p:nvPr>
+            <p:ph type="body" idx="1"/>
+          </p:nvPr>
+        </p:nvSpPr>
+        <p:spPr>
+          <a:xfrm>
+            <a:off x="732692" y="990356"/>
+            <a:ext cx="10515600" cy="873613"/>
+          </a:xfrm>
           <a:prstGeom prst="rect">
             <a:avLst/>
           </a:prstGeom>
@@ -10554,10 +10753,42 @@
               </a:spcAft>
               <a:buNone/>
             </a:pPr>
-            <a:endParaRPr/>
+            <a:endParaRPr dirty="0"/>
           </a:p>
         </p:txBody>
       </p:sp>
+      <p:pic>
+        <p:nvPicPr>
+          <p:cNvPr id="3" name="Picture 2">
+            <a:extLst>
+              <a:ext uri="{FF2B5EF4-FFF2-40B4-BE49-F238E27FC236}">
+                <a16:creationId xmlns:a16="http://schemas.microsoft.com/office/drawing/2014/main" id="{7B19C8C7-6EF7-1F46-A74D-E92C0B1AA2E7}"/>
+              </a:ext>
+            </a:extLst>
+          </p:cNvPr>
+          <p:cNvPicPr>
+            <a:picLocks noChangeAspect="1"/>
+          </p:cNvPicPr>
+          <p:nvPr/>
+        </p:nvPicPr>
+        <p:blipFill rotWithShape="1">
+          <a:blip r:embed="rId3"/>
+          <a:srcRect l="10470" t="38469" r="8504" b="38327"/>
+          <a:stretch/>
+        </p:blipFill>
+        <p:spPr>
+          <a:xfrm>
+            <a:off x="165128" y="2976197"/>
+            <a:ext cx="11865628" cy="3398226"/>
+          </a:xfrm>
+          <a:prstGeom prst="rect">
+            <a:avLst/>
+          </a:prstGeom>
+          <a:solidFill>
+            <a:schemeClr val="accent2"/>
+          </a:solidFill>
+        </p:spPr>
+      </p:pic>
     </p:spTree>
   </p:cSld>
   <p:clrMapOvr>
@@ -10762,117 +10993,6 @@
   <p:cSld>
     <p:spTree>
       <p:nvGrpSpPr>
-        <p:cNvPr id="1" name="Shape 144"/>
-        <p:cNvGrpSpPr/>
-        <p:nvPr/>
-      </p:nvGrpSpPr>
-      <p:grpSpPr>
-        <a:xfrm>
-          <a:off x="0" y="0"/>
-          <a:ext cx="0" cy="0"/>
-          <a:chOff x="0" y="0"/>
-          <a:chExt cx="0" cy="0"/>
-        </a:xfrm>
-      </p:grpSpPr>
-      <p:sp>
-        <p:nvSpPr>
-          <p:cNvPr id="145" name="Google Shape;145;p28"/>
-          <p:cNvSpPr txBox="1">
-            <a:spLocks noGrp="1"/>
-          </p:cNvSpPr>
-          <p:nvPr>
-            <p:ph type="title"/>
-          </p:nvPr>
-        </p:nvSpPr>
-        <p:spPr>
-          <a:xfrm>
-            <a:off x="0" y="65775"/>
-            <a:ext cx="6999600" cy="424200"/>
-          </a:xfrm>
-          <a:prstGeom prst="rect">
-            <a:avLst/>
-          </a:prstGeom>
-        </p:spPr>
-        <p:txBody>
-          <a:bodyPr spcFirstLastPara="1" wrap="square" lIns="91425" tIns="45700" rIns="91425" bIns="45700" anchor="ctr" anchorCtr="0">
-            <a:noAutofit/>
-          </a:bodyPr>
-          <a:lstStyle/>
-          <a:p>
-            <a:pPr marL="0" lvl="0" indent="0" algn="l" rtl="0">
-              <a:spcBef>
-                <a:spcPts val="0"/>
-              </a:spcBef>
-              <a:spcAft>
-                <a:spcPts val="0"/>
-              </a:spcAft>
-              <a:buNone/>
-            </a:pPr>
-            <a:r>
-              <a:rPr lang="en-US" sz="3100" u="sng">
-                <a:latin typeface="Consolas"/>
-                <a:ea typeface="Consolas"/>
-                <a:cs typeface="Consolas"/>
-                <a:sym typeface="Consolas"/>
-              </a:rPr>
-              <a:t>Hough Transform</a:t>
-            </a:r>
-            <a:endParaRPr sz="3100" u="sng">
-              <a:latin typeface="Consolas"/>
-              <a:ea typeface="Consolas"/>
-              <a:cs typeface="Consolas"/>
-              <a:sym typeface="Consolas"/>
-            </a:endParaRPr>
-          </a:p>
-        </p:txBody>
-      </p:sp>
-      <p:sp>
-        <p:nvSpPr>
-          <p:cNvPr id="146" name="Google Shape;146;p28"/>
-          <p:cNvSpPr txBox="1">
-            <a:spLocks noGrp="1"/>
-          </p:cNvSpPr>
-          <p:nvPr>
-            <p:ph type="body" idx="1"/>
-          </p:nvPr>
-        </p:nvSpPr>
-        <p:spPr>
-          <a:prstGeom prst="rect">
-            <a:avLst/>
-          </a:prstGeom>
-        </p:spPr>
-        <p:txBody>
-          <a:bodyPr spcFirstLastPara="1" wrap="square" lIns="91425" tIns="45700" rIns="91425" bIns="45700" anchor="t" anchorCtr="0">
-            <a:normAutofit/>
-          </a:bodyPr>
-          <a:lstStyle/>
-          <a:p>
-            <a:pPr marL="0" lvl="0" indent="0" algn="l" rtl="0">
-              <a:spcBef>
-                <a:spcPts val="1000"/>
-              </a:spcBef>
-              <a:spcAft>
-                <a:spcPts val="1600"/>
-              </a:spcAft>
-              <a:buNone/>
-            </a:pPr>
-            <a:endParaRPr/>
-          </a:p>
-        </p:txBody>
-      </p:sp>
-    </p:spTree>
-  </p:cSld>
-  <p:clrMapOvr>
-    <a:masterClrMapping/>
-  </p:clrMapOvr>
-</p:sld>
-</file>
-
-<file path=ppt/slides/slide21.xml><?xml version="1.0" encoding="utf-8"?>
-<p:sld xmlns:a="http://schemas.openxmlformats.org/drawingml/2006/main" xmlns:r="http://schemas.openxmlformats.org/officeDocument/2006/relationships" xmlns:p="http://schemas.openxmlformats.org/presentationml/2006/main">
-  <p:cSld>
-    <p:spTree>
-      <p:nvGrpSpPr>
         <p:cNvPr id="1" name="Shape 150"/>
         <p:cNvGrpSpPr/>
         <p:nvPr/>
@@ -10948,13 +11068,17 @@
           </p:nvPr>
         </p:nvSpPr>
         <p:spPr>
+          <a:xfrm>
+            <a:off x="732692" y="1078279"/>
+            <a:ext cx="10515600" cy="609844"/>
+          </a:xfrm>
           <a:prstGeom prst="rect">
             <a:avLst/>
           </a:prstGeom>
         </p:spPr>
         <p:txBody>
           <a:bodyPr spcFirstLastPara="1" wrap="square" lIns="91425" tIns="45700" rIns="91425" bIns="45700" anchor="t" anchorCtr="0">
-            <a:normAutofit/>
+            <a:normAutofit fontScale="70000" lnSpcReduction="20000"/>
           </a:bodyPr>
           <a:lstStyle/>
           <a:p>
@@ -10971,6 +11095,38 @@
           </a:p>
         </p:txBody>
       </p:sp>
+      <p:pic>
+        <p:nvPicPr>
+          <p:cNvPr id="3" name="Picture 2" descr="A picture containing shape&#10;&#10;Description automatically generated">
+            <a:extLst>
+              <a:ext uri="{FF2B5EF4-FFF2-40B4-BE49-F238E27FC236}">
+                <a16:creationId xmlns:a16="http://schemas.microsoft.com/office/drawing/2014/main" id="{E45D1D37-3009-5849-AA7C-3E0327E16E9F}"/>
+              </a:ext>
+            </a:extLst>
+          </p:cNvPr>
+          <p:cNvPicPr>
+            <a:picLocks noChangeAspect="1"/>
+          </p:cNvPicPr>
+          <p:nvPr/>
+        </p:nvPicPr>
+        <p:blipFill rotWithShape="1">
+          <a:blip r:embed="rId3"/>
+          <a:srcRect l="9829" t="38334" r="8761" b="37820"/>
+          <a:stretch/>
+        </p:blipFill>
+        <p:spPr>
+          <a:xfrm>
+            <a:off x="62181" y="2938799"/>
+            <a:ext cx="11856622" cy="3472963"/>
+          </a:xfrm>
+          <a:prstGeom prst="rect">
+            <a:avLst/>
+          </a:prstGeom>
+          <a:solidFill>
+            <a:schemeClr val="accent2"/>
+          </a:solidFill>
+        </p:spPr>
+      </p:pic>
     </p:spTree>
   </p:cSld>
   <p:clrMapOvr>
@@ -10979,7 +11135,7 @@
 </p:sld>
 </file>
 
-<file path=ppt/slides/slide22.xml><?xml version="1.0" encoding="utf-8"?>
+<file path=ppt/slides/slide21.xml><?xml version="1.0" encoding="utf-8"?>
 <p:sld xmlns:a="http://schemas.openxmlformats.org/drawingml/2006/main" xmlns:r="http://schemas.openxmlformats.org/officeDocument/2006/relationships" xmlns:p="http://schemas.openxmlformats.org/presentationml/2006/main">
   <p:cSld>
     <p:spTree>
@@ -11031,15 +11187,265 @@
               <a:buNone/>
             </a:pPr>
             <a:r>
-              <a:rPr lang="en-US" sz="3100" u="sng">
+              <a:rPr lang="en-US" sz="3100" u="sng" dirty="0">
                 <a:latin typeface="Consolas"/>
                 <a:ea typeface="Consolas"/>
                 <a:cs typeface="Consolas"/>
                 <a:sym typeface="Consolas"/>
               </a:rPr>
-              <a:t>End</a:t>
+              <a:t>Result (video)</a:t>
             </a:r>
-            <a:endParaRPr sz="3100" u="sng">
+            <a:endParaRPr sz="3100" u="sng" dirty="0">
+              <a:latin typeface="Consolas"/>
+              <a:ea typeface="Consolas"/>
+              <a:cs typeface="Consolas"/>
+              <a:sym typeface="Consolas"/>
+            </a:endParaRPr>
+          </a:p>
+        </p:txBody>
+      </p:sp>
+      <p:pic>
+        <p:nvPicPr>
+          <p:cNvPr id="3" name="solidWhiteRight_output.mp4" descr="solidWhiteRight_output.mp4">
+            <a:hlinkClick r:id="" action="ppaction://media"/>
+            <a:extLst>
+              <a:ext uri="{FF2B5EF4-FFF2-40B4-BE49-F238E27FC236}">
+                <a16:creationId xmlns:a16="http://schemas.microsoft.com/office/drawing/2014/main" id="{27DEACCE-4E64-A148-A7BB-71F6B380355F}"/>
+              </a:ext>
+            </a:extLst>
+          </p:cNvPr>
+          <p:cNvPicPr>
+            <a:picLocks noChangeAspect="1"/>
+          </p:cNvPicPr>
+          <p:nvPr>
+            <a:videoFile r:link="rId2"/>
+            <p:extLst>
+              <p:ext uri="{DAA4B4D4-6D71-4841-9C94-3DE7FCFB9230}">
+                <p14:media xmlns:p14="http://schemas.microsoft.com/office/powerpoint/2010/main" r:embed="rId1"/>
+              </p:ext>
+            </p:extLst>
+          </p:nvPr>
+        </p:nvPicPr>
+        <p:blipFill>
+          <a:blip r:embed="rId5"/>
+          <a:stretch>
+            <a:fillRect/>
+          </a:stretch>
+        </p:blipFill>
+        <p:spPr>
+          <a:xfrm>
+            <a:off x="797170" y="595483"/>
+            <a:ext cx="10597660" cy="5961184"/>
+          </a:xfrm>
+          <a:prstGeom prst="rect">
+            <a:avLst/>
+          </a:prstGeom>
+        </p:spPr>
+      </p:pic>
+    </p:spTree>
+  </p:cSld>
+  <p:clrMapOvr>
+    <a:masterClrMapping/>
+  </p:clrMapOvr>
+  <p:timing>
+    <p:tnLst>
+      <p:par>
+        <p:cTn id="1" dur="indefinite" restart="never" nodeType="tmRoot">
+          <p:childTnLst>
+            <p:seq concurrent="1" nextAc="seek">
+              <p:cTn id="2" dur="indefinite" nodeType="mainSeq">
+                <p:childTnLst>
+                  <p:par>
+                    <p:cTn id="3" fill="hold">
+                      <p:stCondLst>
+                        <p:cond delay="indefinite"/>
+                      </p:stCondLst>
+                      <p:childTnLst>
+                        <p:par>
+                          <p:cTn id="4" fill="hold">
+                            <p:stCondLst>
+                              <p:cond delay="0"/>
+                            </p:stCondLst>
+                            <p:childTnLst>
+                              <p:par>
+                                <p:cTn id="5" presetID="1" presetClass="mediacall" presetSubtype="0" fill="hold" nodeType="clickEffect">
+                                  <p:stCondLst>
+                                    <p:cond delay="0"/>
+                                  </p:stCondLst>
+                                  <p:childTnLst>
+                                    <p:cmd type="call" cmd="playFrom(0.0)">
+                                      <p:cBhvr>
+                                        <p:cTn id="6" dur="8840" fill="hold"/>
+                                        <p:tgtEl>
+                                          <p:spTgt spid="3"/>
+                                        </p:tgtEl>
+                                      </p:cBhvr>
+                                    </p:cmd>
+                                  </p:childTnLst>
+                                </p:cTn>
+                              </p:par>
+                            </p:childTnLst>
+                          </p:cTn>
+                        </p:par>
+                      </p:childTnLst>
+                    </p:cTn>
+                  </p:par>
+                </p:childTnLst>
+              </p:cTn>
+              <p:prevCondLst>
+                <p:cond evt="onPrev" delay="0">
+                  <p:tgtEl>
+                    <p:sldTgt/>
+                  </p:tgtEl>
+                </p:cond>
+              </p:prevCondLst>
+              <p:nextCondLst>
+                <p:cond evt="onNext" delay="0">
+                  <p:tgtEl>
+                    <p:sldTgt/>
+                  </p:tgtEl>
+                </p:cond>
+              </p:nextCondLst>
+            </p:seq>
+            <p:video>
+              <p:cMediaNode vol="80000">
+                <p:cTn id="7" fill="hold" display="0">
+                  <p:stCondLst>
+                    <p:cond delay="indefinite"/>
+                  </p:stCondLst>
+                </p:cTn>
+                <p:tgtEl>
+                  <p:spTgt spid="3"/>
+                </p:tgtEl>
+              </p:cMediaNode>
+            </p:video>
+            <p:seq concurrent="1" nextAc="seek">
+              <p:cTn id="8" restart="whenNotActive" fill="hold" evtFilter="cancelBubble" nodeType="interactiveSeq">
+                <p:stCondLst>
+                  <p:cond evt="onClick" delay="0">
+                    <p:tgtEl>
+                      <p:spTgt spid="3"/>
+                    </p:tgtEl>
+                  </p:cond>
+                </p:stCondLst>
+                <p:endSync evt="end" delay="0">
+                  <p:rtn val="all"/>
+                </p:endSync>
+                <p:childTnLst>
+                  <p:par>
+                    <p:cTn id="9" fill="hold">
+                      <p:stCondLst>
+                        <p:cond delay="0"/>
+                      </p:stCondLst>
+                      <p:childTnLst>
+                        <p:par>
+                          <p:cTn id="10" fill="hold">
+                            <p:stCondLst>
+                              <p:cond delay="0"/>
+                            </p:stCondLst>
+                            <p:childTnLst>
+                              <p:par>
+                                <p:cTn id="11" presetID="2" presetClass="mediacall" presetSubtype="0" fill="hold" nodeType="clickEffect">
+                                  <p:stCondLst>
+                                    <p:cond delay="0"/>
+                                  </p:stCondLst>
+                                  <p:childTnLst>
+                                    <p:cmd type="call" cmd="togglePause">
+                                      <p:cBhvr>
+                                        <p:cTn id="12" dur="1" fill="hold"/>
+                                        <p:tgtEl>
+                                          <p:spTgt spid="3"/>
+                                        </p:tgtEl>
+                                      </p:cBhvr>
+                                    </p:cmd>
+                                  </p:childTnLst>
+                                </p:cTn>
+                              </p:par>
+                            </p:childTnLst>
+                          </p:cTn>
+                        </p:par>
+                      </p:childTnLst>
+                    </p:cTn>
+                  </p:par>
+                </p:childTnLst>
+              </p:cTn>
+              <p:nextCondLst>
+                <p:cond evt="onClick" delay="0">
+                  <p:tgtEl>
+                    <p:spTgt spid="3"/>
+                  </p:tgtEl>
+                </p:cond>
+              </p:nextCondLst>
+            </p:seq>
+          </p:childTnLst>
+        </p:cTn>
+      </p:par>
+    </p:tnLst>
+  </p:timing>
+</p:sld>
+</file>
+
+<file path=ppt/slides/slide22.xml><?xml version="1.0" encoding="utf-8"?>
+<p:sld xmlns:a="http://schemas.openxmlformats.org/drawingml/2006/main" xmlns:r="http://schemas.openxmlformats.org/officeDocument/2006/relationships" xmlns:p="http://schemas.openxmlformats.org/presentationml/2006/main">
+  <p:cSld>
+    <p:spTree>
+      <p:nvGrpSpPr>
+        <p:cNvPr id="1" name="Shape 150"/>
+        <p:cNvGrpSpPr/>
+        <p:nvPr/>
+      </p:nvGrpSpPr>
+      <p:grpSpPr>
+        <a:xfrm>
+          <a:off x="0" y="0"/>
+          <a:ext cx="0" cy="0"/>
+          <a:chOff x="0" y="0"/>
+          <a:chExt cx="0" cy="0"/>
+        </a:xfrm>
+      </p:grpSpPr>
+      <p:sp>
+        <p:nvSpPr>
+          <p:cNvPr id="151" name="Google Shape;151;p29"/>
+          <p:cNvSpPr txBox="1">
+            <a:spLocks noGrp="1"/>
+          </p:cNvSpPr>
+          <p:nvPr>
+            <p:ph type="title"/>
+          </p:nvPr>
+        </p:nvSpPr>
+        <p:spPr>
+          <a:xfrm>
+            <a:off x="0" y="65775"/>
+            <a:ext cx="6999600" cy="424200"/>
+          </a:xfrm>
+          <a:prstGeom prst="rect">
+            <a:avLst/>
+          </a:prstGeom>
+        </p:spPr>
+        <p:txBody>
+          <a:bodyPr spcFirstLastPara="1" wrap="square" lIns="91425" tIns="45700" rIns="91425" bIns="45700" anchor="ctr" anchorCtr="0">
+            <a:noAutofit/>
+          </a:bodyPr>
+          <a:lstStyle/>
+          <a:p>
+            <a:pPr marL="0" lvl="0" indent="0" algn="l" rtl="0">
+              <a:spcBef>
+                <a:spcPts val="0"/>
+              </a:spcBef>
+              <a:spcAft>
+                <a:spcPts val="0"/>
+              </a:spcAft>
+              <a:buNone/>
+            </a:pPr>
+            <a:r>
+              <a:rPr lang="en-US" sz="3100" u="sng" dirty="0">
+                <a:latin typeface="Consolas"/>
+                <a:ea typeface="Consolas"/>
+                <a:cs typeface="Consolas"/>
+                <a:sym typeface="Consolas"/>
+              </a:rPr>
+              <a:t>End (maybe)</a:t>
+            </a:r>
+            <a:endParaRPr sz="3100" u="sng" dirty="0">
               <a:latin typeface="Consolas"/>
               <a:ea typeface="Consolas"/>
               <a:cs typeface="Consolas"/>
@@ -11050,7 +11456,7 @@
       </p:sp>
       <p:sp>
         <p:nvSpPr>
-          <p:cNvPr id="158" name="Google Shape;158;p30"/>
+          <p:cNvPr id="152" name="Google Shape;152;p29"/>
           <p:cNvSpPr txBox="1">
             <a:spLocks noGrp="1"/>
           </p:cNvSpPr>
@@ -11059,13 +11465,17 @@
           </p:nvPr>
         </p:nvSpPr>
         <p:spPr>
+          <a:xfrm>
+            <a:off x="732692" y="1078279"/>
+            <a:ext cx="10515600" cy="609844"/>
+          </a:xfrm>
           <a:prstGeom prst="rect">
             <a:avLst/>
           </a:prstGeom>
         </p:spPr>
         <p:txBody>
           <a:bodyPr spcFirstLastPara="1" wrap="square" lIns="91425" tIns="45700" rIns="91425" bIns="45700" anchor="t" anchorCtr="0">
-            <a:normAutofit/>
+            <a:normAutofit fontScale="70000" lnSpcReduction="20000"/>
           </a:bodyPr>
           <a:lstStyle/>
           <a:p>
@@ -11083,6 +11493,11 @@
         </p:txBody>
       </p:sp>
     </p:spTree>
+    <p:extLst>
+      <p:ext uri="{BB962C8B-B14F-4D97-AF65-F5344CB8AC3E}">
+        <p14:creationId xmlns:p14="http://schemas.microsoft.com/office/powerpoint/2010/main" val="2622423146"/>
+      </p:ext>
+    </p:extLst>
   </p:cSld>
   <p:clrMapOvr>
     <a:masterClrMapping/>
@@ -11761,7 +12176,7 @@
         <p:spPr>
           <a:xfrm>
             <a:off x="0" y="65775"/>
-            <a:ext cx="6999600" cy="424200"/>
+            <a:ext cx="7895492" cy="424200"/>
           </a:xfrm>
           <a:prstGeom prst="rect">
             <a:avLst/>
@@ -11783,15 +12198,15 @@
               <a:buNone/>
             </a:pPr>
             <a:r>
-              <a:rPr lang="en-US" sz="3100" u="sng">
+              <a:rPr lang="en-US" sz="3100" u="sng" dirty="0">
                 <a:latin typeface="Consolas"/>
                 <a:ea typeface="Consolas"/>
                 <a:cs typeface="Consolas"/>
                 <a:sym typeface="Consolas"/>
               </a:rPr>
-              <a:t>Hough Transform Method</a:t>
+              <a:t>Hough Transform Method (Explain)</a:t>
             </a:r>
-            <a:endParaRPr sz="3100" u="sng">
+            <a:endParaRPr sz="3100" u="sng" dirty="0">
               <a:latin typeface="Consolas"/>
               <a:ea typeface="Consolas"/>
               <a:cs typeface="Consolas"/>
